--- a/발표자료/시스템프로그래밍_팀프로젝트_1조.pptx
+++ b/발표자료/시스템프로그래밍_팀프로젝트_1조.pptx
@@ -5,7 +5,7 @@
     <p:sldMasterId id="2147483648" r:id="rId1"/>
   </p:sldMasterIdLst>
   <p:notesMasterIdLst>
-    <p:notesMasterId r:id="rId8"/>
+    <p:notesMasterId r:id="rId10"/>
   </p:notesMasterIdLst>
   <p:sldIdLst>
     <p:sldId id="257" r:id="rId2"/>
@@ -13,23 +13,21 @@
     <p:sldId id="268" r:id="rId4"/>
     <p:sldId id="262" r:id="rId5"/>
     <p:sldId id="260" r:id="rId6"/>
-    <p:sldId id="263" r:id="rId7"/>
+    <p:sldId id="272" r:id="rId7"/>
+    <p:sldId id="271" r:id="rId8"/>
+    <p:sldId id="263" r:id="rId9"/>
   </p:sldIdLst>
   <p:sldSz cx="9144000" cy="6858000" type="screen4x3"/>
   <p:notesSz cx="6858000" cy="9144000"/>
   <p:embeddedFontLst>
     <p:embeddedFont>
-      <p:font typeface="나눔고딕 ExtraBold" panose="020B0600000101010101" charset="-127"/>
-      <p:bold r:id="rId9"/>
-    </p:embeddedFont>
-    <p:embeddedFont>
-      <p:font typeface="말랑말랑 Bold" panose="020F0803000000000000" pitchFamily="50" charset="-127"/>
-      <p:bold r:id="rId10"/>
+      <p:font typeface="나눔고딕 ExtraBold" panose="020D0904000000000000" pitchFamily="50" charset="-127"/>
+      <p:bold r:id="rId11"/>
     </p:embeddedFont>
     <p:embeddedFont>
       <p:font typeface="맑은 고딕" panose="020B0503020000020004" pitchFamily="50" charset="-127"/>
-      <p:regular r:id="rId11"/>
-      <p:bold r:id="rId12"/>
+      <p:regular r:id="rId12"/>
+      <p:bold r:id="rId13"/>
     </p:embeddedFont>
   </p:embeddedFontLst>
   <p:defaultTextStyle>
@@ -146,6 +144,18 @@
 </p:presentation>
 </file>
 
+<file path=ppt/commentAuthors.xml><?xml version="1.0" encoding="utf-8"?>
+<p:cmAuthorLst xmlns:a="http://schemas.openxmlformats.org/drawingml/2006/main" xmlns:r="http://schemas.openxmlformats.org/officeDocument/2006/relationships" xmlns:p="http://schemas.openxmlformats.org/presentationml/2006/main">
+  <p:cmAuthor id="1" name="김 형관" initials="김형" lastIdx="1" clrIdx="0">
+    <p:extLst>
+      <p:ext uri="{19B8F6BF-5375-455C-9EA6-DF929625EA0E}">
+        <p15:presenceInfo xmlns:p15="http://schemas.microsoft.com/office/powerpoint/2012/main" userId="31d5d16fe2755327" providerId="Windows Live"/>
+      </p:ext>
+    </p:extLst>
+  </p:cmAuthor>
+</p:cmAuthorLst>
+</file>
+
 <file path=ppt/notesMasters/notesMaster1.xml><?xml version="1.0" encoding="utf-8"?>
 <p:notesMaster xmlns:a="http://schemas.openxmlformats.org/drawingml/2006/main" xmlns:r="http://schemas.openxmlformats.org/officeDocument/2006/relationships" xmlns:p="http://schemas.openxmlformats.org/presentationml/2006/main">
   <p:cSld>
@@ -667,7 +677,7 @@
             </a:r>
             <a:r>
               <a:rPr lang="ko-KR" altLang="en-US" dirty="0"/>
-              <a:t> 해결했던 주요버그 그리고 완성한 프로그램에 대해 개인별 피드백 마지막으로 시연영상 순으로 발표를 진행하도록 하겠습니다</a:t>
+              <a:t> 그리고 시연 영상 마지막으로 팀 피드백 순서로 발표를 진행하도록 하겠습니다</a:t>
             </a:r>
             <a:r>
               <a:rPr lang="en-US" altLang="ko-KR" dirty="0"/>
@@ -788,7 +798,15 @@
             </a:r>
             <a:r>
               <a:rPr lang="ko-KR" altLang="en-US" dirty="0"/>
-              <a:t>인으로 구성되어 있으며 각자의 역할을 </a:t>
+              <a:t>인으로 구성되어 있습니다</a:t>
+            </a:r>
+            <a:r>
+              <a:rPr lang="en-US" altLang="ko-KR" dirty="0"/>
+              <a:t>. //</a:t>
+            </a:r>
+            <a:r>
+              <a:rPr lang="ko-KR" altLang="en-US" dirty="0"/>
+              <a:t> 각자의 역할을 </a:t>
             </a:r>
             <a:r>
               <a:rPr lang="ko-KR" altLang="en-US" dirty="0" err="1"/>
@@ -796,7 +814,23 @@
             </a:r>
             <a:r>
               <a:rPr lang="ko-KR" altLang="en-US" dirty="0"/>
-              <a:t> 항상 설계부터 코딩까지 오프라인</a:t>
+              <a:t> </a:t>
+            </a:r>
+            <a:r>
+              <a:rPr lang="en-US" altLang="ko-KR" dirty="0"/>
+              <a:t>/ </a:t>
+            </a:r>
+            <a:r>
+              <a:rPr lang="ko-KR" altLang="en-US" dirty="0"/>
+              <a:t>항상 설계부터 코딩까지 </a:t>
+            </a:r>
+            <a:r>
+              <a:rPr lang="en-US" altLang="ko-KR" dirty="0"/>
+              <a:t>/ </a:t>
+            </a:r>
+            <a:r>
+              <a:rPr lang="ko-KR" altLang="en-US" dirty="0"/>
+              <a:t>오프라인</a:t>
             </a:r>
             <a:r>
               <a:rPr lang="en-US" altLang="ko-KR" dirty="0"/>
@@ -804,7 +838,15 @@
             </a:r>
             <a:r>
               <a:rPr lang="ko-KR" altLang="en-US" dirty="0"/>
-              <a:t>온라인으로 모여서 진행했기에 프로그램 전반적인 부분에 있어 모든 팀원이 골고루 참여하였습니다</a:t>
+              <a:t>온라인으로 모여서 진행했기에 </a:t>
+            </a:r>
+            <a:r>
+              <a:rPr lang="en-US" altLang="ko-KR" dirty="0"/>
+              <a:t>/ </a:t>
+            </a:r>
+            <a:r>
+              <a:rPr lang="ko-KR" altLang="en-US" dirty="0"/>
+              <a:t>프로그램 전반적인 부분에 있어 모든 팀원이 골고루 참여하였습니다</a:t>
             </a:r>
             <a:r>
               <a:rPr lang="en-US" altLang="ko-KR" dirty="0"/>
@@ -896,24 +938,62 @@
           <a:lstStyle/>
           <a:p>
             <a:r>
+              <a:rPr lang="ko-KR" altLang="en-US" dirty="0"/>
+              <a:t> 다음으론 프로그램 설명 부분입니다</a:t>
+            </a:r>
+            <a:r>
+              <a:rPr lang="en-US" altLang="ko-KR" dirty="0"/>
+              <a:t>. // </a:t>
+            </a:r>
+            <a:r>
+              <a:rPr lang="ko-KR" altLang="en-US" dirty="0"/>
+              <a:t>그림의 코드는 프로그램의 코드 길이가 </a:t>
+            </a:r>
+            <a:r>
+              <a:rPr lang="ko-KR" altLang="en-US" dirty="0" err="1"/>
+              <a:t>길다보니</a:t>
+            </a:r>
+            <a:r>
+              <a:rPr lang="ko-KR" altLang="en-US" dirty="0"/>
+              <a:t> </a:t>
+            </a:r>
+            <a:r>
+              <a:rPr lang="en-US" altLang="ko-KR" dirty="0"/>
+              <a:t>/ </a:t>
+            </a:r>
+            <a:r>
+              <a:rPr lang="ko-KR" altLang="en-US" dirty="0"/>
+              <a:t>중요한 기능을 담당하고 있는 부분을 추상화한 코드입니다</a:t>
+            </a:r>
+            <a:r>
+              <a:rPr lang="en-US" altLang="ko-KR" dirty="0"/>
+              <a:t>.</a:t>
+            </a:r>
+          </a:p>
+          <a:p>
+            <a:r>
+              <a:rPr lang="ko-KR" altLang="en-US" dirty="0"/>
+              <a:t> 저희 프로그램은 </a:t>
+            </a:r>
+            <a:r>
+              <a:rPr lang="en-US" altLang="ko-KR" dirty="0" err="1"/>
+              <a:t>server.c</a:t>
+            </a:r>
+            <a:r>
               <a:rPr lang="en-US" altLang="ko-KR" dirty="0"/>
               <a:t> </a:t>
             </a:r>
             <a:r>
               <a:rPr lang="ko-KR" altLang="en-US" dirty="0"/>
-              <a:t>저희 프로그램 작동에서 주요 기능을 맡은 함수들을 설명을 위해 추상화를 하였습니다</a:t>
+              <a:t>파일 </a:t>
             </a:r>
             <a:r>
               <a:rPr lang="en-US" altLang="ko-KR" dirty="0"/>
-              <a:t>. </a:t>
-            </a:r>
-            <a:r>
-              <a:rPr lang="ko-KR" altLang="en-US" dirty="0"/>
-              <a:t>저희 프로그램은 </a:t>
+              <a:t>/ </a:t>
             </a:r>
             <a:r>
               <a:rPr lang="en-US" altLang="ko-KR" dirty="0" err="1"/>
-              <a:t>server.c</a:t>
+              <a:t>client.c</a:t>
             </a:r>
             <a:r>
               <a:rPr lang="en-US" altLang="ko-KR" dirty="0"/>
@@ -921,11 +1001,14 @@
             </a:r>
             <a:r>
               <a:rPr lang="ko-KR" altLang="en-US" dirty="0"/>
-              <a:t>파일 </a:t>
-            </a:r>
+              <a:t>파일로 이루어져 있으며</a:t>
+            </a:r>
+            <a:endParaRPr lang="en-US" altLang="ko-KR" dirty="0"/>
+          </a:p>
+          <a:p>
             <a:r>
               <a:rPr lang="en-US" altLang="ko-KR" dirty="0" err="1"/>
-              <a:t>client.c</a:t>
+              <a:t>Server.c</a:t>
             </a:r>
             <a:r>
               <a:rPr lang="en-US" altLang="ko-KR" dirty="0"/>
@@ -933,22 +1016,23 @@
             </a:r>
             <a:r>
               <a:rPr lang="ko-KR" altLang="en-US" dirty="0"/>
-              <a:t>파일로 이루어져 있으며</a:t>
-            </a:r>
-            <a:endParaRPr lang="en-US" altLang="ko-KR" dirty="0"/>
-          </a:p>
-          <a:p>
-            <a:r>
-              <a:rPr lang="en-US" altLang="ko-KR" dirty="0" err="1"/>
-              <a:t>Server.c</a:t>
+              <a:t>에서는 </a:t>
             </a:r>
             <a:r>
               <a:rPr lang="en-US" altLang="ko-KR" dirty="0"/>
-              <a:t> </a:t>
+              <a:t>/ </a:t>
             </a:r>
             <a:r>
               <a:rPr lang="ko-KR" altLang="en-US" dirty="0"/>
-              <a:t>에서는 쓰레드 서버 라이트 라는 함수가 쓰레드로 실행되며 이 함수는 서버의 채팅을 클라이언트 모두에게 전해줍니다</a:t>
+              <a:t>쓰레드 서버 라이트 라는 함수가 쓰레드로 실행되며 </a:t>
+            </a:r>
+            <a:r>
+              <a:rPr lang="en-US" altLang="ko-KR" dirty="0"/>
+              <a:t>/ </a:t>
+            </a:r>
+            <a:r>
+              <a:rPr lang="ko-KR" altLang="en-US" dirty="0"/>
+              <a:t>이 함수는 서버의 채팅을 클라이언트 모두에게 전해줍니다</a:t>
             </a:r>
             <a:endParaRPr lang="en-US" altLang="ko-KR" dirty="0"/>
           </a:p>
@@ -963,7 +1047,23 @@
             </a:r>
             <a:r>
               <a:rPr lang="ko-KR" altLang="en-US" dirty="0"/>
-              <a:t> 함수도 쓰레드로 실행이 되며 클라이언트의 접속을 받으며 클라이언트가 친 채팅을 모든 클라이언트에게 전송해 줍니다</a:t>
+              <a:t> 함수도 쓰레드로 실행이 되며 </a:t>
+            </a:r>
+            <a:r>
+              <a:rPr lang="en-US" altLang="ko-KR" dirty="0"/>
+              <a:t>/ </a:t>
+            </a:r>
+            <a:r>
+              <a:rPr lang="ko-KR" altLang="en-US" dirty="0"/>
+              <a:t>클라이언트의 접속을 받고 </a:t>
+            </a:r>
+            <a:r>
+              <a:rPr lang="en-US" altLang="ko-KR" dirty="0"/>
+              <a:t>/ </a:t>
+            </a:r>
+            <a:r>
+              <a:rPr lang="ko-KR" altLang="en-US" dirty="0"/>
+              <a:t>클라이언트가 친 채팅을 모든 클라이언트에게 전송해 줍니다</a:t>
             </a:r>
             <a:r>
               <a:rPr lang="en-US" altLang="ko-KR" dirty="0"/>
@@ -985,25 +1085,48 @@
           </a:p>
           <a:p>
             <a:r>
-              <a:rPr lang="en-US" altLang="ko-KR" dirty="0" err="1"/>
-              <a:t>Client.c</a:t>
-            </a:r>
-            <a:r>
-              <a:rPr lang="en-US" altLang="ko-KR" dirty="0"/>
-              <a:t> </a:t>
-            </a:r>
-            <a:r>
-              <a:rPr lang="ko-KR" altLang="en-US" dirty="0"/>
-              <a:t>에서는 쓰레드 클라이언트 라이트 라는 함수가 쓰레드로 실행되며 클라이언트가 친 채팅을 서버로 전송해줍니다</a:t>
-            </a:r>
-            <a:endParaRPr lang="en-US" altLang="ko-KR" dirty="0"/>
-          </a:p>
-          <a:p>
-            <a:r>
               <a:rPr lang="en-US" altLang="ko-KR" dirty="0"/>
               <a:t>Client</a:t>
             </a:r>
             <a:r>
+              <a:rPr lang="ko-KR" altLang="en-US" dirty="0" err="1"/>
+              <a:t>쩜</a:t>
+            </a:r>
+            <a:r>
+              <a:rPr lang="en-US" altLang="ko-KR" dirty="0"/>
+              <a:t>c </a:t>
+            </a:r>
+            <a:r>
+              <a:rPr lang="ko-KR" altLang="en-US" dirty="0"/>
+              <a:t>에서는 </a:t>
+            </a:r>
+            <a:r>
+              <a:rPr lang="en-US" altLang="ko-KR" dirty="0"/>
+              <a:t>/ </a:t>
+            </a:r>
+            <a:r>
+              <a:rPr lang="ko-KR" altLang="en-US" dirty="0"/>
+              <a:t>쓰레드 클라이언트 라이트 라는 함수가 쓰레드로 실행되며 </a:t>
+            </a:r>
+            <a:r>
+              <a:rPr lang="en-US" altLang="ko-KR" dirty="0"/>
+              <a:t>/ </a:t>
+            </a:r>
+            <a:r>
+              <a:rPr lang="ko-KR" altLang="en-US" dirty="0"/>
+              <a:t>클라이언트가 친 채팅을 서버로 전송해줍니다 </a:t>
+            </a:r>
+            <a:r>
+              <a:rPr lang="en-US" altLang="ko-KR" dirty="0"/>
+              <a:t>/</a:t>
+            </a:r>
+          </a:p>
+          <a:p>
+            <a:r>
+              <a:rPr lang="en-US" altLang="ko-KR" dirty="0"/>
+              <a:t>Client</a:t>
+            </a:r>
+            <a:r>
               <a:rPr lang="ko-KR" altLang="en-US" dirty="0"/>
               <a:t>라는 함수는 서버와 </a:t>
             </a:r>
@@ -1013,7 +1136,15 @@
             </a:r>
             <a:r>
               <a:rPr lang="ko-KR" altLang="en-US" dirty="0"/>
-              <a:t> 서버로부터 받은 데이터를 클라이언트의 모니터에 출력해줍니다</a:t>
+              <a:t> </a:t>
+            </a:r>
+            <a:r>
+              <a:rPr lang="en-US" altLang="ko-KR" dirty="0"/>
+              <a:t>/ </a:t>
+            </a:r>
+            <a:r>
+              <a:rPr lang="ko-KR" altLang="en-US" dirty="0"/>
+              <a:t>서버로부터 받은 데이터를 클라이언트의 모니터에 출력해줍니다</a:t>
             </a:r>
             <a:r>
               <a:rPr lang="en-US" altLang="ko-KR" dirty="0"/>
@@ -1120,7 +1251,23 @@
             </a:r>
             <a:r>
               <a:rPr lang="ko-KR" altLang="en-US" dirty="0"/>
-              <a:t>사용자간 채팅을 위해선 서버와 클라이언트의 연결이 필요해서 </a:t>
+              <a:t>사용자간 채팅을 위해선 </a:t>
+            </a:r>
+            <a:r>
+              <a:rPr lang="en-US" altLang="ko-KR" dirty="0"/>
+              <a:t>/ </a:t>
+            </a:r>
+            <a:r>
+              <a:rPr lang="ko-KR" altLang="en-US" dirty="0"/>
+              <a:t>서버와 클라이언트의 연결이 필요해서</a:t>
+            </a:r>
+            <a:r>
+              <a:rPr lang="en-US" altLang="ko-KR" dirty="0"/>
+              <a:t>/ </a:t>
+            </a:r>
+            <a:r>
+              <a:rPr lang="ko-KR" altLang="en-US" dirty="0"/>
+              <a:t> </a:t>
             </a:r>
             <a:r>
               <a:rPr lang="en-US" altLang="ko-KR" dirty="0"/>
@@ -1128,7 +1275,23 @@
             </a:r>
             <a:r>
               <a:rPr lang="ko-KR" altLang="en-US" dirty="0"/>
-              <a:t>통신을 활용하였고 연결 후에 스트링을 주고 받아야 채팅이 되기에 베이직 </a:t>
+              <a:t>통신을 활용하였고</a:t>
+            </a:r>
+            <a:r>
+              <a:rPr lang="en-US" altLang="ko-KR" dirty="0"/>
+              <a:t>,</a:t>
+            </a:r>
+            <a:r>
+              <a:rPr lang="ko-KR" altLang="en-US" dirty="0"/>
+              <a:t> 연결 후에 스트링을 주고 받아야 채팅이 되기에 </a:t>
+            </a:r>
+            <a:r>
+              <a:rPr lang="en-US" altLang="ko-KR" dirty="0"/>
+              <a:t>/ </a:t>
+            </a:r>
+            <a:r>
+              <a:rPr lang="ko-KR" altLang="en-US" dirty="0"/>
+              <a:t>베이직 </a:t>
             </a:r>
             <a:r>
               <a:rPr lang="ko-KR" altLang="en-US" dirty="0" err="1"/>
@@ -1154,7 +1317,15 @@
           <a:p>
             <a:r>
               <a:rPr lang="ko-KR" altLang="en-US" dirty="0"/>
-              <a:t>그리고 채팅과 동시에 마피아 게임기능이 함께 </a:t>
+              <a:t>그리고 채팅과 동시에 </a:t>
+            </a:r>
+            <a:r>
+              <a:rPr lang="en-US" altLang="ko-KR" dirty="0"/>
+              <a:t>// </a:t>
+            </a:r>
+            <a:r>
+              <a:rPr lang="ko-KR" altLang="en-US" dirty="0"/>
+              <a:t>마피아 게임기능이 함께 </a:t>
             </a:r>
             <a:r>
               <a:rPr lang="ko-KR" altLang="en-US" dirty="0" err="1"/>
@@ -1166,7 +1337,7 @@
             </a:r>
             <a:r>
               <a:rPr lang="en-US" altLang="ko-KR" dirty="0"/>
-              <a:t>thread </a:t>
+              <a:t>/ thread </a:t>
             </a:r>
             <a:r>
               <a:rPr lang="ko-KR" altLang="en-US" dirty="0"/>
@@ -1188,7 +1359,15 @@
             </a:r>
             <a:r>
               <a:rPr lang="ko-KR" altLang="en-US" dirty="0"/>
-              <a:t> 모드에선 서버가 </a:t>
+              <a:t> 모드에선 </a:t>
+            </a:r>
+            <a:r>
+              <a:rPr lang="en-US" altLang="ko-KR" dirty="0"/>
+              <a:t>/</a:t>
+            </a:r>
+            <a:r>
+              <a:rPr lang="ko-KR" altLang="en-US" dirty="0"/>
+              <a:t>서버가 </a:t>
             </a:r>
             <a:r>
               <a:rPr lang="en-US" altLang="ko-KR" dirty="0"/>
@@ -1199,12 +1378,32 @@
               <a:t>부분에서 유저가 올 때까지 기다리기 때문에 </a:t>
             </a:r>
             <a:r>
+              <a:rPr lang="en-US" altLang="ko-KR" dirty="0"/>
+              <a:t>// </a:t>
+            </a:r>
+            <a:r>
               <a:rPr lang="en-US" altLang="ko-KR" dirty="0" err="1"/>
               <a:t>fcntl</a:t>
             </a:r>
             <a:r>
               <a:rPr lang="ko-KR" altLang="en-US" dirty="0"/>
-              <a:t>을 통해 논 </a:t>
+              <a:t>을 </a:t>
+            </a:r>
+            <a:r>
+              <a:rPr lang="en-US" altLang="ko-KR" dirty="0"/>
+              <a:t>“</a:t>
+            </a:r>
+            <a:r>
+              <a:rPr lang="ko-KR" altLang="en-US" dirty="0"/>
+              <a:t>통해</a:t>
+            </a:r>
+            <a:r>
+              <a:rPr lang="en-US" altLang="ko-KR" dirty="0"/>
+              <a:t>”</a:t>
+            </a:r>
+            <a:r>
+              <a:rPr lang="ko-KR" altLang="en-US" dirty="0"/>
+              <a:t> 논 </a:t>
             </a:r>
             <a:r>
               <a:rPr lang="ko-KR" altLang="en-US" dirty="0" err="1"/>
@@ -1216,7 +1415,7 @@
             </a:r>
             <a:r>
               <a:rPr lang="en-US" altLang="ko-KR" dirty="0"/>
-              <a:t>.</a:t>
+              <a:t>.//</a:t>
             </a:r>
           </a:p>
           <a:p>
@@ -1252,6 +1451,461 @@
     <p:extLst>
       <p:ext uri="{BB962C8B-B14F-4D97-AF65-F5344CB8AC3E}">
         <p14:creationId xmlns:p14="http://schemas.microsoft.com/office/powerpoint/2010/main" val="1071481044"/>
+      </p:ext>
+    </p:extLst>
+  </p:cSld>
+  <p:clrMapOvr>
+    <a:masterClrMapping/>
+  </p:clrMapOvr>
+</p:notes>
+</file>
+
+<file path=ppt/notesSlides/notesSlide6.xml><?xml version="1.0" encoding="utf-8"?>
+<p:notes xmlns:a="http://schemas.openxmlformats.org/drawingml/2006/main" xmlns:r="http://schemas.openxmlformats.org/officeDocument/2006/relationships" xmlns:p="http://schemas.openxmlformats.org/presentationml/2006/main">
+  <p:cSld>
+    <p:spTree>
+      <p:nvGrpSpPr>
+        <p:cNvPr id="1" name=""/>
+        <p:cNvGrpSpPr/>
+        <p:nvPr/>
+      </p:nvGrpSpPr>
+      <p:grpSpPr>
+        <a:xfrm>
+          <a:off x="0" y="0"/>
+          <a:ext cx="0" cy="0"/>
+          <a:chOff x="0" y="0"/>
+          <a:chExt cx="0" cy="0"/>
+        </a:xfrm>
+      </p:grpSpPr>
+      <p:sp>
+        <p:nvSpPr>
+          <p:cNvPr id="2" name="슬라이드 이미지 개체 틀 1"/>
+          <p:cNvSpPr>
+            <a:spLocks noGrp="1" noRot="1" noChangeAspect="1"/>
+          </p:cNvSpPr>
+          <p:nvPr>
+            <p:ph type="sldImg"/>
+          </p:nvPr>
+        </p:nvSpPr>
+        <p:spPr/>
+      </p:sp>
+      <p:sp>
+        <p:nvSpPr>
+          <p:cNvPr id="3" name="슬라이드 노트 개체 틀 2"/>
+          <p:cNvSpPr>
+            <a:spLocks noGrp="1"/>
+          </p:cNvSpPr>
+          <p:nvPr>
+            <p:ph type="body" idx="1"/>
+          </p:nvPr>
+        </p:nvSpPr>
+        <p:spPr/>
+        <p:txBody>
+          <a:bodyPr/>
+          <a:lstStyle/>
+          <a:p>
+            <a:r>
+              <a:rPr lang="ko-KR" altLang="en-US" dirty="0"/>
+              <a:t>그 다음으로는 주요기능 입니다</a:t>
+            </a:r>
+            <a:r>
+              <a:rPr lang="en-US" altLang="ko-KR" dirty="0"/>
+              <a:t>.</a:t>
+            </a:r>
+          </a:p>
+          <a:p>
+            <a:r>
+              <a:rPr lang="en-US" altLang="ko-KR" dirty="0"/>
+              <a:t> </a:t>
+            </a:r>
+            <a:r>
+              <a:rPr lang="ko-KR" altLang="en-US" dirty="0"/>
+              <a:t>사용자간 채팅을 위해선 </a:t>
+            </a:r>
+            <a:r>
+              <a:rPr lang="en-US" altLang="ko-KR" dirty="0"/>
+              <a:t>/ </a:t>
+            </a:r>
+            <a:r>
+              <a:rPr lang="ko-KR" altLang="en-US" dirty="0"/>
+              <a:t>서버와 클라이언트의 연결이 필요해서</a:t>
+            </a:r>
+            <a:r>
+              <a:rPr lang="en-US" altLang="ko-KR" dirty="0"/>
+              <a:t>/ </a:t>
+            </a:r>
+            <a:r>
+              <a:rPr lang="ko-KR" altLang="en-US" dirty="0"/>
+              <a:t> </a:t>
+            </a:r>
+            <a:r>
+              <a:rPr lang="en-US" altLang="ko-KR" dirty="0"/>
+              <a:t>Socket </a:t>
+            </a:r>
+            <a:r>
+              <a:rPr lang="ko-KR" altLang="en-US" dirty="0"/>
+              <a:t>통신을 활용하였고</a:t>
+            </a:r>
+            <a:r>
+              <a:rPr lang="en-US" altLang="ko-KR" dirty="0"/>
+              <a:t>,</a:t>
+            </a:r>
+            <a:r>
+              <a:rPr lang="ko-KR" altLang="en-US" dirty="0"/>
+              <a:t> 연결 후에 스트링을 주고 받아야 채팅이 되기에 </a:t>
+            </a:r>
+            <a:r>
+              <a:rPr lang="en-US" altLang="ko-KR" dirty="0"/>
+              <a:t>/ </a:t>
+            </a:r>
+            <a:r>
+              <a:rPr lang="ko-KR" altLang="en-US" dirty="0"/>
+              <a:t>베이직 </a:t>
+            </a:r>
+            <a:r>
+              <a:rPr lang="ko-KR" altLang="en-US" dirty="0" err="1"/>
+              <a:t>시스템콜인</a:t>
+            </a:r>
+            <a:r>
+              <a:rPr lang="ko-KR" altLang="en-US" dirty="0"/>
+              <a:t> </a:t>
+            </a:r>
+            <a:r>
+              <a:rPr lang="en-US" altLang="ko-KR" dirty="0"/>
+              <a:t>read write</a:t>
+            </a:r>
+            <a:r>
+              <a:rPr lang="ko-KR" altLang="en-US" dirty="0"/>
+              <a:t>를 활용 하였습니다</a:t>
+            </a:r>
+            <a:r>
+              <a:rPr lang="en-US" altLang="ko-KR" dirty="0"/>
+              <a:t>.</a:t>
+            </a:r>
+          </a:p>
+          <a:p>
+            <a:r>
+              <a:rPr lang="ko-KR" altLang="en-US" dirty="0"/>
+              <a:t>그리고 채팅과 동시에 </a:t>
+            </a:r>
+            <a:r>
+              <a:rPr lang="en-US" altLang="ko-KR" dirty="0"/>
+              <a:t>// </a:t>
+            </a:r>
+            <a:r>
+              <a:rPr lang="ko-KR" altLang="en-US" dirty="0"/>
+              <a:t>마피아 게임기능이 함께 </a:t>
+            </a:r>
+            <a:r>
+              <a:rPr lang="ko-KR" altLang="en-US" dirty="0" err="1"/>
+              <a:t>작동해야하기에</a:t>
+            </a:r>
+            <a:r>
+              <a:rPr lang="ko-KR" altLang="en-US" dirty="0"/>
+              <a:t> </a:t>
+            </a:r>
+            <a:r>
+              <a:rPr lang="en-US" altLang="ko-KR" dirty="0"/>
+              <a:t>/ thread </a:t>
+            </a:r>
+            <a:r>
+              <a:rPr lang="ko-KR" altLang="en-US" dirty="0"/>
+              <a:t>를 적용하였습니다</a:t>
+            </a:r>
+            <a:r>
+              <a:rPr lang="en-US" altLang="ko-KR" dirty="0"/>
+              <a:t>.</a:t>
+            </a:r>
+          </a:p>
+          <a:p>
+            <a:r>
+              <a:rPr lang="ko-KR" altLang="en-US" dirty="0"/>
+              <a:t>마지막으로 </a:t>
+            </a:r>
+            <a:r>
+              <a:rPr lang="ko-KR" altLang="en-US" dirty="0" err="1"/>
+              <a:t>블락킹</a:t>
+            </a:r>
+            <a:r>
+              <a:rPr lang="ko-KR" altLang="en-US" dirty="0"/>
+              <a:t> 모드에선 </a:t>
+            </a:r>
+            <a:r>
+              <a:rPr lang="en-US" altLang="ko-KR" dirty="0"/>
+              <a:t>/</a:t>
+            </a:r>
+            <a:r>
+              <a:rPr lang="ko-KR" altLang="en-US" dirty="0"/>
+              <a:t>서버가 </a:t>
+            </a:r>
+            <a:r>
+              <a:rPr lang="en-US" altLang="ko-KR" dirty="0"/>
+              <a:t>accept </a:t>
+            </a:r>
+            <a:r>
+              <a:rPr lang="ko-KR" altLang="en-US" dirty="0"/>
+              <a:t>부분에서 유저가 올 때까지 기다리기 때문에 </a:t>
+            </a:r>
+            <a:r>
+              <a:rPr lang="en-US" altLang="ko-KR" dirty="0"/>
+              <a:t>// </a:t>
+            </a:r>
+            <a:r>
+              <a:rPr lang="en-US" altLang="ko-KR" dirty="0" err="1"/>
+              <a:t>fcntl</a:t>
+            </a:r>
+            <a:r>
+              <a:rPr lang="ko-KR" altLang="en-US" dirty="0"/>
+              <a:t>을 </a:t>
+            </a:r>
+            <a:r>
+              <a:rPr lang="en-US" altLang="ko-KR" dirty="0"/>
+              <a:t>“</a:t>
+            </a:r>
+            <a:r>
+              <a:rPr lang="ko-KR" altLang="en-US" dirty="0"/>
+              <a:t>통해</a:t>
+            </a:r>
+            <a:r>
+              <a:rPr lang="en-US" altLang="ko-KR" dirty="0"/>
+              <a:t>”</a:t>
+            </a:r>
+            <a:r>
+              <a:rPr lang="ko-KR" altLang="en-US" dirty="0"/>
+              <a:t> 논 </a:t>
+            </a:r>
+            <a:r>
+              <a:rPr lang="ko-KR" altLang="en-US" dirty="0" err="1"/>
+              <a:t>블락킹</a:t>
+            </a:r>
+            <a:r>
+              <a:rPr lang="ko-KR" altLang="en-US" dirty="0"/>
+              <a:t> 플래그를 활용했습니다</a:t>
+            </a:r>
+            <a:r>
+              <a:rPr lang="en-US" altLang="ko-KR" dirty="0"/>
+              <a:t>.//</a:t>
+            </a:r>
+          </a:p>
+          <a:p>
+            <a:endParaRPr lang="ko-KR" altLang="en-US" dirty="0"/>
+          </a:p>
+        </p:txBody>
+      </p:sp>
+      <p:sp>
+        <p:nvSpPr>
+          <p:cNvPr id="4" name="슬라이드 번호 개체 틀 3"/>
+          <p:cNvSpPr>
+            <a:spLocks noGrp="1"/>
+          </p:cNvSpPr>
+          <p:nvPr>
+            <p:ph type="sldNum" sz="quarter" idx="5"/>
+          </p:nvPr>
+        </p:nvSpPr>
+        <p:spPr/>
+        <p:txBody>
+          <a:bodyPr/>
+          <a:lstStyle/>
+          <a:p>
+            <a:fld id="{4A154A2B-6412-4D58-A6C1-BD0167DA1068}" type="slidenum">
+              <a:rPr lang="ko-KR" altLang="en-US" smtClean="0"/>
+              <a:pPr/>
+              <a:t>6</a:t>
+            </a:fld>
+            <a:endParaRPr lang="ko-KR" altLang="en-US"/>
+          </a:p>
+        </p:txBody>
+      </p:sp>
+    </p:spTree>
+    <p:extLst>
+      <p:ext uri="{BB962C8B-B14F-4D97-AF65-F5344CB8AC3E}">
+        <p14:creationId xmlns:p14="http://schemas.microsoft.com/office/powerpoint/2010/main" val="4073772128"/>
+      </p:ext>
+    </p:extLst>
+  </p:cSld>
+  <p:clrMapOvr>
+    <a:masterClrMapping/>
+  </p:clrMapOvr>
+</p:notes>
+</file>
+
+<file path=ppt/notesSlides/notesSlide7.xml><?xml version="1.0" encoding="utf-8"?>
+<p:notes xmlns:a="http://schemas.openxmlformats.org/drawingml/2006/main" xmlns:r="http://schemas.openxmlformats.org/officeDocument/2006/relationships" xmlns:p="http://schemas.openxmlformats.org/presentationml/2006/main">
+  <p:cSld>
+    <p:spTree>
+      <p:nvGrpSpPr>
+        <p:cNvPr id="1" name=""/>
+        <p:cNvGrpSpPr/>
+        <p:nvPr/>
+      </p:nvGrpSpPr>
+      <p:grpSpPr>
+        <a:xfrm>
+          <a:off x="0" y="0"/>
+          <a:ext cx="0" cy="0"/>
+          <a:chOff x="0" y="0"/>
+          <a:chExt cx="0" cy="0"/>
+        </a:xfrm>
+      </p:grpSpPr>
+      <p:sp>
+        <p:nvSpPr>
+          <p:cNvPr id="2" name="슬라이드 이미지 개체 틀 1"/>
+          <p:cNvSpPr>
+            <a:spLocks noGrp="1" noRot="1" noChangeAspect="1"/>
+          </p:cNvSpPr>
+          <p:nvPr>
+            <p:ph type="sldImg"/>
+          </p:nvPr>
+        </p:nvSpPr>
+        <p:spPr/>
+      </p:sp>
+      <p:sp>
+        <p:nvSpPr>
+          <p:cNvPr id="3" name="슬라이드 노트 개체 틀 2"/>
+          <p:cNvSpPr>
+            <a:spLocks noGrp="1"/>
+          </p:cNvSpPr>
+          <p:nvPr>
+            <p:ph type="body" idx="1"/>
+          </p:nvPr>
+        </p:nvSpPr>
+        <p:spPr/>
+        <p:txBody>
+          <a:bodyPr/>
+          <a:lstStyle/>
+          <a:p>
+            <a:r>
+              <a:rPr lang="ko-KR" altLang="en-US" dirty="0"/>
+              <a:t>이제 시연 영상입니다</a:t>
+            </a:r>
+            <a:r>
+              <a:rPr lang="en-US" altLang="ko-KR" dirty="0"/>
+              <a:t>.</a:t>
+            </a:r>
+            <a:endParaRPr lang="ko-KR" altLang="en-US" dirty="0"/>
+          </a:p>
+        </p:txBody>
+      </p:sp>
+      <p:sp>
+        <p:nvSpPr>
+          <p:cNvPr id="4" name="슬라이드 번호 개체 틀 3"/>
+          <p:cNvSpPr>
+            <a:spLocks noGrp="1"/>
+          </p:cNvSpPr>
+          <p:nvPr>
+            <p:ph type="sldNum" sz="quarter" idx="5"/>
+          </p:nvPr>
+        </p:nvSpPr>
+        <p:spPr/>
+        <p:txBody>
+          <a:bodyPr/>
+          <a:lstStyle/>
+          <a:p>
+            <a:fld id="{4A154A2B-6412-4D58-A6C1-BD0167DA1068}" type="slidenum">
+              <a:rPr lang="ko-KR" altLang="en-US" smtClean="0"/>
+              <a:pPr/>
+              <a:t>7</a:t>
+            </a:fld>
+            <a:endParaRPr lang="ko-KR" altLang="en-US"/>
+          </a:p>
+        </p:txBody>
+      </p:sp>
+    </p:spTree>
+    <p:extLst>
+      <p:ext uri="{BB962C8B-B14F-4D97-AF65-F5344CB8AC3E}">
+        <p14:creationId xmlns:p14="http://schemas.microsoft.com/office/powerpoint/2010/main" val="2470903535"/>
+      </p:ext>
+    </p:extLst>
+  </p:cSld>
+  <p:clrMapOvr>
+    <a:masterClrMapping/>
+  </p:clrMapOvr>
+</p:notes>
+</file>
+
+<file path=ppt/notesSlides/notesSlide8.xml><?xml version="1.0" encoding="utf-8"?>
+<p:notes xmlns:a="http://schemas.openxmlformats.org/drawingml/2006/main" xmlns:r="http://schemas.openxmlformats.org/officeDocument/2006/relationships" xmlns:p="http://schemas.openxmlformats.org/presentationml/2006/main">
+  <p:cSld>
+    <p:spTree>
+      <p:nvGrpSpPr>
+        <p:cNvPr id="1" name=""/>
+        <p:cNvGrpSpPr/>
+        <p:nvPr/>
+      </p:nvGrpSpPr>
+      <p:grpSpPr>
+        <a:xfrm>
+          <a:off x="0" y="0"/>
+          <a:ext cx="0" cy="0"/>
+          <a:chOff x="0" y="0"/>
+          <a:chExt cx="0" cy="0"/>
+        </a:xfrm>
+      </p:grpSpPr>
+      <p:sp>
+        <p:nvSpPr>
+          <p:cNvPr id="2" name="슬라이드 이미지 개체 틀 1"/>
+          <p:cNvSpPr>
+            <a:spLocks noGrp="1" noRot="1" noChangeAspect="1"/>
+          </p:cNvSpPr>
+          <p:nvPr>
+            <p:ph type="sldImg"/>
+          </p:nvPr>
+        </p:nvSpPr>
+        <p:spPr/>
+      </p:sp>
+      <p:sp>
+        <p:nvSpPr>
+          <p:cNvPr id="3" name="슬라이드 노트 개체 틀 2"/>
+          <p:cNvSpPr>
+            <a:spLocks noGrp="1"/>
+          </p:cNvSpPr>
+          <p:nvPr>
+            <p:ph type="body" idx="1"/>
+          </p:nvPr>
+        </p:nvSpPr>
+        <p:spPr/>
+        <p:txBody>
+          <a:bodyPr/>
+          <a:lstStyle/>
+          <a:p>
+            <a:r>
+              <a:rPr lang="ko-KR" altLang="en-US" dirty="0"/>
+              <a:t>준비한 내용은 여기까지 입니다</a:t>
+            </a:r>
+            <a:r>
+              <a:rPr lang="en-US" altLang="ko-KR" dirty="0"/>
+              <a:t>. </a:t>
+            </a:r>
+            <a:endParaRPr lang="ko-KR" altLang="en-US" dirty="0"/>
+          </a:p>
+        </p:txBody>
+      </p:sp>
+      <p:sp>
+        <p:nvSpPr>
+          <p:cNvPr id="4" name="슬라이드 번호 개체 틀 3"/>
+          <p:cNvSpPr>
+            <a:spLocks noGrp="1"/>
+          </p:cNvSpPr>
+          <p:nvPr>
+            <p:ph type="sldNum" sz="quarter" idx="5"/>
+          </p:nvPr>
+        </p:nvSpPr>
+        <p:spPr/>
+        <p:txBody>
+          <a:bodyPr/>
+          <a:lstStyle/>
+          <a:p>
+            <a:fld id="{4A154A2B-6412-4D58-A6C1-BD0167DA1068}" type="slidenum">
+              <a:rPr lang="ko-KR" altLang="en-US" smtClean="0"/>
+              <a:pPr/>
+              <a:t>8</a:t>
+            </a:fld>
+            <a:endParaRPr lang="ko-KR" altLang="en-US"/>
+          </a:p>
+        </p:txBody>
+      </p:sp>
+    </p:spTree>
+    <p:extLst>
+      <p:ext uri="{BB962C8B-B14F-4D97-AF65-F5344CB8AC3E}">
+        <p14:creationId xmlns:p14="http://schemas.microsoft.com/office/powerpoint/2010/main" val="2965957035"/>
       </p:ext>
     </p:extLst>
   </p:cSld>
@@ -5168,7 +5822,27 @@
                 <a:latin typeface="말랑말랑 Bold" panose="020F0803000000000000" pitchFamily="50" charset="-127"/>
                 <a:ea typeface="말랑말랑 Bold" panose="020F0803000000000000" pitchFamily="50" charset="-127"/>
               </a:rPr>
-              <a:t>4/ Team Feedback</a:t>
+              <a:t>4/ </a:t>
+            </a:r>
+            <a:r>
+              <a:rPr lang="ko-KR" altLang="en-US" dirty="0">
+                <a:ln>
+                  <a:solidFill>
+                    <a:schemeClr val="accent1">
+                      <a:alpha val="0"/>
+                    </a:schemeClr>
+                  </a:solidFill>
+                </a:ln>
+                <a:solidFill>
+                  <a:schemeClr val="tx1">
+                    <a:lumMod val="75000"/>
+                    <a:lumOff val="25000"/>
+                  </a:schemeClr>
+                </a:solidFill>
+                <a:latin typeface="말랑말랑 Bold" panose="020F0803000000000000" pitchFamily="50" charset="-127"/>
+                <a:ea typeface="말랑말랑 Bold" panose="020F0803000000000000" pitchFamily="50" charset="-127"/>
+              </a:rPr>
+              <a:t>게임 룰</a:t>
             </a:r>
             <a:endParaRPr lang="ko-KR" altLang="en-US" sz="1600" dirty="0">
               <a:ln>
@@ -6308,7 +6982,7 @@
         </p:nvSpPr>
         <p:spPr>
           <a:xfrm>
-            <a:off x="-30" y="3211262"/>
+            <a:off x="0" y="404664"/>
             <a:ext cx="9144000" cy="504056"/>
           </a:xfrm>
           <a:prstGeom prst="rect">
@@ -6343,6 +7017,489 @@
           <a:p>
             <a:pPr algn="ctr"/>
             <a:r>
+              <a:rPr lang="ko-KR" altLang="en-US" dirty="0">
+                <a:ln>
+                  <a:solidFill>
+                    <a:schemeClr val="accent1">
+                      <a:alpha val="0"/>
+                    </a:schemeClr>
+                  </a:solidFill>
+                </a:ln>
+                <a:latin typeface="나눔고딕 ExtraBold" panose="020D0904000000000000" pitchFamily="50" charset="-127"/>
+                <a:ea typeface="나눔고딕 ExtraBold" panose="020D0904000000000000" pitchFamily="50" charset="-127"/>
+              </a:rPr>
+              <a:t>게임 룰</a:t>
+            </a:r>
+          </a:p>
+        </p:txBody>
+      </p:sp>
+      <p:sp>
+        <p:nvSpPr>
+          <p:cNvPr id="2" name="TextBox 1">
+            <a:extLst>
+              <a:ext uri="{FF2B5EF4-FFF2-40B4-BE49-F238E27FC236}">
+                <a16:creationId xmlns:a16="http://schemas.microsoft.com/office/drawing/2014/main" id="{DA4FF6A4-DB18-48F7-940A-211C81F15724}"/>
+              </a:ext>
+            </a:extLst>
+          </p:cNvPr>
+          <p:cNvSpPr txBox="1"/>
+          <p:nvPr/>
+        </p:nvSpPr>
+        <p:spPr>
+          <a:xfrm>
+            <a:off x="467544" y="1551563"/>
+            <a:ext cx="7992888" cy="3754874"/>
+          </a:xfrm>
+          <a:prstGeom prst="rect">
+            <a:avLst/>
+          </a:prstGeom>
+          <a:noFill/>
+        </p:spPr>
+        <p:txBody>
+          <a:bodyPr wrap="square" rtlCol="0">
+            <a:spAutoFit/>
+          </a:bodyPr>
+          <a:lstStyle/>
+          <a:p>
+            <a:pPr marL="285750" indent="-285750">
+              <a:buFontTx/>
+              <a:buChar char="-"/>
+            </a:pPr>
+            <a:r>
+              <a:rPr lang="ko-KR" altLang="en-US" sz="2400" dirty="0">
+                <a:latin typeface="말랑말랑 Bold" panose="020F0803000000000000" pitchFamily="50" charset="-127"/>
+                <a:ea typeface="말랑말랑 Bold" panose="020F0803000000000000" pitchFamily="50" charset="-127"/>
+              </a:rPr>
+              <a:t>사용자간 채팅 기능</a:t>
+            </a:r>
+            <a:endParaRPr lang="en-US" altLang="ko-KR" sz="2400" dirty="0">
+              <a:latin typeface="말랑말랑 Bold" panose="020F0803000000000000" pitchFamily="50" charset="-127"/>
+              <a:ea typeface="말랑말랑 Bold" panose="020F0803000000000000" pitchFamily="50" charset="-127"/>
+            </a:endParaRPr>
+          </a:p>
+          <a:p>
+            <a:r>
+              <a:rPr lang="en-US" altLang="ko-KR" dirty="0">
+                <a:latin typeface="말랑말랑 Bold" panose="020F0803000000000000" pitchFamily="50" charset="-127"/>
+                <a:ea typeface="말랑말랑 Bold" panose="020F0803000000000000" pitchFamily="50" charset="-127"/>
+              </a:rPr>
+              <a:t>-&gt; Socket </a:t>
+            </a:r>
+            <a:r>
+              <a:rPr lang="ko-KR" altLang="en-US" dirty="0">
+                <a:latin typeface="말랑말랑 Bold" panose="020F0803000000000000" pitchFamily="50" charset="-127"/>
+                <a:ea typeface="말랑말랑 Bold" panose="020F0803000000000000" pitchFamily="50" charset="-127"/>
+              </a:rPr>
+              <a:t>통신</a:t>
+            </a:r>
+            <a:r>
+              <a:rPr lang="en-US" altLang="ko-KR" dirty="0">
+                <a:latin typeface="말랑말랑 Bold" panose="020F0803000000000000" pitchFamily="50" charset="-127"/>
+                <a:ea typeface="말랑말랑 Bold" panose="020F0803000000000000" pitchFamily="50" charset="-127"/>
+              </a:rPr>
+              <a:t> </a:t>
+            </a:r>
+            <a:r>
+              <a:rPr lang="ko-KR" altLang="en-US" dirty="0">
+                <a:latin typeface="말랑말랑 Bold" panose="020F0803000000000000" pitchFamily="50" charset="-127"/>
+                <a:ea typeface="말랑말랑 Bold" panose="020F0803000000000000" pitchFamily="50" charset="-127"/>
+              </a:rPr>
+              <a:t>활용</a:t>
+            </a:r>
+            <a:endParaRPr lang="en-US" altLang="ko-KR" dirty="0">
+              <a:latin typeface="말랑말랑 Bold" panose="020F0803000000000000" pitchFamily="50" charset="-127"/>
+              <a:ea typeface="말랑말랑 Bold" panose="020F0803000000000000" pitchFamily="50" charset="-127"/>
+            </a:endParaRPr>
+          </a:p>
+          <a:p>
+            <a:endParaRPr lang="en-US" altLang="ko-KR" dirty="0">
+              <a:latin typeface="말랑말랑 Bold" panose="020F0803000000000000" pitchFamily="50" charset="-127"/>
+              <a:ea typeface="말랑말랑 Bold" panose="020F0803000000000000" pitchFamily="50" charset="-127"/>
+            </a:endParaRPr>
+          </a:p>
+          <a:p>
+            <a:pPr marL="285750" indent="-285750">
+              <a:buFontTx/>
+              <a:buChar char="-"/>
+            </a:pPr>
+            <a:r>
+              <a:rPr lang="ko-KR" altLang="en-US" sz="2400" dirty="0">
+                <a:latin typeface="말랑말랑 Bold" panose="020F0803000000000000" pitchFamily="50" charset="-127"/>
+                <a:ea typeface="말랑말랑 Bold" panose="020F0803000000000000" pitchFamily="50" charset="-127"/>
+              </a:rPr>
+              <a:t>마피아 게임 기능</a:t>
+            </a:r>
+            <a:endParaRPr lang="en-US" altLang="ko-KR" sz="2400" dirty="0">
+              <a:latin typeface="말랑말랑 Bold" panose="020F0803000000000000" pitchFamily="50" charset="-127"/>
+              <a:ea typeface="말랑말랑 Bold" panose="020F0803000000000000" pitchFamily="50" charset="-127"/>
+            </a:endParaRPr>
+          </a:p>
+          <a:p>
+            <a:r>
+              <a:rPr lang="en-US" altLang="ko-KR" dirty="0">
+                <a:latin typeface="말랑말랑 Bold" panose="020F0803000000000000" pitchFamily="50" charset="-127"/>
+                <a:ea typeface="말랑말랑 Bold" panose="020F0803000000000000" pitchFamily="50" charset="-127"/>
+              </a:rPr>
+              <a:t>-&gt; </a:t>
+            </a:r>
+            <a:r>
+              <a:rPr lang="ko-KR" altLang="en-US" dirty="0">
+                <a:latin typeface="말랑말랑 Bold" panose="020F0803000000000000" pitchFamily="50" charset="-127"/>
+                <a:ea typeface="말랑말랑 Bold" panose="020F0803000000000000" pitchFamily="50" charset="-127"/>
+              </a:rPr>
+              <a:t>채팅과 동시에 실행하기 위해 </a:t>
+            </a:r>
+            <a:r>
+              <a:rPr lang="en-US" altLang="ko-KR" dirty="0">
+                <a:latin typeface="말랑말랑 Bold" panose="020F0803000000000000" pitchFamily="50" charset="-127"/>
+                <a:ea typeface="말랑말랑 Bold" panose="020F0803000000000000" pitchFamily="50" charset="-127"/>
+              </a:rPr>
+              <a:t>thread </a:t>
+            </a:r>
+            <a:r>
+              <a:rPr lang="ko-KR" altLang="en-US" dirty="0">
+                <a:latin typeface="말랑말랑 Bold" panose="020F0803000000000000" pitchFamily="50" charset="-127"/>
+                <a:ea typeface="말랑말랑 Bold" panose="020F0803000000000000" pitchFamily="50" charset="-127"/>
+              </a:rPr>
+              <a:t>활용</a:t>
+            </a:r>
+            <a:endParaRPr lang="en-US" altLang="ko-KR" dirty="0">
+              <a:latin typeface="말랑말랑 Bold" panose="020F0803000000000000" pitchFamily="50" charset="-127"/>
+              <a:ea typeface="말랑말랑 Bold" panose="020F0803000000000000" pitchFamily="50" charset="-127"/>
+            </a:endParaRPr>
+          </a:p>
+          <a:p>
+            <a:endParaRPr lang="en-US" altLang="ko-KR" sz="2400" dirty="0">
+              <a:latin typeface="말랑말랑 Bold" panose="020F0803000000000000" pitchFamily="50" charset="-127"/>
+              <a:ea typeface="말랑말랑 Bold" panose="020F0803000000000000" pitchFamily="50" charset="-127"/>
+            </a:endParaRPr>
+          </a:p>
+          <a:p>
+            <a:pPr marL="285750" indent="-285750">
+              <a:buFontTx/>
+              <a:buChar char="-"/>
+            </a:pPr>
+            <a:r>
+              <a:rPr lang="ko-KR" altLang="en-US" sz="2400" dirty="0">
+                <a:latin typeface="말랑말랑 Bold" panose="020F0803000000000000" pitchFamily="50" charset="-127"/>
+                <a:ea typeface="말랑말랑 Bold" panose="020F0803000000000000" pitchFamily="50" charset="-127"/>
+              </a:rPr>
+              <a:t>유저간 스트링 전송</a:t>
+            </a:r>
+            <a:endParaRPr lang="en-US" altLang="ko-KR" sz="2400" dirty="0">
+              <a:latin typeface="말랑말랑 Bold" panose="020F0803000000000000" pitchFamily="50" charset="-127"/>
+              <a:ea typeface="말랑말랑 Bold" panose="020F0803000000000000" pitchFamily="50" charset="-127"/>
+            </a:endParaRPr>
+          </a:p>
+          <a:p>
+            <a:r>
+              <a:rPr lang="en-US" altLang="ko-KR" dirty="0">
+                <a:latin typeface="말랑말랑 Bold" panose="020F0803000000000000" pitchFamily="50" charset="-127"/>
+                <a:ea typeface="말랑말랑 Bold" panose="020F0803000000000000" pitchFamily="50" charset="-127"/>
+              </a:rPr>
+              <a:t>-&gt; Basic System call (read, write) </a:t>
+            </a:r>
+            <a:r>
+              <a:rPr lang="ko-KR" altLang="en-US" dirty="0">
+                <a:latin typeface="말랑말랑 Bold" panose="020F0803000000000000" pitchFamily="50" charset="-127"/>
+                <a:ea typeface="말랑말랑 Bold" panose="020F0803000000000000" pitchFamily="50" charset="-127"/>
+              </a:rPr>
+              <a:t>활용</a:t>
+            </a:r>
+            <a:endParaRPr lang="en-US" altLang="ko-KR" dirty="0">
+              <a:latin typeface="말랑말랑 Bold" panose="020F0803000000000000" pitchFamily="50" charset="-127"/>
+              <a:ea typeface="말랑말랑 Bold" panose="020F0803000000000000" pitchFamily="50" charset="-127"/>
+            </a:endParaRPr>
+          </a:p>
+          <a:p>
+            <a:endParaRPr lang="en-US" altLang="ko-KR" sz="2400" dirty="0">
+              <a:latin typeface="말랑말랑 Bold" panose="020F0803000000000000" pitchFamily="50" charset="-127"/>
+              <a:ea typeface="말랑말랑 Bold" panose="020F0803000000000000" pitchFamily="50" charset="-127"/>
+            </a:endParaRPr>
+          </a:p>
+          <a:p>
+            <a:pPr marL="285750" indent="-285750">
+              <a:buFontTx/>
+              <a:buChar char="-"/>
+            </a:pPr>
+            <a:r>
+              <a:rPr lang="ko-KR" altLang="en-US" sz="2800" dirty="0">
+                <a:latin typeface="말랑말랑 Bold" panose="020F0803000000000000" pitchFamily="50" charset="-127"/>
+                <a:ea typeface="말랑말랑 Bold" panose="020F0803000000000000" pitchFamily="50" charset="-127"/>
+              </a:rPr>
+              <a:t>유저 다중 접속 기능</a:t>
+            </a:r>
+            <a:endParaRPr lang="en-US" altLang="ko-KR" sz="2800" dirty="0">
+              <a:latin typeface="말랑말랑 Bold" panose="020F0803000000000000" pitchFamily="50" charset="-127"/>
+              <a:ea typeface="말랑말랑 Bold" panose="020F0803000000000000" pitchFamily="50" charset="-127"/>
+            </a:endParaRPr>
+          </a:p>
+          <a:p>
+            <a:r>
+              <a:rPr lang="en-US" altLang="ko-KR" dirty="0">
+                <a:latin typeface="말랑말랑 Bold" panose="020F0803000000000000" pitchFamily="50" charset="-127"/>
+                <a:ea typeface="말랑말랑 Bold" panose="020F0803000000000000" pitchFamily="50" charset="-127"/>
+              </a:rPr>
+              <a:t>-&gt; </a:t>
+            </a:r>
+            <a:r>
+              <a:rPr lang="en-US" altLang="ko-KR" dirty="0" err="1">
+                <a:latin typeface="말랑말랑 Bold" panose="020F0803000000000000" pitchFamily="50" charset="-127"/>
+                <a:ea typeface="말랑말랑 Bold" panose="020F0803000000000000" pitchFamily="50" charset="-127"/>
+              </a:rPr>
+              <a:t>fcntl</a:t>
+            </a:r>
+            <a:r>
+              <a:rPr lang="ko-KR" altLang="en-US" dirty="0">
+                <a:latin typeface="말랑말랑 Bold" panose="020F0803000000000000" pitchFamily="50" charset="-127"/>
+                <a:ea typeface="말랑말랑 Bold" panose="020F0803000000000000" pitchFamily="50" charset="-127"/>
+              </a:rPr>
+              <a:t>을 통해 </a:t>
+            </a:r>
+            <a:r>
+              <a:rPr lang="en-US" altLang="ko-KR" dirty="0">
+                <a:latin typeface="말랑말랑 Bold" panose="020F0803000000000000" pitchFamily="50" charset="-127"/>
+                <a:ea typeface="말랑말랑 Bold" panose="020F0803000000000000" pitchFamily="50" charset="-127"/>
+              </a:rPr>
+              <a:t>Non-</a:t>
+            </a:r>
+            <a:r>
+              <a:rPr lang="en-US" altLang="ko-KR" dirty="0" err="1">
+                <a:latin typeface="말랑말랑 Bold" panose="020F0803000000000000" pitchFamily="50" charset="-127"/>
+                <a:ea typeface="말랑말랑 Bold" panose="020F0803000000000000" pitchFamily="50" charset="-127"/>
+              </a:rPr>
+              <a:t>Blockig</a:t>
+            </a:r>
+            <a:r>
+              <a:rPr lang="en-US" altLang="ko-KR" dirty="0">
+                <a:latin typeface="말랑말랑 Bold" panose="020F0803000000000000" pitchFamily="50" charset="-127"/>
+                <a:ea typeface="말랑말랑 Bold" panose="020F0803000000000000" pitchFamily="50" charset="-127"/>
+              </a:rPr>
+              <a:t> flag </a:t>
+            </a:r>
+            <a:r>
+              <a:rPr lang="ko-KR" altLang="en-US" dirty="0">
+                <a:latin typeface="말랑말랑 Bold" panose="020F0803000000000000" pitchFamily="50" charset="-127"/>
+                <a:ea typeface="말랑말랑 Bold" panose="020F0803000000000000" pitchFamily="50" charset="-127"/>
+              </a:rPr>
+              <a:t>활용</a:t>
+            </a:r>
+            <a:endParaRPr lang="en-US" altLang="ko-KR" dirty="0">
+              <a:latin typeface="말랑말랑 Bold" panose="020F0803000000000000" pitchFamily="50" charset="-127"/>
+              <a:ea typeface="말랑말랑 Bold" panose="020F0803000000000000" pitchFamily="50" charset="-127"/>
+            </a:endParaRPr>
+          </a:p>
+        </p:txBody>
+      </p:sp>
+    </p:spTree>
+    <p:extLst>
+      <p:ext uri="{BB962C8B-B14F-4D97-AF65-F5344CB8AC3E}">
+        <p14:creationId xmlns:p14="http://schemas.microsoft.com/office/powerpoint/2010/main" val="1555044598"/>
+      </p:ext>
+    </p:extLst>
+  </p:cSld>
+  <p:clrMapOvr>
+    <a:masterClrMapping/>
+  </p:clrMapOvr>
+</p:sld>
+</file>
+
+<file path=ppt/slides/slide7.xml><?xml version="1.0" encoding="utf-8"?>
+<p:sld xmlns:a="http://schemas.openxmlformats.org/drawingml/2006/main" xmlns:r="http://schemas.openxmlformats.org/officeDocument/2006/relationships" xmlns:p="http://schemas.openxmlformats.org/presentationml/2006/main">
+  <p:cSld>
+    <p:spTree>
+      <p:nvGrpSpPr>
+        <p:cNvPr id="1" name=""/>
+        <p:cNvGrpSpPr/>
+        <p:nvPr/>
+      </p:nvGrpSpPr>
+      <p:grpSpPr>
+        <a:xfrm>
+          <a:off x="0" y="0"/>
+          <a:ext cx="0" cy="0"/>
+          <a:chOff x="0" y="0"/>
+          <a:chExt cx="0" cy="0"/>
+        </a:xfrm>
+      </p:grpSpPr>
+      <p:sp>
+        <p:nvSpPr>
+          <p:cNvPr id="4" name="직사각형 3"/>
+          <p:cNvSpPr/>
+          <p:nvPr/>
+        </p:nvSpPr>
+        <p:spPr>
+          <a:xfrm>
+            <a:off x="0" y="404664"/>
+            <a:ext cx="9144000" cy="504056"/>
+          </a:xfrm>
+          <a:prstGeom prst="rect">
+            <a:avLst/>
+          </a:prstGeom>
+          <a:solidFill>
+            <a:srgbClr val="FD4B62"/>
+          </a:solidFill>
+          <a:ln>
+            <a:noFill/>
+          </a:ln>
+        </p:spPr>
+        <p:style>
+          <a:lnRef idx="2">
+            <a:schemeClr val="accent1">
+              <a:shade val="50000"/>
+            </a:schemeClr>
+          </a:lnRef>
+          <a:fillRef idx="1">
+            <a:schemeClr val="accent1"/>
+          </a:fillRef>
+          <a:effectRef idx="0">
+            <a:schemeClr val="accent1"/>
+          </a:effectRef>
+          <a:fontRef idx="minor">
+            <a:schemeClr val="lt1"/>
+          </a:fontRef>
+        </p:style>
+        <p:txBody>
+          <a:bodyPr rtlCol="0" anchor="ctr"/>
+          <a:lstStyle/>
+          <a:p>
+            <a:pPr algn="ctr"/>
+            <a:r>
+              <a:rPr lang="ko-KR" altLang="en-US" dirty="0">
+                <a:ln>
+                  <a:solidFill>
+                    <a:schemeClr val="accent1">
+                      <a:alpha val="0"/>
+                    </a:schemeClr>
+                  </a:solidFill>
+                </a:ln>
+                <a:latin typeface="나눔고딕 ExtraBold" panose="020D0904000000000000" pitchFamily="50" charset="-127"/>
+                <a:ea typeface="나눔고딕 ExtraBold" panose="020D0904000000000000" pitchFamily="50" charset="-127"/>
+              </a:rPr>
+              <a:t>시연 영상</a:t>
+            </a:r>
+          </a:p>
+        </p:txBody>
+      </p:sp>
+      <p:sp>
+        <p:nvSpPr>
+          <p:cNvPr id="3" name="실행 단추: 앞으로 또는 다음으로 이동 2">
+            <a:hlinkClick r:id="" action="ppaction://hlinkshowjump?jump=nextslide" highlightClick="1"/>
+            <a:extLst>
+              <a:ext uri="{FF2B5EF4-FFF2-40B4-BE49-F238E27FC236}">
+                <a16:creationId xmlns:a16="http://schemas.microsoft.com/office/drawing/2014/main" id="{A36E319C-575F-4199-A77C-A0EE5C14A5D7}"/>
+              </a:ext>
+            </a:extLst>
+          </p:cNvPr>
+          <p:cNvSpPr/>
+          <p:nvPr/>
+        </p:nvSpPr>
+        <p:spPr>
+          <a:xfrm>
+            <a:off x="3023828" y="1988840"/>
+            <a:ext cx="3096344" cy="3096344"/>
+          </a:xfrm>
+          <a:prstGeom prst="actionButtonForwardNext">
+            <a:avLst/>
+          </a:prstGeom>
+        </p:spPr>
+        <p:style>
+          <a:lnRef idx="2">
+            <a:schemeClr val="accent1">
+              <a:shade val="50000"/>
+            </a:schemeClr>
+          </a:lnRef>
+          <a:fillRef idx="1">
+            <a:schemeClr val="accent1"/>
+          </a:fillRef>
+          <a:effectRef idx="0">
+            <a:schemeClr val="accent1"/>
+          </a:effectRef>
+          <a:fontRef idx="minor">
+            <a:schemeClr val="lt1"/>
+          </a:fontRef>
+        </p:style>
+        <p:txBody>
+          <a:bodyPr rtlCol="0" anchor="ctr"/>
+          <a:lstStyle/>
+          <a:p>
+            <a:pPr algn="ctr"/>
+            <a:endParaRPr lang="ko-KR" altLang="en-US"/>
+          </a:p>
+        </p:txBody>
+      </p:sp>
+    </p:spTree>
+    <p:extLst>
+      <p:ext uri="{BB962C8B-B14F-4D97-AF65-F5344CB8AC3E}">
+        <p14:creationId xmlns:p14="http://schemas.microsoft.com/office/powerpoint/2010/main" val="2600616091"/>
+      </p:ext>
+    </p:extLst>
+  </p:cSld>
+  <p:clrMapOvr>
+    <a:masterClrMapping/>
+  </p:clrMapOvr>
+</p:sld>
+</file>
+
+<file path=ppt/slides/slide8.xml><?xml version="1.0" encoding="utf-8"?>
+<p:sld xmlns:a="http://schemas.openxmlformats.org/drawingml/2006/main" xmlns:r="http://schemas.openxmlformats.org/officeDocument/2006/relationships" xmlns:p="http://schemas.openxmlformats.org/presentationml/2006/main">
+  <p:cSld>
+    <p:spTree>
+      <p:nvGrpSpPr>
+        <p:cNvPr id="1" name=""/>
+        <p:cNvGrpSpPr/>
+        <p:nvPr/>
+      </p:nvGrpSpPr>
+      <p:grpSpPr>
+        <a:xfrm>
+          <a:off x="0" y="0"/>
+          <a:ext cx="0" cy="0"/>
+          <a:chOff x="0" y="0"/>
+          <a:chExt cx="0" cy="0"/>
+        </a:xfrm>
+      </p:grpSpPr>
+      <p:sp>
+        <p:nvSpPr>
+          <p:cNvPr id="4" name="직사각형 3"/>
+          <p:cNvSpPr/>
+          <p:nvPr/>
+        </p:nvSpPr>
+        <p:spPr>
+          <a:xfrm>
+            <a:off x="-30" y="332656"/>
+            <a:ext cx="9144000" cy="504056"/>
+          </a:xfrm>
+          <a:prstGeom prst="rect">
+            <a:avLst/>
+          </a:prstGeom>
+          <a:solidFill>
+            <a:srgbClr val="FD4B62"/>
+          </a:solidFill>
+          <a:ln>
+            <a:noFill/>
+          </a:ln>
+        </p:spPr>
+        <p:style>
+          <a:lnRef idx="2">
+            <a:schemeClr val="accent1">
+              <a:shade val="50000"/>
+            </a:schemeClr>
+          </a:lnRef>
+          <a:fillRef idx="1">
+            <a:schemeClr val="accent1"/>
+          </a:fillRef>
+          <a:effectRef idx="0">
+            <a:schemeClr val="accent1"/>
+          </a:effectRef>
+          <a:fontRef idx="minor">
+            <a:schemeClr val="lt1"/>
+          </a:fontRef>
+        </p:style>
+        <p:txBody>
+          <a:bodyPr rtlCol="0" anchor="ctr"/>
+          <a:lstStyle/>
+          <a:p>
+            <a:pPr algn="ctr"/>
+            <a:r>
               <a:rPr lang="en-US" altLang="ko-KR" dirty="0">
                 <a:ln>
                   <a:solidFill>
@@ -6366,6 +7523,215 @@
               </a:ln>
               <a:latin typeface="나눔고딕 ExtraBold" panose="020D0904000000000000" pitchFamily="50" charset="-127"/>
               <a:ea typeface="나눔고딕 ExtraBold" panose="020D0904000000000000" pitchFamily="50" charset="-127"/>
+            </a:endParaRPr>
+          </a:p>
+        </p:txBody>
+      </p:sp>
+      <p:pic>
+        <p:nvPicPr>
+          <p:cNvPr id="5" name="그림 4">
+            <a:extLst>
+              <a:ext uri="{FF2B5EF4-FFF2-40B4-BE49-F238E27FC236}">
+                <a16:creationId xmlns:a16="http://schemas.microsoft.com/office/drawing/2014/main" id="{67201FA6-DF5A-4E3A-AF32-4DE592F17653}"/>
+              </a:ext>
+            </a:extLst>
+          </p:cNvPr>
+          <p:cNvPicPr>
+            <a:picLocks noChangeAspect="1"/>
+          </p:cNvPicPr>
+          <p:nvPr/>
+        </p:nvPicPr>
+        <p:blipFill rotWithShape="1">
+          <a:blip r:embed="rId3"/>
+          <a:srcRect/>
+          <a:stretch>
+            <a:fillRect/>
+          </a:stretch>
+        </p:blipFill>
+        <p:spPr>
+          <a:xfrm>
+            <a:off x="3943319" y="1656350"/>
+            <a:ext cx="5212079" cy="5212079"/>
+          </a:xfrm>
+          <a:prstGeom prst="rect">
+            <a:avLst/>
+          </a:prstGeom>
+        </p:spPr>
+      </p:pic>
+      <p:sp>
+        <p:nvSpPr>
+          <p:cNvPr id="6" name="TextBox 5">
+            <a:extLst>
+              <a:ext uri="{FF2B5EF4-FFF2-40B4-BE49-F238E27FC236}">
+                <a16:creationId xmlns:a16="http://schemas.microsoft.com/office/drawing/2014/main" id="{F797FB05-E65A-48A8-8F37-5A5D58F1C4B7}"/>
+              </a:ext>
+            </a:extLst>
+          </p:cNvPr>
+          <p:cNvSpPr txBox="1"/>
+          <p:nvPr/>
+        </p:nvSpPr>
+        <p:spPr>
+          <a:xfrm>
+            <a:off x="-6081" y="2132856"/>
+            <a:ext cx="5976664" cy="646331"/>
+          </a:xfrm>
+          <a:prstGeom prst="rect">
+            <a:avLst/>
+          </a:prstGeom>
+          <a:noFill/>
+        </p:spPr>
+        <p:txBody>
+          <a:bodyPr wrap="square" rtlCol="0">
+            <a:spAutoFit/>
+          </a:bodyPr>
+          <a:lstStyle/>
+          <a:p>
+            <a:r>
+              <a:rPr lang="en-US" altLang="ko-KR" b="1" i="0" dirty="0">
+                <a:solidFill>
+                  <a:srgbClr val="1E1E1E"/>
+                </a:solidFill>
+                <a:effectLst/>
+                <a:latin typeface="궁서체" panose="02030609000101010101" pitchFamily="17" charset="-127"/>
+                <a:ea typeface="궁서체" panose="02030609000101010101" pitchFamily="17" charset="-127"/>
+              </a:rPr>
+              <a:t>“</a:t>
+            </a:r>
+            <a:r>
+              <a:rPr lang="ko-KR" altLang="en-US" b="1" i="0" dirty="0">
+                <a:solidFill>
+                  <a:srgbClr val="1E1E1E"/>
+                </a:solidFill>
+                <a:effectLst/>
+                <a:latin typeface="궁서체" panose="02030609000101010101" pitchFamily="17" charset="-127"/>
+                <a:ea typeface="궁서체" panose="02030609000101010101" pitchFamily="17" charset="-127"/>
+              </a:rPr>
+              <a:t>들여쓰기를 </a:t>
+            </a:r>
+            <a:r>
+              <a:rPr lang="en-US" altLang="ko-KR" b="1" i="0" dirty="0">
+                <a:solidFill>
+                  <a:srgbClr val="1E1E1E"/>
+                </a:solidFill>
+                <a:effectLst/>
+                <a:latin typeface="궁서체" panose="02030609000101010101" pitchFamily="17" charset="-127"/>
+                <a:ea typeface="궁서체" panose="02030609000101010101" pitchFamily="17" charset="-127"/>
+              </a:rPr>
+              <a:t>4</a:t>
+            </a:r>
+            <a:r>
+              <a:rPr lang="ko-KR" altLang="en-US" b="1" i="0" dirty="0">
+                <a:solidFill>
+                  <a:srgbClr val="1E1E1E"/>
+                </a:solidFill>
+                <a:effectLst/>
+                <a:latin typeface="궁서체" panose="02030609000101010101" pitchFamily="17" charset="-127"/>
+                <a:ea typeface="궁서체" panose="02030609000101010101" pitchFamily="17" charset="-127"/>
+              </a:rPr>
+              <a:t>단계 이상 한다면</a:t>
+            </a:r>
+            <a:r>
+              <a:rPr lang="en-US" altLang="ko-KR" b="1" i="0" dirty="0">
+                <a:solidFill>
+                  <a:srgbClr val="1E1E1E"/>
+                </a:solidFill>
+                <a:effectLst/>
+                <a:latin typeface="궁서체" panose="02030609000101010101" pitchFamily="17" charset="-127"/>
+                <a:ea typeface="궁서체" panose="02030609000101010101" pitchFamily="17" charset="-127"/>
+              </a:rPr>
+              <a:t>, </a:t>
+            </a:r>
+            <a:r>
+              <a:rPr lang="ko-KR" altLang="en-US" b="1" i="0" dirty="0" err="1">
+                <a:solidFill>
+                  <a:srgbClr val="1E1E1E"/>
+                </a:solidFill>
+                <a:effectLst/>
+                <a:latin typeface="궁서체" panose="02030609000101010101" pitchFamily="17" charset="-127"/>
+                <a:ea typeface="궁서체" panose="02030609000101010101" pitchFamily="17" charset="-127"/>
+              </a:rPr>
+              <a:t>어짜피</a:t>
+            </a:r>
+            <a:r>
+              <a:rPr lang="ko-KR" altLang="en-US" b="1" i="0" dirty="0">
+                <a:solidFill>
+                  <a:srgbClr val="1E1E1E"/>
+                </a:solidFill>
+                <a:effectLst/>
+                <a:latin typeface="궁서체" panose="02030609000101010101" pitchFamily="17" charset="-127"/>
+                <a:ea typeface="궁서체" panose="02030609000101010101" pitchFamily="17" charset="-127"/>
+              </a:rPr>
+              <a:t> </a:t>
+            </a:r>
+            <a:r>
+              <a:rPr lang="ko-KR" altLang="en-US" b="1" i="0" dirty="0" err="1">
+                <a:solidFill>
+                  <a:srgbClr val="1E1E1E"/>
+                </a:solidFill>
+                <a:effectLst/>
+                <a:latin typeface="궁서체" panose="02030609000101010101" pitchFamily="17" charset="-127"/>
+                <a:ea typeface="궁서체" panose="02030609000101010101" pitchFamily="17" charset="-127"/>
+              </a:rPr>
+              <a:t>망친거니깐</a:t>
+            </a:r>
+            <a:r>
+              <a:rPr lang="ko-KR" altLang="en-US" b="1" i="0" dirty="0">
+                <a:solidFill>
+                  <a:srgbClr val="1E1E1E"/>
+                </a:solidFill>
+                <a:effectLst/>
+                <a:latin typeface="궁서체" panose="02030609000101010101" pitchFamily="17" charset="-127"/>
+                <a:ea typeface="궁서체" panose="02030609000101010101" pitchFamily="17" charset="-127"/>
+              </a:rPr>
+              <a:t> 프로그램 처음부터 다시 짜라</a:t>
+            </a:r>
+            <a:r>
+              <a:rPr lang="en-US" altLang="ko-KR" b="1" i="0" dirty="0">
+                <a:solidFill>
+                  <a:srgbClr val="1E1E1E"/>
+                </a:solidFill>
+                <a:effectLst/>
+                <a:latin typeface="궁서체" panose="02030609000101010101" pitchFamily="17" charset="-127"/>
+                <a:ea typeface="궁서체" panose="02030609000101010101" pitchFamily="17" charset="-127"/>
+              </a:rPr>
+              <a:t>.” – </a:t>
+            </a:r>
+            <a:r>
+              <a:rPr lang="ko-KR" altLang="en-US" b="1" i="0" dirty="0" err="1">
+                <a:solidFill>
+                  <a:srgbClr val="1E1E1E"/>
+                </a:solidFill>
+                <a:effectLst/>
+                <a:latin typeface="궁서체" panose="02030609000101010101" pitchFamily="17" charset="-127"/>
+                <a:ea typeface="궁서체" panose="02030609000101010101" pitchFamily="17" charset="-127"/>
+              </a:rPr>
+              <a:t>리누스</a:t>
+            </a:r>
+            <a:r>
+              <a:rPr lang="ko-KR" altLang="en-US" b="1" i="0" dirty="0">
+                <a:solidFill>
+                  <a:srgbClr val="1E1E1E"/>
+                </a:solidFill>
+                <a:effectLst/>
+                <a:latin typeface="궁서체" panose="02030609000101010101" pitchFamily="17" charset="-127"/>
+                <a:ea typeface="궁서체" panose="02030609000101010101" pitchFamily="17" charset="-127"/>
+              </a:rPr>
+              <a:t> </a:t>
+            </a:r>
+            <a:r>
+              <a:rPr lang="ko-KR" altLang="en-US" b="1" i="0" dirty="0" err="1">
+                <a:solidFill>
+                  <a:srgbClr val="1E1E1E"/>
+                </a:solidFill>
+                <a:effectLst/>
+                <a:latin typeface="궁서체" panose="02030609000101010101" pitchFamily="17" charset="-127"/>
+                <a:ea typeface="궁서체" panose="02030609000101010101" pitchFamily="17" charset="-127"/>
+              </a:rPr>
+              <a:t>토발즈</a:t>
+            </a:r>
+            <a:endParaRPr lang="en-US" altLang="ko-KR" b="1" dirty="0">
+              <a:latin typeface="궁서체" panose="02030609000101010101" pitchFamily="17" charset="-127"/>
+              <a:ea typeface="궁서체" panose="02030609000101010101" pitchFamily="17" charset="-127"/>
             </a:endParaRPr>
           </a:p>
         </p:txBody>

--- a/발표자료/시스템프로그래밍_팀프로젝트_1조.pptx
+++ b/발표자료/시스템프로그래밍_팀프로젝트_1조.pptx
@@ -5,7 +5,7 @@
     <p:sldMasterId id="2147483648" r:id="rId1"/>
   </p:sldMasterIdLst>
   <p:notesMasterIdLst>
-    <p:notesMasterId r:id="rId10"/>
+    <p:notesMasterId r:id="rId14"/>
   </p:notesMasterIdLst>
   <p:sldIdLst>
     <p:sldId id="257" r:id="rId2"/>
@@ -14,20 +14,28 @@
     <p:sldId id="262" r:id="rId5"/>
     <p:sldId id="260" r:id="rId6"/>
     <p:sldId id="272" r:id="rId7"/>
-    <p:sldId id="271" r:id="rId8"/>
-    <p:sldId id="263" r:id="rId9"/>
+    <p:sldId id="273" r:id="rId8"/>
+    <p:sldId id="269" r:id="rId9"/>
+    <p:sldId id="270" r:id="rId10"/>
+    <p:sldId id="274" r:id="rId11"/>
+    <p:sldId id="271" r:id="rId12"/>
+    <p:sldId id="263" r:id="rId13"/>
   </p:sldIdLst>
   <p:sldSz cx="9144000" cy="6858000" type="screen4x3"/>
   <p:notesSz cx="6858000" cy="9144000"/>
   <p:embeddedFontLst>
     <p:embeddedFont>
-      <p:font typeface="나눔고딕 ExtraBold" panose="020D0904000000000000" pitchFamily="50" charset="-127"/>
-      <p:bold r:id="rId11"/>
+      <p:font typeface="나눔고딕 ExtraBold" panose="020B0600000101010101" charset="-127"/>
+      <p:bold r:id="rId15"/>
+    </p:embeddedFont>
+    <p:embeddedFont>
+      <p:font typeface="말랑말랑 Bold" panose="020F0803000000000000" pitchFamily="50" charset="-127"/>
+      <p:bold r:id="rId16"/>
     </p:embeddedFont>
     <p:embeddedFont>
       <p:font typeface="맑은 고딕" panose="020B0503020000020004" pitchFamily="50" charset="-127"/>
-      <p:regular r:id="rId12"/>
-      <p:bold r:id="rId13"/>
+      <p:regular r:id="rId17"/>
+      <p:bold r:id="rId18"/>
     </p:embeddedFont>
   </p:embeddedFontLst>
   <p:defaultTextStyle>
@@ -623,6 +631,365 @@
 </p:notes>
 </file>
 
+<file path=ppt/notesSlides/notesSlide10.xml><?xml version="1.0" encoding="utf-8"?>
+<p:notes xmlns:a="http://schemas.openxmlformats.org/drawingml/2006/main" xmlns:r="http://schemas.openxmlformats.org/officeDocument/2006/relationships" xmlns:p="http://schemas.openxmlformats.org/presentationml/2006/main">
+  <p:cSld>
+    <p:spTree>
+      <p:nvGrpSpPr>
+        <p:cNvPr id="1" name=""/>
+        <p:cNvGrpSpPr/>
+        <p:nvPr/>
+      </p:nvGrpSpPr>
+      <p:grpSpPr>
+        <a:xfrm>
+          <a:off x="0" y="0"/>
+          <a:ext cx="0" cy="0"/>
+          <a:chOff x="0" y="0"/>
+          <a:chExt cx="0" cy="0"/>
+        </a:xfrm>
+      </p:grpSpPr>
+      <p:sp>
+        <p:nvSpPr>
+          <p:cNvPr id="2" name="슬라이드 이미지 개체 틀 1"/>
+          <p:cNvSpPr>
+            <a:spLocks noGrp="1" noRot="1" noChangeAspect="1"/>
+          </p:cNvSpPr>
+          <p:nvPr>
+            <p:ph type="sldImg"/>
+          </p:nvPr>
+        </p:nvSpPr>
+        <p:spPr/>
+      </p:sp>
+      <p:sp>
+        <p:nvSpPr>
+          <p:cNvPr id="3" name="슬라이드 노트 개체 틀 2"/>
+          <p:cNvSpPr>
+            <a:spLocks noGrp="1"/>
+          </p:cNvSpPr>
+          <p:nvPr>
+            <p:ph type="body" idx="1"/>
+          </p:nvPr>
+        </p:nvSpPr>
+        <p:spPr/>
+        <p:txBody>
+          <a:bodyPr/>
+          <a:lstStyle/>
+          <a:p>
+            <a:r>
+              <a:rPr lang="ko-KR" altLang="en-US" dirty="0"/>
+              <a:t>투표가 끝나면 </a:t>
+            </a:r>
+            <a:r>
+              <a:rPr lang="ko-KR" altLang="en-US" dirty="0" err="1"/>
+              <a:t>밤이되고</a:t>
+            </a:r>
+            <a:r>
+              <a:rPr lang="ko-KR" altLang="en-US" dirty="0"/>
+              <a:t> 밤에는 마피아</a:t>
+            </a:r>
+            <a:r>
+              <a:rPr lang="en-US" altLang="ko-KR" dirty="0"/>
+              <a:t>, </a:t>
+            </a:r>
+            <a:r>
+              <a:rPr lang="ko-KR" altLang="en-US" dirty="0"/>
+              <a:t>의사</a:t>
+            </a:r>
+            <a:r>
+              <a:rPr lang="en-US" altLang="ko-KR" dirty="0"/>
+              <a:t>, </a:t>
+            </a:r>
+            <a:r>
+              <a:rPr lang="ko-KR" altLang="en-US" dirty="0"/>
+              <a:t>경찰들의 활동이 시작되며 이들의 활동이 </a:t>
+            </a:r>
+            <a:r>
+              <a:rPr lang="ko-KR" altLang="en-US" dirty="0" err="1"/>
+              <a:t>끝날때까지</a:t>
+            </a:r>
+            <a:r>
+              <a:rPr lang="ko-KR" altLang="en-US" dirty="0"/>
+              <a:t> 밤은 지속됩니다</a:t>
+            </a:r>
+            <a:r>
+              <a:rPr lang="en-US" altLang="ko-KR" dirty="0"/>
+              <a:t>. </a:t>
+            </a:r>
+            <a:r>
+              <a:rPr lang="ko-KR" altLang="en-US" dirty="0"/>
+              <a:t>그리고 밤이 끝나면 다시 </a:t>
+            </a:r>
+            <a:r>
+              <a:rPr lang="ko-KR" altLang="en-US" dirty="0" err="1"/>
+              <a:t>낮이되고</a:t>
+            </a:r>
+            <a:r>
+              <a:rPr lang="ko-KR" altLang="en-US" dirty="0"/>
+              <a:t> 마피아 혹은 </a:t>
+            </a:r>
+            <a:r>
+              <a:rPr lang="ko-KR" altLang="en-US" dirty="0" err="1"/>
+              <a:t>시민측이</a:t>
+            </a:r>
+            <a:r>
+              <a:rPr lang="ko-KR" altLang="en-US" dirty="0"/>
+              <a:t> </a:t>
+            </a:r>
+            <a:r>
+              <a:rPr lang="ko-KR" altLang="en-US" dirty="0" err="1"/>
+              <a:t>이길때까지</a:t>
+            </a:r>
+            <a:r>
+              <a:rPr lang="ko-KR" altLang="en-US" dirty="0"/>
+              <a:t> 이과정은 반복됩니다</a:t>
+            </a:r>
+            <a:r>
+              <a:rPr lang="en-US" altLang="ko-KR" dirty="0"/>
+              <a:t>.</a:t>
+            </a:r>
+            <a:endParaRPr lang="ko-KR" altLang="en-US" dirty="0"/>
+          </a:p>
+        </p:txBody>
+      </p:sp>
+      <p:sp>
+        <p:nvSpPr>
+          <p:cNvPr id="4" name="슬라이드 번호 개체 틀 3"/>
+          <p:cNvSpPr>
+            <a:spLocks noGrp="1"/>
+          </p:cNvSpPr>
+          <p:nvPr>
+            <p:ph type="sldNum" sz="quarter" idx="5"/>
+          </p:nvPr>
+        </p:nvSpPr>
+        <p:spPr/>
+        <p:txBody>
+          <a:bodyPr/>
+          <a:lstStyle/>
+          <a:p>
+            <a:fld id="{4A154A2B-6412-4D58-A6C1-BD0167DA1068}" type="slidenum">
+              <a:rPr lang="ko-KR" altLang="en-US" smtClean="0"/>
+              <a:pPr/>
+              <a:t>10</a:t>
+            </a:fld>
+            <a:endParaRPr lang="ko-KR" altLang="en-US"/>
+          </a:p>
+        </p:txBody>
+      </p:sp>
+    </p:spTree>
+    <p:extLst>
+      <p:ext uri="{BB962C8B-B14F-4D97-AF65-F5344CB8AC3E}">
+        <p14:creationId xmlns:p14="http://schemas.microsoft.com/office/powerpoint/2010/main" val="627835075"/>
+      </p:ext>
+    </p:extLst>
+  </p:cSld>
+  <p:clrMapOvr>
+    <a:masterClrMapping/>
+  </p:clrMapOvr>
+</p:notes>
+</file>
+
+<file path=ppt/notesSlides/notesSlide11.xml><?xml version="1.0" encoding="utf-8"?>
+<p:notes xmlns:a="http://schemas.openxmlformats.org/drawingml/2006/main" xmlns:r="http://schemas.openxmlformats.org/officeDocument/2006/relationships" xmlns:p="http://schemas.openxmlformats.org/presentationml/2006/main">
+  <p:cSld>
+    <p:spTree>
+      <p:nvGrpSpPr>
+        <p:cNvPr id="1" name=""/>
+        <p:cNvGrpSpPr/>
+        <p:nvPr/>
+      </p:nvGrpSpPr>
+      <p:grpSpPr>
+        <a:xfrm>
+          <a:off x="0" y="0"/>
+          <a:ext cx="0" cy="0"/>
+          <a:chOff x="0" y="0"/>
+          <a:chExt cx="0" cy="0"/>
+        </a:xfrm>
+      </p:grpSpPr>
+      <p:sp>
+        <p:nvSpPr>
+          <p:cNvPr id="2" name="슬라이드 이미지 개체 틀 1"/>
+          <p:cNvSpPr>
+            <a:spLocks noGrp="1" noRot="1" noChangeAspect="1"/>
+          </p:cNvSpPr>
+          <p:nvPr>
+            <p:ph type="sldImg"/>
+          </p:nvPr>
+        </p:nvSpPr>
+        <p:spPr/>
+      </p:sp>
+      <p:sp>
+        <p:nvSpPr>
+          <p:cNvPr id="3" name="슬라이드 노트 개체 틀 2"/>
+          <p:cNvSpPr>
+            <a:spLocks noGrp="1"/>
+          </p:cNvSpPr>
+          <p:nvPr>
+            <p:ph type="body" idx="1"/>
+          </p:nvPr>
+        </p:nvSpPr>
+        <p:spPr/>
+        <p:txBody>
+          <a:bodyPr/>
+          <a:lstStyle/>
+          <a:p>
+            <a:r>
+              <a:rPr lang="ko-KR" altLang="en-US" dirty="0"/>
+              <a:t>그 다음은 이제 시연 영상입니다</a:t>
+            </a:r>
+            <a:r>
+              <a:rPr lang="en-US" altLang="ko-KR" dirty="0"/>
+              <a:t>.</a:t>
+            </a:r>
+            <a:endParaRPr lang="ko-KR" altLang="en-US" dirty="0"/>
+          </a:p>
+        </p:txBody>
+      </p:sp>
+      <p:sp>
+        <p:nvSpPr>
+          <p:cNvPr id="4" name="슬라이드 번호 개체 틀 3"/>
+          <p:cNvSpPr>
+            <a:spLocks noGrp="1"/>
+          </p:cNvSpPr>
+          <p:nvPr>
+            <p:ph type="sldNum" sz="quarter" idx="5"/>
+          </p:nvPr>
+        </p:nvSpPr>
+        <p:spPr/>
+        <p:txBody>
+          <a:bodyPr/>
+          <a:lstStyle/>
+          <a:p>
+            <a:fld id="{4A154A2B-6412-4D58-A6C1-BD0167DA1068}" type="slidenum">
+              <a:rPr lang="ko-KR" altLang="en-US" smtClean="0"/>
+              <a:pPr/>
+              <a:t>11</a:t>
+            </a:fld>
+            <a:endParaRPr lang="ko-KR" altLang="en-US"/>
+          </a:p>
+        </p:txBody>
+      </p:sp>
+    </p:spTree>
+    <p:extLst>
+      <p:ext uri="{BB962C8B-B14F-4D97-AF65-F5344CB8AC3E}">
+        <p14:creationId xmlns:p14="http://schemas.microsoft.com/office/powerpoint/2010/main" val="2470903535"/>
+      </p:ext>
+    </p:extLst>
+  </p:cSld>
+  <p:clrMapOvr>
+    <a:masterClrMapping/>
+  </p:clrMapOvr>
+</p:notes>
+</file>
+
+<file path=ppt/notesSlides/notesSlide12.xml><?xml version="1.0" encoding="utf-8"?>
+<p:notes xmlns:a="http://schemas.openxmlformats.org/drawingml/2006/main" xmlns:r="http://schemas.openxmlformats.org/officeDocument/2006/relationships" xmlns:p="http://schemas.openxmlformats.org/presentationml/2006/main">
+  <p:cSld>
+    <p:spTree>
+      <p:nvGrpSpPr>
+        <p:cNvPr id="1" name=""/>
+        <p:cNvGrpSpPr/>
+        <p:nvPr/>
+      </p:nvGrpSpPr>
+      <p:grpSpPr>
+        <a:xfrm>
+          <a:off x="0" y="0"/>
+          <a:ext cx="0" cy="0"/>
+          <a:chOff x="0" y="0"/>
+          <a:chExt cx="0" cy="0"/>
+        </a:xfrm>
+      </p:grpSpPr>
+      <p:sp>
+        <p:nvSpPr>
+          <p:cNvPr id="2" name="슬라이드 이미지 개체 틀 1"/>
+          <p:cNvSpPr>
+            <a:spLocks noGrp="1" noRot="1" noChangeAspect="1"/>
+          </p:cNvSpPr>
+          <p:nvPr>
+            <p:ph type="sldImg"/>
+          </p:nvPr>
+        </p:nvSpPr>
+        <p:spPr/>
+      </p:sp>
+      <p:sp>
+        <p:nvSpPr>
+          <p:cNvPr id="3" name="슬라이드 노트 개체 틀 2"/>
+          <p:cNvSpPr>
+            <a:spLocks noGrp="1"/>
+          </p:cNvSpPr>
+          <p:nvPr>
+            <p:ph type="body" idx="1"/>
+          </p:nvPr>
+        </p:nvSpPr>
+        <p:spPr/>
+        <p:txBody>
+          <a:bodyPr/>
+          <a:lstStyle/>
+          <a:p>
+            <a:r>
+              <a:rPr lang="ko-KR" altLang="en-US" dirty="0"/>
+              <a:t>준비한 내용은 여기까지 입니다</a:t>
+            </a:r>
+            <a:r>
+              <a:rPr lang="en-US" altLang="ko-KR" dirty="0"/>
+              <a:t>. </a:t>
+            </a:r>
+            <a:r>
+              <a:rPr lang="ko-KR" altLang="en-US"/>
+              <a:t>발표를 끝까지 </a:t>
+            </a:r>
+            <a:r>
+              <a:rPr lang="ko-KR" altLang="en-US" dirty="0" err="1"/>
+              <a:t>들어주셔서</a:t>
+            </a:r>
+            <a:r>
+              <a:rPr lang="ko-KR" altLang="en-US" dirty="0"/>
+              <a:t> 감사합니다</a:t>
+            </a:r>
+            <a:r>
+              <a:rPr lang="en-US" altLang="ko-KR" dirty="0"/>
+              <a:t>.</a:t>
+            </a:r>
+            <a:endParaRPr lang="ko-KR" altLang="en-US" dirty="0"/>
+          </a:p>
+        </p:txBody>
+      </p:sp>
+      <p:sp>
+        <p:nvSpPr>
+          <p:cNvPr id="4" name="슬라이드 번호 개체 틀 3"/>
+          <p:cNvSpPr>
+            <a:spLocks noGrp="1"/>
+          </p:cNvSpPr>
+          <p:nvPr>
+            <p:ph type="sldNum" sz="quarter" idx="5"/>
+          </p:nvPr>
+        </p:nvSpPr>
+        <p:spPr/>
+        <p:txBody>
+          <a:bodyPr/>
+          <a:lstStyle/>
+          <a:p>
+            <a:fld id="{4A154A2B-6412-4D58-A6C1-BD0167DA1068}" type="slidenum">
+              <a:rPr lang="ko-KR" altLang="en-US" smtClean="0"/>
+              <a:pPr/>
+              <a:t>12</a:t>
+            </a:fld>
+            <a:endParaRPr lang="ko-KR" altLang="en-US"/>
+          </a:p>
+        </p:txBody>
+      </p:sp>
+    </p:spTree>
+    <p:extLst>
+      <p:ext uri="{BB962C8B-B14F-4D97-AF65-F5344CB8AC3E}">
+        <p14:creationId xmlns:p14="http://schemas.microsoft.com/office/powerpoint/2010/main" val="2965957035"/>
+      </p:ext>
+    </p:extLst>
+  </p:cSld>
+  <p:clrMapOvr>
+    <a:masterClrMapping/>
+  </p:clrMapOvr>
+</p:notes>
+</file>
+
 <file path=ppt/notesSlides/notesSlide2.xml><?xml version="1.0" encoding="utf-8"?>
 <p:notes xmlns:a="http://schemas.openxmlformats.org/drawingml/2006/main" xmlns:r="http://schemas.openxmlformats.org/officeDocument/2006/relationships" xmlns:p="http://schemas.openxmlformats.org/presentationml/2006/main">
   <p:cSld>
@@ -1506,188 +1873,36 @@
           <a:p>
             <a:r>
               <a:rPr lang="ko-KR" altLang="en-US" dirty="0"/>
-              <a:t>그 다음으로는 주요기능 입니다</a:t>
+              <a:t>다음으론 게임 진행 방식입니다</a:t>
+            </a:r>
+            <a:r>
+              <a:rPr lang="en-US" altLang="ko-KR" dirty="0"/>
+              <a:t>. </a:t>
+            </a:r>
+            <a:r>
+              <a:rPr lang="ko-KR" altLang="en-US" dirty="0"/>
+              <a:t>저희 프로그램은 </a:t>
+            </a:r>
+            <a:r>
+              <a:rPr lang="en-US" altLang="ko-KR" dirty="0"/>
+              <a:t>4~8</a:t>
+            </a:r>
+            <a:r>
+              <a:rPr lang="ko-KR" altLang="en-US" dirty="0"/>
+              <a:t>인 마피아 게임을 진행하며 클라이언트 </a:t>
+            </a:r>
+            <a:r>
+              <a:rPr lang="en-US" altLang="ko-KR" dirty="0"/>
+              <a:t>4</a:t>
+            </a:r>
+            <a:r>
+              <a:rPr lang="ko-KR" altLang="en-US" dirty="0"/>
+              <a:t>명 이상이 모이면 서버가 시작 명령어를 통해 게임을 시작 할 수 있습니다</a:t>
             </a:r>
             <a:r>
               <a:rPr lang="en-US" altLang="ko-KR" dirty="0"/>
               <a:t>.</a:t>
             </a:r>
-          </a:p>
-          <a:p>
-            <a:r>
-              <a:rPr lang="en-US" altLang="ko-KR" dirty="0"/>
-              <a:t> </a:t>
-            </a:r>
-            <a:r>
-              <a:rPr lang="ko-KR" altLang="en-US" dirty="0"/>
-              <a:t>사용자간 채팅을 위해선 </a:t>
-            </a:r>
-            <a:r>
-              <a:rPr lang="en-US" altLang="ko-KR" dirty="0"/>
-              <a:t>/ </a:t>
-            </a:r>
-            <a:r>
-              <a:rPr lang="ko-KR" altLang="en-US" dirty="0"/>
-              <a:t>서버와 클라이언트의 연결이 필요해서</a:t>
-            </a:r>
-            <a:r>
-              <a:rPr lang="en-US" altLang="ko-KR" dirty="0"/>
-              <a:t>/ </a:t>
-            </a:r>
-            <a:r>
-              <a:rPr lang="ko-KR" altLang="en-US" dirty="0"/>
-              <a:t> </a:t>
-            </a:r>
-            <a:r>
-              <a:rPr lang="en-US" altLang="ko-KR" dirty="0"/>
-              <a:t>Socket </a:t>
-            </a:r>
-            <a:r>
-              <a:rPr lang="ko-KR" altLang="en-US" dirty="0"/>
-              <a:t>통신을 활용하였고</a:t>
-            </a:r>
-            <a:r>
-              <a:rPr lang="en-US" altLang="ko-KR" dirty="0"/>
-              <a:t>,</a:t>
-            </a:r>
-            <a:r>
-              <a:rPr lang="ko-KR" altLang="en-US" dirty="0"/>
-              <a:t> 연결 후에 스트링을 주고 받아야 채팅이 되기에 </a:t>
-            </a:r>
-            <a:r>
-              <a:rPr lang="en-US" altLang="ko-KR" dirty="0"/>
-              <a:t>/ </a:t>
-            </a:r>
-            <a:r>
-              <a:rPr lang="ko-KR" altLang="en-US" dirty="0"/>
-              <a:t>베이직 </a:t>
-            </a:r>
-            <a:r>
-              <a:rPr lang="ko-KR" altLang="en-US" dirty="0" err="1"/>
-              <a:t>시스템콜인</a:t>
-            </a:r>
-            <a:r>
-              <a:rPr lang="ko-KR" altLang="en-US" dirty="0"/>
-              <a:t> </a:t>
-            </a:r>
-            <a:r>
-              <a:rPr lang="en-US" altLang="ko-KR" dirty="0"/>
-              <a:t>read write</a:t>
-            </a:r>
-            <a:r>
-              <a:rPr lang="ko-KR" altLang="en-US" dirty="0"/>
-              <a:t>를 활용 하였습니다</a:t>
-            </a:r>
-            <a:r>
-              <a:rPr lang="en-US" altLang="ko-KR" dirty="0"/>
-              <a:t>.</a:t>
-            </a:r>
-          </a:p>
-          <a:p>
-            <a:r>
-              <a:rPr lang="ko-KR" altLang="en-US" dirty="0"/>
-              <a:t>그리고 채팅과 동시에 </a:t>
-            </a:r>
-            <a:r>
-              <a:rPr lang="en-US" altLang="ko-KR" dirty="0"/>
-              <a:t>// </a:t>
-            </a:r>
-            <a:r>
-              <a:rPr lang="ko-KR" altLang="en-US" dirty="0"/>
-              <a:t>마피아 게임기능이 함께 </a:t>
-            </a:r>
-            <a:r>
-              <a:rPr lang="ko-KR" altLang="en-US" dirty="0" err="1"/>
-              <a:t>작동해야하기에</a:t>
-            </a:r>
-            <a:r>
-              <a:rPr lang="ko-KR" altLang="en-US" dirty="0"/>
-              <a:t> </a:t>
-            </a:r>
-            <a:r>
-              <a:rPr lang="en-US" altLang="ko-KR" dirty="0"/>
-              <a:t>/ thread </a:t>
-            </a:r>
-            <a:r>
-              <a:rPr lang="ko-KR" altLang="en-US" dirty="0"/>
-              <a:t>를 적용하였습니다</a:t>
-            </a:r>
-            <a:r>
-              <a:rPr lang="en-US" altLang="ko-KR" dirty="0"/>
-              <a:t>.</a:t>
-            </a:r>
-          </a:p>
-          <a:p>
-            <a:r>
-              <a:rPr lang="ko-KR" altLang="en-US" dirty="0"/>
-              <a:t>마지막으로 </a:t>
-            </a:r>
-            <a:r>
-              <a:rPr lang="ko-KR" altLang="en-US" dirty="0" err="1"/>
-              <a:t>블락킹</a:t>
-            </a:r>
-            <a:r>
-              <a:rPr lang="ko-KR" altLang="en-US" dirty="0"/>
-              <a:t> 모드에선 </a:t>
-            </a:r>
-            <a:r>
-              <a:rPr lang="en-US" altLang="ko-KR" dirty="0"/>
-              <a:t>/</a:t>
-            </a:r>
-            <a:r>
-              <a:rPr lang="ko-KR" altLang="en-US" dirty="0"/>
-              <a:t>서버가 </a:t>
-            </a:r>
-            <a:r>
-              <a:rPr lang="en-US" altLang="ko-KR" dirty="0"/>
-              <a:t>accept </a:t>
-            </a:r>
-            <a:r>
-              <a:rPr lang="ko-KR" altLang="en-US" dirty="0"/>
-              <a:t>부분에서 유저가 올 때까지 기다리기 때문에 </a:t>
-            </a:r>
-            <a:r>
-              <a:rPr lang="en-US" altLang="ko-KR" dirty="0"/>
-              <a:t>// </a:t>
-            </a:r>
-            <a:r>
-              <a:rPr lang="en-US" altLang="ko-KR" dirty="0" err="1"/>
-              <a:t>fcntl</a:t>
-            </a:r>
-            <a:r>
-              <a:rPr lang="ko-KR" altLang="en-US" dirty="0"/>
-              <a:t>을 </a:t>
-            </a:r>
-            <a:r>
-              <a:rPr lang="en-US" altLang="ko-KR" dirty="0"/>
-              <a:t>“</a:t>
-            </a:r>
-            <a:r>
-              <a:rPr lang="ko-KR" altLang="en-US" dirty="0"/>
-              <a:t>통해</a:t>
-            </a:r>
-            <a:r>
-              <a:rPr lang="en-US" altLang="ko-KR" dirty="0"/>
-              <a:t>”</a:t>
-            </a:r>
-            <a:r>
-              <a:rPr lang="ko-KR" altLang="en-US" dirty="0"/>
-              <a:t> 논 </a:t>
-            </a:r>
-            <a:r>
-              <a:rPr lang="ko-KR" altLang="en-US" dirty="0" err="1"/>
-              <a:t>블락킹</a:t>
-            </a:r>
-            <a:r>
-              <a:rPr lang="ko-KR" altLang="en-US" dirty="0"/>
-              <a:t> 플래그를 활용했습니다</a:t>
-            </a:r>
-            <a:r>
-              <a:rPr lang="en-US" altLang="ko-KR" dirty="0"/>
-              <a:t>.//</a:t>
-            </a:r>
-          </a:p>
-          <a:p>
             <a:endParaRPr lang="ko-KR" altLang="en-US" dirty="0"/>
           </a:p>
         </p:txBody>
@@ -1719,7 +1934,7 @@
     </p:spTree>
     <p:extLst>
       <p:ext uri="{BB962C8B-B14F-4D97-AF65-F5344CB8AC3E}">
-        <p14:creationId xmlns:p14="http://schemas.microsoft.com/office/powerpoint/2010/main" val="4073772128"/>
+        <p14:creationId xmlns:p14="http://schemas.microsoft.com/office/powerpoint/2010/main" val="2491088441"/>
       </p:ext>
     </p:extLst>
   </p:cSld>
@@ -1775,13 +1990,8 @@
           <a:p>
             <a:r>
               <a:rPr lang="ko-KR" altLang="en-US" dirty="0"/>
-              <a:t>이제 시연 영상입니다</a:t>
-            </a:r>
-            <a:r>
-              <a:rPr lang="en-US" altLang="ko-KR" dirty="0"/>
-              <a:t>.</a:t>
-            </a:r>
-            <a:endParaRPr lang="ko-KR" altLang="en-US" dirty="0"/>
+              <a:t>게임이 시작되면 역할이 분배되며 유저의 역할이 각각 유저에게 보내집니다</a:t>
+            </a:r>
           </a:p>
         </p:txBody>
       </p:sp>
@@ -1812,7 +2022,7 @@
     </p:spTree>
     <p:extLst>
       <p:ext uri="{BB962C8B-B14F-4D97-AF65-F5344CB8AC3E}">
-        <p14:creationId xmlns:p14="http://schemas.microsoft.com/office/powerpoint/2010/main" val="2470903535"/>
+        <p14:creationId xmlns:p14="http://schemas.microsoft.com/office/powerpoint/2010/main" val="84001315"/>
       </p:ext>
     </p:extLst>
   </p:cSld>
@@ -1868,11 +2078,19 @@
           <a:p>
             <a:r>
               <a:rPr lang="ko-KR" altLang="en-US" dirty="0"/>
-              <a:t>준비한 내용은 여기까지 입니다</a:t>
+              <a:t>게임은 낮으로 시작하며 낮이 끝나거나 서버가 투표시작 명령어를 통해 투표로 죽일 사람을 정할 수 있으며 기권표로 투표를 </a:t>
+            </a:r>
+            <a:r>
+              <a:rPr lang="ko-KR" altLang="en-US" dirty="0" err="1"/>
+              <a:t>스킵할</a:t>
+            </a:r>
+            <a:r>
+              <a:rPr lang="ko-KR" altLang="en-US" dirty="0"/>
+              <a:t> 수 있습니다</a:t>
             </a:r>
             <a:r>
               <a:rPr lang="en-US" altLang="ko-KR" dirty="0"/>
-              <a:t>. </a:t>
+              <a:t>.</a:t>
             </a:r>
             <a:endParaRPr lang="ko-KR" altLang="en-US" dirty="0"/>
           </a:p>
@@ -1905,7 +2123,100 @@
     </p:spTree>
     <p:extLst>
       <p:ext uri="{BB962C8B-B14F-4D97-AF65-F5344CB8AC3E}">
-        <p14:creationId xmlns:p14="http://schemas.microsoft.com/office/powerpoint/2010/main" val="2965957035"/>
+        <p14:creationId xmlns:p14="http://schemas.microsoft.com/office/powerpoint/2010/main" val="1516403126"/>
+      </p:ext>
+    </p:extLst>
+  </p:cSld>
+  <p:clrMapOvr>
+    <a:masterClrMapping/>
+  </p:clrMapOvr>
+</p:notes>
+</file>
+
+<file path=ppt/notesSlides/notesSlide9.xml><?xml version="1.0" encoding="utf-8"?>
+<p:notes xmlns:a="http://schemas.openxmlformats.org/drawingml/2006/main" xmlns:r="http://schemas.openxmlformats.org/officeDocument/2006/relationships" xmlns:p="http://schemas.openxmlformats.org/presentationml/2006/main">
+  <p:cSld>
+    <p:spTree>
+      <p:nvGrpSpPr>
+        <p:cNvPr id="1" name=""/>
+        <p:cNvGrpSpPr/>
+        <p:nvPr/>
+      </p:nvGrpSpPr>
+      <p:grpSpPr>
+        <a:xfrm>
+          <a:off x="0" y="0"/>
+          <a:ext cx="0" cy="0"/>
+          <a:chOff x="0" y="0"/>
+          <a:chExt cx="0" cy="0"/>
+        </a:xfrm>
+      </p:grpSpPr>
+      <p:sp>
+        <p:nvSpPr>
+          <p:cNvPr id="2" name="슬라이드 이미지 개체 틀 1"/>
+          <p:cNvSpPr>
+            <a:spLocks noGrp="1" noRot="1" noChangeAspect="1"/>
+          </p:cNvSpPr>
+          <p:nvPr>
+            <p:ph type="sldImg"/>
+          </p:nvPr>
+        </p:nvSpPr>
+        <p:spPr/>
+      </p:sp>
+      <p:sp>
+        <p:nvSpPr>
+          <p:cNvPr id="3" name="슬라이드 노트 개체 틀 2"/>
+          <p:cNvSpPr>
+            <a:spLocks noGrp="1"/>
+          </p:cNvSpPr>
+          <p:nvPr>
+            <p:ph type="body" idx="1"/>
+          </p:nvPr>
+        </p:nvSpPr>
+        <p:spPr/>
+        <p:txBody>
+          <a:bodyPr/>
+          <a:lstStyle/>
+          <a:p>
+            <a:r>
+              <a:rPr lang="ko-KR" altLang="en-US" dirty="0"/>
+              <a:t>그리고 투표는 제한시간이 없으며 모든 유저가 투표를 끝내야 진행 됩니다</a:t>
+            </a:r>
+            <a:r>
+              <a:rPr lang="en-US" altLang="ko-KR" dirty="0"/>
+              <a:t>.</a:t>
+            </a:r>
+            <a:endParaRPr lang="ko-KR" altLang="en-US" dirty="0"/>
+          </a:p>
+        </p:txBody>
+      </p:sp>
+      <p:sp>
+        <p:nvSpPr>
+          <p:cNvPr id="4" name="슬라이드 번호 개체 틀 3"/>
+          <p:cNvSpPr>
+            <a:spLocks noGrp="1"/>
+          </p:cNvSpPr>
+          <p:nvPr>
+            <p:ph type="sldNum" sz="quarter" idx="5"/>
+          </p:nvPr>
+        </p:nvSpPr>
+        <p:spPr/>
+        <p:txBody>
+          <a:bodyPr/>
+          <a:lstStyle/>
+          <a:p>
+            <a:fld id="{4A154A2B-6412-4D58-A6C1-BD0167DA1068}" type="slidenum">
+              <a:rPr lang="ko-KR" altLang="en-US" smtClean="0"/>
+              <a:pPr/>
+              <a:t>9</a:t>
+            </a:fld>
+            <a:endParaRPr lang="ko-KR" altLang="en-US"/>
+          </a:p>
+        </p:txBody>
+      </p:sp>
+    </p:spTree>
+    <p:extLst>
+      <p:ext uri="{BB962C8B-B14F-4D97-AF65-F5344CB8AC3E}">
+        <p14:creationId xmlns:p14="http://schemas.microsoft.com/office/powerpoint/2010/main" val="2017191828"/>
       </p:ext>
     </p:extLst>
   </p:cSld>
@@ -5373,6 +5684,2140 @@
 </p:sld>
 </file>
 
+<file path=ppt/slides/slide10.xml><?xml version="1.0" encoding="utf-8"?>
+<p:sld xmlns:a="http://schemas.openxmlformats.org/drawingml/2006/main" xmlns:r="http://schemas.openxmlformats.org/officeDocument/2006/relationships" xmlns:p="http://schemas.openxmlformats.org/presentationml/2006/main">
+  <p:cSld>
+    <p:spTree>
+      <p:nvGrpSpPr>
+        <p:cNvPr id="1" name=""/>
+        <p:cNvGrpSpPr/>
+        <p:nvPr/>
+      </p:nvGrpSpPr>
+      <p:grpSpPr>
+        <a:xfrm>
+          <a:off x="0" y="0"/>
+          <a:ext cx="0" cy="0"/>
+          <a:chOff x="0" y="0"/>
+          <a:chExt cx="0" cy="0"/>
+        </a:xfrm>
+      </p:grpSpPr>
+      <p:sp>
+        <p:nvSpPr>
+          <p:cNvPr id="7" name="직사각형 6">
+            <a:extLst>
+              <a:ext uri="{FF2B5EF4-FFF2-40B4-BE49-F238E27FC236}">
+                <a16:creationId xmlns:a16="http://schemas.microsoft.com/office/drawing/2014/main" id="{F369FDD3-0129-4FE5-976E-4CE9BCBEA5FE}"/>
+              </a:ext>
+            </a:extLst>
+          </p:cNvPr>
+          <p:cNvSpPr/>
+          <p:nvPr/>
+        </p:nvSpPr>
+        <p:spPr>
+          <a:xfrm>
+            <a:off x="150021" y="2499892"/>
+            <a:ext cx="2878930" cy="3072653"/>
+          </a:xfrm>
+          <a:prstGeom prst="rect">
+            <a:avLst/>
+          </a:prstGeom>
+          <a:solidFill>
+            <a:schemeClr val="tx1">
+              <a:lumMod val="75000"/>
+              <a:lumOff val="25000"/>
+            </a:schemeClr>
+          </a:solidFill>
+          <a:ln>
+            <a:solidFill>
+              <a:schemeClr val="tx1">
+                <a:lumMod val="95000"/>
+                <a:lumOff val="5000"/>
+              </a:schemeClr>
+            </a:solidFill>
+          </a:ln>
+        </p:spPr>
+        <p:style>
+          <a:lnRef idx="2">
+            <a:schemeClr val="accent1">
+              <a:shade val="50000"/>
+            </a:schemeClr>
+          </a:lnRef>
+          <a:fillRef idx="1">
+            <a:schemeClr val="accent1"/>
+          </a:fillRef>
+          <a:effectRef idx="0">
+            <a:schemeClr val="accent1"/>
+          </a:effectRef>
+          <a:fontRef idx="minor">
+            <a:schemeClr val="lt1"/>
+          </a:fontRef>
+        </p:style>
+        <p:txBody>
+          <a:bodyPr rtlCol="0" anchor="ctr"/>
+          <a:lstStyle/>
+          <a:p>
+            <a:r>
+              <a:rPr lang="en-US" altLang="ko-KR" sz="1200" dirty="0">
+                <a:solidFill>
+                  <a:srgbClr val="FFFF00"/>
+                </a:solidFill>
+              </a:rPr>
+              <a:t>[13:52:55] user4&gt; hi</a:t>
+            </a:r>
+          </a:p>
+          <a:p>
+            <a:r>
+              <a:rPr lang="en-US" altLang="ko-KR" sz="1200" dirty="0">
+                <a:solidFill>
+                  <a:schemeClr val="bg1"/>
+                </a:solidFill>
+              </a:rPr>
+              <a:t>[13:52:58] user3&gt; hello</a:t>
+            </a:r>
+          </a:p>
+          <a:p>
+            <a:r>
+              <a:rPr lang="ko-KR" altLang="en-US" sz="1200" dirty="0">
+                <a:solidFill>
+                  <a:schemeClr val="bg1"/>
+                </a:solidFill>
+              </a:rPr>
+              <a:t>게임을 시작합니다</a:t>
+            </a:r>
+            <a:r>
+              <a:rPr lang="en-US" altLang="ko-KR" sz="1200" dirty="0">
+                <a:solidFill>
+                  <a:schemeClr val="bg1"/>
+                </a:solidFill>
+              </a:rPr>
+              <a:t>.</a:t>
+            </a:r>
+          </a:p>
+          <a:p>
+            <a:r>
+              <a:rPr lang="en-US" altLang="ko-KR" sz="1200" dirty="0">
+                <a:solidFill>
+                  <a:srgbClr val="FF0000"/>
+                </a:solidFill>
+              </a:rPr>
+              <a:t>- </a:t>
+            </a:r>
+            <a:r>
+              <a:rPr lang="ko-KR" altLang="en-US" sz="1200" dirty="0">
+                <a:solidFill>
+                  <a:srgbClr val="FF0000"/>
+                </a:solidFill>
+              </a:rPr>
+              <a:t>당신은 마피아 입니다</a:t>
+            </a:r>
+            <a:r>
+              <a:rPr lang="en-US" altLang="ko-KR" sz="1200" dirty="0">
+                <a:solidFill>
+                  <a:srgbClr val="FF0000"/>
+                </a:solidFill>
+              </a:rPr>
+              <a:t>. -</a:t>
+            </a:r>
+          </a:p>
+          <a:p>
+            <a:r>
+              <a:rPr lang="ko-KR" altLang="en-US" sz="1200" dirty="0">
+                <a:solidFill>
+                  <a:schemeClr val="bg1"/>
+                </a:solidFill>
+              </a:rPr>
+              <a:t>낮이 되었습니다</a:t>
+            </a:r>
+            <a:r>
+              <a:rPr lang="en-US" altLang="ko-KR" sz="1200" dirty="0">
+                <a:solidFill>
+                  <a:schemeClr val="bg1"/>
+                </a:solidFill>
+              </a:rPr>
+              <a:t>.</a:t>
+            </a:r>
+          </a:p>
+          <a:p>
+            <a:r>
+              <a:rPr lang="en-US" altLang="ko-KR" sz="1200" dirty="0">
+                <a:solidFill>
+                  <a:schemeClr val="bg1"/>
+                </a:solidFill>
+              </a:rPr>
+              <a:t>[13:53:05] user3&gt; user4</a:t>
+            </a:r>
+            <a:r>
+              <a:rPr lang="ko-KR" altLang="en-US" sz="1200" dirty="0">
+                <a:solidFill>
+                  <a:schemeClr val="bg1"/>
+                </a:solidFill>
+              </a:rPr>
+              <a:t>가 마피아 </a:t>
+            </a:r>
+            <a:r>
+              <a:rPr lang="ko-KR" altLang="en-US" sz="1200" dirty="0" err="1">
+                <a:solidFill>
+                  <a:schemeClr val="bg1"/>
+                </a:solidFill>
+              </a:rPr>
+              <a:t>인것같은데</a:t>
+            </a:r>
+            <a:r>
+              <a:rPr lang="en-US" altLang="ko-KR" sz="1200" dirty="0">
+                <a:solidFill>
+                  <a:schemeClr val="bg1"/>
+                </a:solidFill>
+              </a:rPr>
+              <a:t>?</a:t>
+            </a:r>
+          </a:p>
+          <a:p>
+            <a:r>
+              <a:rPr lang="ko-KR" altLang="en-US" sz="1200" dirty="0">
+                <a:solidFill>
+                  <a:schemeClr val="bg1"/>
+                </a:solidFill>
+              </a:rPr>
+              <a:t>업데이트 </a:t>
+            </a:r>
+            <a:r>
+              <a:rPr lang="en-US" altLang="ko-KR" sz="1200" dirty="0">
+                <a:solidFill>
+                  <a:schemeClr val="bg1"/>
+                </a:solidFill>
+              </a:rPr>
+              <a:t>: user3</a:t>
+            </a:r>
+            <a:r>
+              <a:rPr lang="ko-KR" altLang="en-US" sz="1200" dirty="0">
+                <a:solidFill>
+                  <a:schemeClr val="bg1"/>
+                </a:solidFill>
+              </a:rPr>
+              <a:t>은 현재 </a:t>
+            </a:r>
+            <a:r>
+              <a:rPr lang="en-US" altLang="ko-KR" sz="1200" dirty="0">
+                <a:solidFill>
+                  <a:schemeClr val="bg1"/>
+                </a:solidFill>
+              </a:rPr>
+              <a:t>1</a:t>
+            </a:r>
+            <a:r>
+              <a:rPr lang="ko-KR" altLang="en-US" sz="1200" dirty="0">
+                <a:solidFill>
+                  <a:schemeClr val="bg1"/>
+                </a:solidFill>
+              </a:rPr>
+              <a:t>표입니다</a:t>
+            </a:r>
+            <a:r>
+              <a:rPr lang="en-US" altLang="ko-KR" sz="1200" dirty="0">
+                <a:solidFill>
+                  <a:schemeClr val="bg1"/>
+                </a:solidFill>
+              </a:rPr>
+              <a:t>.</a:t>
+            </a:r>
+          </a:p>
+          <a:p>
+            <a:r>
+              <a:rPr lang="en-US" altLang="ko-KR" sz="1200" dirty="0">
+                <a:solidFill>
+                  <a:schemeClr val="bg1"/>
+                </a:solidFill>
+              </a:rPr>
+              <a:t>[13:53:07] user3&gt; ?</a:t>
+            </a:r>
+          </a:p>
+          <a:p>
+            <a:r>
+              <a:rPr lang="ko-KR" altLang="en-US" sz="1200" dirty="0">
+                <a:solidFill>
+                  <a:schemeClr val="bg1"/>
+                </a:solidFill>
+              </a:rPr>
+              <a:t>업데이트 </a:t>
+            </a:r>
+            <a:r>
+              <a:rPr lang="en-US" altLang="ko-KR" sz="1200" dirty="0">
+                <a:solidFill>
+                  <a:schemeClr val="bg1"/>
+                </a:solidFill>
+              </a:rPr>
+              <a:t>: user3</a:t>
+            </a:r>
+            <a:r>
+              <a:rPr lang="ko-KR" altLang="en-US" sz="1200" dirty="0">
+                <a:solidFill>
+                  <a:schemeClr val="bg1"/>
+                </a:solidFill>
+              </a:rPr>
+              <a:t>은 현재 </a:t>
+            </a:r>
+            <a:r>
+              <a:rPr lang="en-US" altLang="ko-KR" sz="1200" dirty="0">
+                <a:solidFill>
+                  <a:schemeClr val="bg1"/>
+                </a:solidFill>
+              </a:rPr>
+              <a:t>2</a:t>
+            </a:r>
+            <a:r>
+              <a:rPr lang="ko-KR" altLang="en-US" sz="1200" dirty="0">
+                <a:solidFill>
+                  <a:schemeClr val="bg1"/>
+                </a:solidFill>
+              </a:rPr>
+              <a:t>표입니다</a:t>
+            </a:r>
+            <a:r>
+              <a:rPr lang="en-US" altLang="ko-KR" sz="1200" dirty="0">
+                <a:solidFill>
+                  <a:schemeClr val="bg1"/>
+                </a:solidFill>
+              </a:rPr>
+              <a:t>.</a:t>
+            </a:r>
+          </a:p>
+          <a:p>
+            <a:r>
+              <a:rPr lang="ko-KR" altLang="en-US" sz="1200" dirty="0">
+                <a:solidFill>
+                  <a:schemeClr val="bg1"/>
+                </a:solidFill>
+              </a:rPr>
+              <a:t>업데이트 </a:t>
+            </a:r>
+            <a:r>
+              <a:rPr lang="en-US" altLang="ko-KR" sz="1200" dirty="0">
+                <a:solidFill>
+                  <a:schemeClr val="bg1"/>
+                </a:solidFill>
+              </a:rPr>
+              <a:t>: user3</a:t>
+            </a:r>
+            <a:r>
+              <a:rPr lang="ko-KR" altLang="en-US" sz="1200" dirty="0">
+                <a:solidFill>
+                  <a:schemeClr val="bg1"/>
+                </a:solidFill>
+              </a:rPr>
+              <a:t>은 현재 </a:t>
+            </a:r>
+            <a:r>
+              <a:rPr lang="en-US" altLang="ko-KR" sz="1200" dirty="0">
+                <a:solidFill>
+                  <a:schemeClr val="bg1"/>
+                </a:solidFill>
+              </a:rPr>
+              <a:t>3</a:t>
+            </a:r>
+            <a:r>
+              <a:rPr lang="ko-KR" altLang="en-US" sz="1200" dirty="0">
+                <a:solidFill>
+                  <a:schemeClr val="bg1"/>
+                </a:solidFill>
+              </a:rPr>
+              <a:t>표입니다</a:t>
+            </a:r>
+            <a:r>
+              <a:rPr lang="en-US" altLang="ko-KR" sz="1200" dirty="0">
+                <a:solidFill>
+                  <a:schemeClr val="bg1"/>
+                </a:solidFill>
+              </a:rPr>
+              <a:t>.</a:t>
+            </a:r>
+          </a:p>
+          <a:p>
+            <a:r>
+              <a:rPr lang="ko-KR" altLang="en-US" sz="1200" dirty="0">
+                <a:solidFill>
+                  <a:schemeClr val="bg1"/>
+                </a:solidFill>
+              </a:rPr>
+              <a:t>업데이트 </a:t>
+            </a:r>
+            <a:r>
+              <a:rPr lang="en-US" altLang="ko-KR" sz="1200" dirty="0">
+                <a:solidFill>
+                  <a:schemeClr val="bg1"/>
+                </a:solidFill>
+              </a:rPr>
+              <a:t>: user4</a:t>
+            </a:r>
+            <a:r>
+              <a:rPr lang="ko-KR" altLang="en-US" sz="1200" dirty="0">
+                <a:solidFill>
+                  <a:schemeClr val="bg1"/>
+                </a:solidFill>
+              </a:rPr>
+              <a:t>은 현재 </a:t>
+            </a:r>
+            <a:r>
+              <a:rPr lang="en-US" altLang="ko-KR" sz="1200" dirty="0">
+                <a:solidFill>
+                  <a:schemeClr val="bg1"/>
+                </a:solidFill>
+              </a:rPr>
+              <a:t>1</a:t>
+            </a:r>
+            <a:r>
+              <a:rPr lang="ko-KR" altLang="en-US" sz="1200" dirty="0">
+                <a:solidFill>
+                  <a:schemeClr val="bg1"/>
+                </a:solidFill>
+              </a:rPr>
+              <a:t>표입니다</a:t>
+            </a:r>
+            <a:r>
+              <a:rPr lang="en-US" altLang="ko-KR" sz="1200" dirty="0">
+                <a:solidFill>
+                  <a:schemeClr val="bg1"/>
+                </a:solidFill>
+              </a:rPr>
+              <a:t>.</a:t>
+            </a:r>
+          </a:p>
+          <a:p>
+            <a:r>
+              <a:rPr lang="ko-KR" altLang="en-US" sz="1200" dirty="0">
+                <a:solidFill>
+                  <a:schemeClr val="bg1"/>
+                </a:solidFill>
+              </a:rPr>
+              <a:t>시간이 다되었습니다</a:t>
+            </a:r>
+            <a:r>
+              <a:rPr lang="en-US" altLang="ko-KR" sz="1200" dirty="0">
+                <a:solidFill>
+                  <a:schemeClr val="bg1"/>
+                </a:solidFill>
+              </a:rPr>
+              <a:t>. user3</a:t>
+            </a:r>
+            <a:r>
+              <a:rPr lang="ko-KR" altLang="en-US" sz="1200" dirty="0">
+                <a:solidFill>
+                  <a:schemeClr val="bg1"/>
+                </a:solidFill>
+              </a:rPr>
+              <a:t>은 사망했습니다</a:t>
+            </a:r>
+            <a:r>
+              <a:rPr lang="en-US" altLang="ko-KR" sz="1200" dirty="0">
+                <a:solidFill>
+                  <a:schemeClr val="bg1"/>
+                </a:solidFill>
+              </a:rPr>
+              <a:t>.</a:t>
+            </a:r>
+          </a:p>
+          <a:p>
+            <a:r>
+              <a:rPr lang="ko-KR" altLang="en-US" sz="1200" dirty="0">
+                <a:solidFill>
+                  <a:schemeClr val="bg1"/>
+                </a:solidFill>
+              </a:rPr>
+              <a:t>밤이 되었습니다</a:t>
+            </a:r>
+            <a:r>
+              <a:rPr lang="en-US" altLang="ko-KR" sz="1200" dirty="0">
+                <a:solidFill>
+                  <a:schemeClr val="bg1"/>
+                </a:solidFill>
+              </a:rPr>
+              <a:t>.</a:t>
+            </a:r>
+          </a:p>
+          <a:p>
+            <a:r>
+              <a:rPr lang="en-US" altLang="ko-KR" sz="1200" dirty="0">
+                <a:solidFill>
+                  <a:srgbClr val="92D050"/>
+                </a:solidFill>
+              </a:rPr>
+              <a:t>user4&gt;/work user1</a:t>
+            </a:r>
+            <a:endParaRPr lang="en-US" altLang="ko-KR" sz="1200" dirty="0">
+              <a:solidFill>
+                <a:schemeClr val="bg1"/>
+              </a:solidFill>
+            </a:endParaRPr>
+          </a:p>
+        </p:txBody>
+      </p:sp>
+      <p:sp>
+        <p:nvSpPr>
+          <p:cNvPr id="8" name="사각형: 둥근 위쪽 모서리 7">
+            <a:extLst>
+              <a:ext uri="{FF2B5EF4-FFF2-40B4-BE49-F238E27FC236}">
+                <a16:creationId xmlns:a16="http://schemas.microsoft.com/office/drawing/2014/main" id="{ADFAAA2B-E418-443C-9E6A-78473ADFD579}"/>
+              </a:ext>
+            </a:extLst>
+          </p:cNvPr>
+          <p:cNvSpPr/>
+          <p:nvPr/>
+        </p:nvSpPr>
+        <p:spPr>
+          <a:xfrm>
+            <a:off x="150021" y="2228850"/>
+            <a:ext cx="2878929" cy="271042"/>
+          </a:xfrm>
+          <a:prstGeom prst="round2SameRect">
+            <a:avLst/>
+          </a:prstGeom>
+          <a:solidFill>
+            <a:schemeClr val="bg2">
+              <a:lumMod val="50000"/>
+            </a:schemeClr>
+          </a:solidFill>
+          <a:ln>
+            <a:solidFill>
+              <a:schemeClr val="tx1">
+                <a:lumMod val="95000"/>
+                <a:lumOff val="5000"/>
+              </a:schemeClr>
+            </a:solidFill>
+          </a:ln>
+        </p:spPr>
+        <p:style>
+          <a:lnRef idx="2">
+            <a:schemeClr val="accent1">
+              <a:shade val="50000"/>
+            </a:schemeClr>
+          </a:lnRef>
+          <a:fillRef idx="1">
+            <a:schemeClr val="accent1"/>
+          </a:fillRef>
+          <a:effectRef idx="0">
+            <a:schemeClr val="accent1"/>
+          </a:effectRef>
+          <a:fontRef idx="minor">
+            <a:schemeClr val="lt1"/>
+          </a:fontRef>
+        </p:style>
+        <p:txBody>
+          <a:bodyPr rtlCol="0" anchor="ctr"/>
+          <a:lstStyle/>
+          <a:p>
+            <a:pPr algn="ctr"/>
+            <a:r>
+              <a:rPr lang="en-US" altLang="ko-KR" sz="1050" dirty="0"/>
+              <a:t>user4_terminal</a:t>
+            </a:r>
+            <a:endParaRPr lang="ko-KR" altLang="en-US" sz="1050" dirty="0"/>
+          </a:p>
+        </p:txBody>
+      </p:sp>
+      <p:sp>
+        <p:nvSpPr>
+          <p:cNvPr id="11" name="제목 1">
+            <a:extLst>
+              <a:ext uri="{FF2B5EF4-FFF2-40B4-BE49-F238E27FC236}">
+                <a16:creationId xmlns:a16="http://schemas.microsoft.com/office/drawing/2014/main" id="{FEF78B28-F168-4F4E-ABCE-E32AF29653C3}"/>
+              </a:ext>
+            </a:extLst>
+          </p:cNvPr>
+          <p:cNvSpPr>
+            <a:spLocks noGrp="1"/>
+          </p:cNvSpPr>
+          <p:nvPr>
+            <p:ph type="title"/>
+          </p:nvPr>
+        </p:nvSpPr>
+        <p:spPr>
+          <a:xfrm>
+            <a:off x="557213" y="998935"/>
+            <a:ext cx="8229600" cy="994172"/>
+          </a:xfrm>
+        </p:spPr>
+        <p:txBody>
+          <a:bodyPr>
+            <a:normAutofit/>
+          </a:bodyPr>
+          <a:lstStyle/>
+          <a:p>
+            <a:r>
+              <a:rPr lang="ko-KR" altLang="en-US" sz="2400" dirty="0">
+                <a:latin typeface="말랑말랑 Bold" panose="020F0803000000000000" pitchFamily="50" charset="-127"/>
+                <a:ea typeface="말랑말랑 Bold" panose="020F0803000000000000" pitchFamily="50" charset="-127"/>
+              </a:rPr>
+              <a:t>밤에는 각 역할이 행동할 수 있다</a:t>
+            </a:r>
+            <a:r>
+              <a:rPr lang="en-US" altLang="ko-KR" sz="2400" dirty="0">
+                <a:latin typeface="말랑말랑 Bold" panose="020F0803000000000000" pitchFamily="50" charset="-127"/>
+                <a:ea typeface="말랑말랑 Bold" panose="020F0803000000000000" pitchFamily="50" charset="-127"/>
+              </a:rPr>
+              <a:t>.</a:t>
+            </a:r>
+          </a:p>
+        </p:txBody>
+      </p:sp>
+      <p:sp>
+        <p:nvSpPr>
+          <p:cNvPr id="22" name="직사각형 21">
+            <a:extLst>
+              <a:ext uri="{FF2B5EF4-FFF2-40B4-BE49-F238E27FC236}">
+                <a16:creationId xmlns:a16="http://schemas.microsoft.com/office/drawing/2014/main" id="{CEFBFA91-02BA-49C1-9359-419A2D80A341}"/>
+              </a:ext>
+            </a:extLst>
+          </p:cNvPr>
+          <p:cNvSpPr/>
+          <p:nvPr/>
+        </p:nvSpPr>
+        <p:spPr>
+          <a:xfrm>
+            <a:off x="3132535" y="2499892"/>
+            <a:ext cx="2878930" cy="3072653"/>
+          </a:xfrm>
+          <a:prstGeom prst="rect">
+            <a:avLst/>
+          </a:prstGeom>
+          <a:solidFill>
+            <a:schemeClr val="tx1">
+              <a:lumMod val="75000"/>
+              <a:lumOff val="25000"/>
+            </a:schemeClr>
+          </a:solidFill>
+          <a:ln>
+            <a:solidFill>
+              <a:schemeClr val="tx1">
+                <a:lumMod val="95000"/>
+                <a:lumOff val="5000"/>
+              </a:schemeClr>
+            </a:solidFill>
+          </a:ln>
+        </p:spPr>
+        <p:style>
+          <a:lnRef idx="2">
+            <a:schemeClr val="accent1">
+              <a:shade val="50000"/>
+            </a:schemeClr>
+          </a:lnRef>
+          <a:fillRef idx="1">
+            <a:schemeClr val="accent1"/>
+          </a:fillRef>
+          <a:effectRef idx="0">
+            <a:schemeClr val="accent1"/>
+          </a:effectRef>
+          <a:fontRef idx="minor">
+            <a:schemeClr val="lt1"/>
+          </a:fontRef>
+        </p:style>
+        <p:txBody>
+          <a:bodyPr rtlCol="0" anchor="ctr"/>
+          <a:lstStyle/>
+          <a:p>
+            <a:r>
+              <a:rPr lang="en-US" altLang="ko-KR" sz="1200" dirty="0">
+                <a:solidFill>
+                  <a:schemeClr val="bg1"/>
+                </a:solidFill>
+              </a:rPr>
+              <a:t>[13:52:55] user4&gt; hi</a:t>
+            </a:r>
+          </a:p>
+          <a:p>
+            <a:r>
+              <a:rPr lang="en-US" altLang="ko-KR" sz="1200" dirty="0">
+                <a:solidFill>
+                  <a:schemeClr val="bg1"/>
+                </a:solidFill>
+              </a:rPr>
+              <a:t>[13:52:58] user3&gt; hello</a:t>
+            </a:r>
+          </a:p>
+          <a:p>
+            <a:r>
+              <a:rPr lang="ko-KR" altLang="en-US" sz="1200" dirty="0">
+                <a:solidFill>
+                  <a:schemeClr val="bg1"/>
+                </a:solidFill>
+              </a:rPr>
+              <a:t>게임을 시작합니다</a:t>
+            </a:r>
+            <a:r>
+              <a:rPr lang="en-US" altLang="ko-KR" sz="1200" dirty="0">
+                <a:solidFill>
+                  <a:schemeClr val="bg1"/>
+                </a:solidFill>
+              </a:rPr>
+              <a:t>.</a:t>
+            </a:r>
+          </a:p>
+          <a:p>
+            <a:r>
+              <a:rPr lang="en-US" altLang="ko-KR" sz="1200" dirty="0">
+                <a:solidFill>
+                  <a:schemeClr val="accent1">
+                    <a:lumMod val="60000"/>
+                    <a:lumOff val="40000"/>
+                  </a:schemeClr>
+                </a:solidFill>
+              </a:rPr>
+              <a:t>- </a:t>
+            </a:r>
+            <a:r>
+              <a:rPr lang="ko-KR" altLang="en-US" sz="1200" dirty="0">
+                <a:solidFill>
+                  <a:schemeClr val="accent1">
+                    <a:lumMod val="60000"/>
+                    <a:lumOff val="40000"/>
+                  </a:schemeClr>
+                </a:solidFill>
+              </a:rPr>
+              <a:t>당신은 의사 입니다</a:t>
+            </a:r>
+            <a:r>
+              <a:rPr lang="en-US" altLang="ko-KR" sz="1200" dirty="0">
+                <a:solidFill>
+                  <a:schemeClr val="accent1">
+                    <a:lumMod val="60000"/>
+                    <a:lumOff val="40000"/>
+                  </a:schemeClr>
+                </a:solidFill>
+              </a:rPr>
+              <a:t>. -</a:t>
+            </a:r>
+          </a:p>
+          <a:p>
+            <a:r>
+              <a:rPr lang="ko-KR" altLang="en-US" sz="1200" dirty="0">
+                <a:solidFill>
+                  <a:schemeClr val="bg1"/>
+                </a:solidFill>
+              </a:rPr>
+              <a:t>낮이 되었습니다</a:t>
+            </a:r>
+            <a:r>
+              <a:rPr lang="en-US" altLang="ko-KR" sz="1200" dirty="0">
+                <a:solidFill>
+                  <a:schemeClr val="bg1"/>
+                </a:solidFill>
+              </a:rPr>
+              <a:t>.</a:t>
+            </a:r>
+          </a:p>
+          <a:p>
+            <a:r>
+              <a:rPr lang="en-US" altLang="ko-KR" sz="1200" dirty="0">
+                <a:solidFill>
+                  <a:schemeClr val="bg1"/>
+                </a:solidFill>
+              </a:rPr>
+              <a:t>[13:53:05] user3&gt; user4</a:t>
+            </a:r>
+            <a:r>
+              <a:rPr lang="ko-KR" altLang="en-US" sz="1200" dirty="0">
+                <a:solidFill>
+                  <a:schemeClr val="bg1"/>
+                </a:solidFill>
+              </a:rPr>
+              <a:t>가 마피아 </a:t>
+            </a:r>
+            <a:r>
+              <a:rPr lang="ko-KR" altLang="en-US" sz="1200" dirty="0" err="1">
+                <a:solidFill>
+                  <a:schemeClr val="bg1"/>
+                </a:solidFill>
+              </a:rPr>
+              <a:t>인것같은데</a:t>
+            </a:r>
+            <a:r>
+              <a:rPr lang="en-US" altLang="ko-KR" sz="1200" dirty="0">
+                <a:solidFill>
+                  <a:schemeClr val="bg1"/>
+                </a:solidFill>
+              </a:rPr>
+              <a:t>?</a:t>
+            </a:r>
+          </a:p>
+          <a:p>
+            <a:r>
+              <a:rPr lang="ko-KR" altLang="en-US" sz="1200" dirty="0">
+                <a:solidFill>
+                  <a:schemeClr val="bg1"/>
+                </a:solidFill>
+              </a:rPr>
+              <a:t>업데이트 </a:t>
+            </a:r>
+            <a:r>
+              <a:rPr lang="en-US" altLang="ko-KR" sz="1200" dirty="0">
+                <a:solidFill>
+                  <a:schemeClr val="bg1"/>
+                </a:solidFill>
+              </a:rPr>
+              <a:t>: user3</a:t>
+            </a:r>
+            <a:r>
+              <a:rPr lang="ko-KR" altLang="en-US" sz="1200" dirty="0">
+                <a:solidFill>
+                  <a:schemeClr val="bg1"/>
+                </a:solidFill>
+              </a:rPr>
+              <a:t>은 현재 </a:t>
+            </a:r>
+            <a:r>
+              <a:rPr lang="en-US" altLang="ko-KR" sz="1200" dirty="0">
+                <a:solidFill>
+                  <a:schemeClr val="bg1"/>
+                </a:solidFill>
+              </a:rPr>
+              <a:t>1</a:t>
+            </a:r>
+            <a:r>
+              <a:rPr lang="ko-KR" altLang="en-US" sz="1200" dirty="0">
+                <a:solidFill>
+                  <a:schemeClr val="bg1"/>
+                </a:solidFill>
+              </a:rPr>
+              <a:t>표입니다</a:t>
+            </a:r>
+            <a:r>
+              <a:rPr lang="en-US" altLang="ko-KR" sz="1200" dirty="0">
+                <a:solidFill>
+                  <a:schemeClr val="bg1"/>
+                </a:solidFill>
+              </a:rPr>
+              <a:t>.</a:t>
+            </a:r>
+          </a:p>
+          <a:p>
+            <a:r>
+              <a:rPr lang="en-US" altLang="ko-KR" sz="1200" dirty="0">
+                <a:solidFill>
+                  <a:schemeClr val="bg1"/>
+                </a:solidFill>
+              </a:rPr>
+              <a:t>[13:53:07] user3&gt; ?</a:t>
+            </a:r>
+          </a:p>
+          <a:p>
+            <a:r>
+              <a:rPr lang="ko-KR" altLang="en-US" sz="1200" dirty="0">
+                <a:solidFill>
+                  <a:schemeClr val="bg1"/>
+                </a:solidFill>
+              </a:rPr>
+              <a:t>업데이트 </a:t>
+            </a:r>
+            <a:r>
+              <a:rPr lang="en-US" altLang="ko-KR" sz="1200" dirty="0">
+                <a:solidFill>
+                  <a:schemeClr val="bg1"/>
+                </a:solidFill>
+              </a:rPr>
+              <a:t>: user3</a:t>
+            </a:r>
+            <a:r>
+              <a:rPr lang="ko-KR" altLang="en-US" sz="1200" dirty="0">
+                <a:solidFill>
+                  <a:schemeClr val="bg1"/>
+                </a:solidFill>
+              </a:rPr>
+              <a:t>은 현재 </a:t>
+            </a:r>
+            <a:r>
+              <a:rPr lang="en-US" altLang="ko-KR" sz="1200" dirty="0">
+                <a:solidFill>
+                  <a:schemeClr val="bg1"/>
+                </a:solidFill>
+              </a:rPr>
+              <a:t>2</a:t>
+            </a:r>
+            <a:r>
+              <a:rPr lang="ko-KR" altLang="en-US" sz="1200" dirty="0">
+                <a:solidFill>
+                  <a:schemeClr val="bg1"/>
+                </a:solidFill>
+              </a:rPr>
+              <a:t>표입니다</a:t>
+            </a:r>
+            <a:r>
+              <a:rPr lang="en-US" altLang="ko-KR" sz="1200" dirty="0">
+                <a:solidFill>
+                  <a:schemeClr val="bg1"/>
+                </a:solidFill>
+              </a:rPr>
+              <a:t>.</a:t>
+            </a:r>
+          </a:p>
+          <a:p>
+            <a:r>
+              <a:rPr lang="ko-KR" altLang="en-US" sz="1200" dirty="0">
+                <a:solidFill>
+                  <a:schemeClr val="bg1"/>
+                </a:solidFill>
+              </a:rPr>
+              <a:t>업데이트 </a:t>
+            </a:r>
+            <a:r>
+              <a:rPr lang="en-US" altLang="ko-KR" sz="1200" dirty="0">
+                <a:solidFill>
+                  <a:schemeClr val="bg1"/>
+                </a:solidFill>
+              </a:rPr>
+              <a:t>: user3</a:t>
+            </a:r>
+            <a:r>
+              <a:rPr lang="ko-KR" altLang="en-US" sz="1200" dirty="0">
+                <a:solidFill>
+                  <a:schemeClr val="bg1"/>
+                </a:solidFill>
+              </a:rPr>
+              <a:t>은 현재 </a:t>
+            </a:r>
+            <a:r>
+              <a:rPr lang="en-US" altLang="ko-KR" sz="1200" dirty="0">
+                <a:solidFill>
+                  <a:schemeClr val="bg1"/>
+                </a:solidFill>
+              </a:rPr>
+              <a:t>3</a:t>
+            </a:r>
+            <a:r>
+              <a:rPr lang="ko-KR" altLang="en-US" sz="1200" dirty="0">
+                <a:solidFill>
+                  <a:schemeClr val="bg1"/>
+                </a:solidFill>
+              </a:rPr>
+              <a:t>표입니다</a:t>
+            </a:r>
+            <a:r>
+              <a:rPr lang="en-US" altLang="ko-KR" sz="1200" dirty="0">
+                <a:solidFill>
+                  <a:schemeClr val="bg1"/>
+                </a:solidFill>
+              </a:rPr>
+              <a:t>.</a:t>
+            </a:r>
+          </a:p>
+          <a:p>
+            <a:r>
+              <a:rPr lang="ko-KR" altLang="en-US" sz="1200" dirty="0">
+                <a:solidFill>
+                  <a:schemeClr val="bg1"/>
+                </a:solidFill>
+              </a:rPr>
+              <a:t>업데이트 </a:t>
+            </a:r>
+            <a:r>
+              <a:rPr lang="en-US" altLang="ko-KR" sz="1200" dirty="0">
+                <a:solidFill>
+                  <a:schemeClr val="bg1"/>
+                </a:solidFill>
+              </a:rPr>
+              <a:t>: user4</a:t>
+            </a:r>
+            <a:r>
+              <a:rPr lang="ko-KR" altLang="en-US" sz="1200" dirty="0">
+                <a:solidFill>
+                  <a:schemeClr val="bg1"/>
+                </a:solidFill>
+              </a:rPr>
+              <a:t>은 현재 </a:t>
+            </a:r>
+            <a:r>
+              <a:rPr lang="en-US" altLang="ko-KR" sz="1200" dirty="0">
+                <a:solidFill>
+                  <a:schemeClr val="bg1"/>
+                </a:solidFill>
+              </a:rPr>
+              <a:t>1</a:t>
+            </a:r>
+            <a:r>
+              <a:rPr lang="ko-KR" altLang="en-US" sz="1200" dirty="0">
+                <a:solidFill>
+                  <a:schemeClr val="bg1"/>
+                </a:solidFill>
+              </a:rPr>
+              <a:t>표입니다</a:t>
+            </a:r>
+            <a:r>
+              <a:rPr lang="en-US" altLang="ko-KR" sz="1200" dirty="0">
+                <a:solidFill>
+                  <a:schemeClr val="bg1"/>
+                </a:solidFill>
+              </a:rPr>
+              <a:t>.</a:t>
+            </a:r>
+          </a:p>
+          <a:p>
+            <a:r>
+              <a:rPr lang="ko-KR" altLang="en-US" sz="1200" dirty="0">
+                <a:solidFill>
+                  <a:schemeClr val="bg1"/>
+                </a:solidFill>
+              </a:rPr>
+              <a:t>시간이 다되었습니다</a:t>
+            </a:r>
+            <a:r>
+              <a:rPr lang="en-US" altLang="ko-KR" sz="1200" dirty="0">
+                <a:solidFill>
+                  <a:schemeClr val="bg1"/>
+                </a:solidFill>
+              </a:rPr>
+              <a:t>. user3</a:t>
+            </a:r>
+            <a:r>
+              <a:rPr lang="ko-KR" altLang="en-US" sz="1200" dirty="0">
+                <a:solidFill>
+                  <a:schemeClr val="bg1"/>
+                </a:solidFill>
+              </a:rPr>
+              <a:t>은 사망했습니다</a:t>
+            </a:r>
+            <a:r>
+              <a:rPr lang="en-US" altLang="ko-KR" sz="1200" dirty="0">
+                <a:solidFill>
+                  <a:schemeClr val="bg1"/>
+                </a:solidFill>
+              </a:rPr>
+              <a:t>.</a:t>
+            </a:r>
+          </a:p>
+          <a:p>
+            <a:r>
+              <a:rPr lang="ko-KR" altLang="en-US" sz="1200" dirty="0">
+                <a:solidFill>
+                  <a:schemeClr val="bg1"/>
+                </a:solidFill>
+              </a:rPr>
+              <a:t>밤이 되었습니다</a:t>
+            </a:r>
+            <a:r>
+              <a:rPr lang="en-US" altLang="ko-KR" sz="1200" dirty="0">
+                <a:solidFill>
+                  <a:schemeClr val="bg1"/>
+                </a:solidFill>
+              </a:rPr>
+              <a:t>.</a:t>
+            </a:r>
+          </a:p>
+          <a:p>
+            <a:r>
+              <a:rPr lang="en-US" altLang="ko-KR" sz="1200" dirty="0">
+                <a:solidFill>
+                  <a:srgbClr val="92D050"/>
+                </a:solidFill>
+              </a:rPr>
+              <a:t>user2&gt;/work user1</a:t>
+            </a:r>
+            <a:endParaRPr lang="en-US" altLang="ko-KR" sz="1200" dirty="0">
+              <a:solidFill>
+                <a:schemeClr val="bg1"/>
+              </a:solidFill>
+            </a:endParaRPr>
+          </a:p>
+        </p:txBody>
+      </p:sp>
+      <p:sp>
+        <p:nvSpPr>
+          <p:cNvPr id="23" name="사각형: 둥근 위쪽 모서리 22">
+            <a:extLst>
+              <a:ext uri="{FF2B5EF4-FFF2-40B4-BE49-F238E27FC236}">
+                <a16:creationId xmlns:a16="http://schemas.microsoft.com/office/drawing/2014/main" id="{DA330FC5-C765-4F5B-8391-E57A7AE39AAA}"/>
+              </a:ext>
+            </a:extLst>
+          </p:cNvPr>
+          <p:cNvSpPr/>
+          <p:nvPr/>
+        </p:nvSpPr>
+        <p:spPr>
+          <a:xfrm>
+            <a:off x="3132536" y="2228850"/>
+            <a:ext cx="2878929" cy="271042"/>
+          </a:xfrm>
+          <a:prstGeom prst="round2SameRect">
+            <a:avLst/>
+          </a:prstGeom>
+          <a:solidFill>
+            <a:schemeClr val="bg2">
+              <a:lumMod val="50000"/>
+            </a:schemeClr>
+          </a:solidFill>
+          <a:ln>
+            <a:solidFill>
+              <a:schemeClr val="tx1">
+                <a:lumMod val="95000"/>
+                <a:lumOff val="5000"/>
+              </a:schemeClr>
+            </a:solidFill>
+          </a:ln>
+        </p:spPr>
+        <p:style>
+          <a:lnRef idx="2">
+            <a:schemeClr val="accent1">
+              <a:shade val="50000"/>
+            </a:schemeClr>
+          </a:lnRef>
+          <a:fillRef idx="1">
+            <a:schemeClr val="accent1"/>
+          </a:fillRef>
+          <a:effectRef idx="0">
+            <a:schemeClr val="accent1"/>
+          </a:effectRef>
+          <a:fontRef idx="minor">
+            <a:schemeClr val="lt1"/>
+          </a:fontRef>
+        </p:style>
+        <p:txBody>
+          <a:bodyPr rtlCol="0" anchor="ctr"/>
+          <a:lstStyle/>
+          <a:p>
+            <a:pPr algn="ctr"/>
+            <a:r>
+              <a:rPr lang="en-US" altLang="ko-KR" sz="1050" dirty="0"/>
+              <a:t>user2_terminal</a:t>
+            </a:r>
+            <a:endParaRPr lang="ko-KR" altLang="en-US" sz="1050" dirty="0"/>
+          </a:p>
+        </p:txBody>
+      </p:sp>
+      <p:sp>
+        <p:nvSpPr>
+          <p:cNvPr id="26" name="직사각형 25">
+            <a:extLst>
+              <a:ext uri="{FF2B5EF4-FFF2-40B4-BE49-F238E27FC236}">
+                <a16:creationId xmlns:a16="http://schemas.microsoft.com/office/drawing/2014/main" id="{84E18DD7-67D4-47A7-8244-0D2DD12ACCBC}"/>
+              </a:ext>
+            </a:extLst>
+          </p:cNvPr>
+          <p:cNvSpPr/>
+          <p:nvPr/>
+        </p:nvSpPr>
+        <p:spPr>
+          <a:xfrm>
+            <a:off x="6115050" y="2499892"/>
+            <a:ext cx="2878930" cy="3072653"/>
+          </a:xfrm>
+          <a:prstGeom prst="rect">
+            <a:avLst/>
+          </a:prstGeom>
+          <a:solidFill>
+            <a:schemeClr val="tx1">
+              <a:lumMod val="75000"/>
+              <a:lumOff val="25000"/>
+            </a:schemeClr>
+          </a:solidFill>
+          <a:ln>
+            <a:solidFill>
+              <a:schemeClr val="tx1">
+                <a:lumMod val="95000"/>
+                <a:lumOff val="5000"/>
+              </a:schemeClr>
+            </a:solidFill>
+          </a:ln>
+        </p:spPr>
+        <p:style>
+          <a:lnRef idx="2">
+            <a:schemeClr val="accent1">
+              <a:shade val="50000"/>
+            </a:schemeClr>
+          </a:lnRef>
+          <a:fillRef idx="1">
+            <a:schemeClr val="accent1"/>
+          </a:fillRef>
+          <a:effectRef idx="0">
+            <a:schemeClr val="accent1"/>
+          </a:effectRef>
+          <a:fontRef idx="minor">
+            <a:schemeClr val="lt1"/>
+          </a:fontRef>
+        </p:style>
+        <p:txBody>
+          <a:bodyPr rtlCol="0" anchor="ctr"/>
+          <a:lstStyle/>
+          <a:p>
+            <a:r>
+              <a:rPr lang="en-US" altLang="ko-KR" sz="1200" dirty="0">
+                <a:solidFill>
+                  <a:schemeClr val="bg1"/>
+                </a:solidFill>
+              </a:rPr>
+              <a:t>[13:52:55] user4&gt; hi</a:t>
+            </a:r>
+          </a:p>
+          <a:p>
+            <a:r>
+              <a:rPr lang="en-US" altLang="ko-KR" sz="1200" dirty="0">
+                <a:solidFill>
+                  <a:schemeClr val="bg1"/>
+                </a:solidFill>
+              </a:rPr>
+              <a:t>[13:52:58] user3&gt; hello</a:t>
+            </a:r>
+          </a:p>
+          <a:p>
+            <a:r>
+              <a:rPr lang="ko-KR" altLang="en-US" sz="1200" dirty="0">
+                <a:solidFill>
+                  <a:schemeClr val="bg1"/>
+                </a:solidFill>
+              </a:rPr>
+              <a:t>게임을 시작합니다</a:t>
+            </a:r>
+            <a:r>
+              <a:rPr lang="en-US" altLang="ko-KR" sz="1200" dirty="0">
+                <a:solidFill>
+                  <a:schemeClr val="bg1"/>
+                </a:solidFill>
+              </a:rPr>
+              <a:t>.</a:t>
+            </a:r>
+          </a:p>
+          <a:p>
+            <a:r>
+              <a:rPr lang="en-US" altLang="ko-KR" sz="1200" dirty="0">
+                <a:solidFill>
+                  <a:schemeClr val="accent1">
+                    <a:lumMod val="60000"/>
+                    <a:lumOff val="40000"/>
+                  </a:schemeClr>
+                </a:solidFill>
+              </a:rPr>
+              <a:t>- </a:t>
+            </a:r>
+            <a:r>
+              <a:rPr lang="ko-KR" altLang="en-US" sz="1200" dirty="0">
+                <a:solidFill>
+                  <a:schemeClr val="accent1">
+                    <a:lumMod val="60000"/>
+                    <a:lumOff val="40000"/>
+                  </a:schemeClr>
+                </a:solidFill>
+              </a:rPr>
+              <a:t>당신은 경찰 입니다</a:t>
+            </a:r>
+            <a:r>
+              <a:rPr lang="en-US" altLang="ko-KR" sz="1200" dirty="0">
+                <a:solidFill>
+                  <a:schemeClr val="accent1">
+                    <a:lumMod val="60000"/>
+                    <a:lumOff val="40000"/>
+                  </a:schemeClr>
+                </a:solidFill>
+              </a:rPr>
+              <a:t>. -</a:t>
+            </a:r>
+          </a:p>
+          <a:p>
+            <a:r>
+              <a:rPr lang="ko-KR" altLang="en-US" sz="1200" dirty="0">
+                <a:solidFill>
+                  <a:schemeClr val="bg1"/>
+                </a:solidFill>
+              </a:rPr>
+              <a:t>낮이 되었습니다</a:t>
+            </a:r>
+            <a:r>
+              <a:rPr lang="en-US" altLang="ko-KR" sz="1200" dirty="0">
+                <a:solidFill>
+                  <a:schemeClr val="bg1"/>
+                </a:solidFill>
+              </a:rPr>
+              <a:t>.</a:t>
+            </a:r>
+          </a:p>
+          <a:p>
+            <a:r>
+              <a:rPr lang="en-US" altLang="ko-KR" sz="1200" dirty="0">
+                <a:solidFill>
+                  <a:schemeClr val="bg1"/>
+                </a:solidFill>
+              </a:rPr>
+              <a:t>[13:53:05] user3&gt; user4</a:t>
+            </a:r>
+            <a:r>
+              <a:rPr lang="ko-KR" altLang="en-US" sz="1200" dirty="0">
+                <a:solidFill>
+                  <a:schemeClr val="bg1"/>
+                </a:solidFill>
+              </a:rPr>
+              <a:t>가 마피아 </a:t>
+            </a:r>
+            <a:r>
+              <a:rPr lang="ko-KR" altLang="en-US" sz="1200" dirty="0" err="1">
+                <a:solidFill>
+                  <a:schemeClr val="bg1"/>
+                </a:solidFill>
+              </a:rPr>
+              <a:t>인것같은데</a:t>
+            </a:r>
+            <a:r>
+              <a:rPr lang="en-US" altLang="ko-KR" sz="1200" dirty="0">
+                <a:solidFill>
+                  <a:schemeClr val="bg1"/>
+                </a:solidFill>
+              </a:rPr>
+              <a:t>?</a:t>
+            </a:r>
+          </a:p>
+          <a:p>
+            <a:r>
+              <a:rPr lang="ko-KR" altLang="en-US" sz="1200" dirty="0">
+                <a:solidFill>
+                  <a:schemeClr val="bg1"/>
+                </a:solidFill>
+              </a:rPr>
+              <a:t>업데이트 </a:t>
+            </a:r>
+            <a:r>
+              <a:rPr lang="en-US" altLang="ko-KR" sz="1200" dirty="0">
+                <a:solidFill>
+                  <a:schemeClr val="bg1"/>
+                </a:solidFill>
+              </a:rPr>
+              <a:t>: user3</a:t>
+            </a:r>
+            <a:r>
+              <a:rPr lang="ko-KR" altLang="en-US" sz="1200" dirty="0">
+                <a:solidFill>
+                  <a:schemeClr val="bg1"/>
+                </a:solidFill>
+              </a:rPr>
+              <a:t>은 현재 </a:t>
+            </a:r>
+            <a:r>
+              <a:rPr lang="en-US" altLang="ko-KR" sz="1200" dirty="0">
+                <a:solidFill>
+                  <a:schemeClr val="bg1"/>
+                </a:solidFill>
+              </a:rPr>
+              <a:t>1</a:t>
+            </a:r>
+            <a:r>
+              <a:rPr lang="ko-KR" altLang="en-US" sz="1200" dirty="0">
+                <a:solidFill>
+                  <a:schemeClr val="bg1"/>
+                </a:solidFill>
+              </a:rPr>
+              <a:t>표입니다</a:t>
+            </a:r>
+            <a:r>
+              <a:rPr lang="en-US" altLang="ko-KR" sz="1200" dirty="0">
+                <a:solidFill>
+                  <a:schemeClr val="bg1"/>
+                </a:solidFill>
+              </a:rPr>
+              <a:t>.</a:t>
+            </a:r>
+          </a:p>
+          <a:p>
+            <a:r>
+              <a:rPr lang="en-US" altLang="ko-KR" sz="1200" dirty="0">
+                <a:solidFill>
+                  <a:schemeClr val="bg1"/>
+                </a:solidFill>
+              </a:rPr>
+              <a:t>[13:53:07] user3&gt; ?</a:t>
+            </a:r>
+          </a:p>
+          <a:p>
+            <a:r>
+              <a:rPr lang="ko-KR" altLang="en-US" sz="1200" dirty="0">
+                <a:solidFill>
+                  <a:schemeClr val="bg1"/>
+                </a:solidFill>
+              </a:rPr>
+              <a:t>업데이트 </a:t>
+            </a:r>
+            <a:r>
+              <a:rPr lang="en-US" altLang="ko-KR" sz="1200" dirty="0">
+                <a:solidFill>
+                  <a:schemeClr val="bg1"/>
+                </a:solidFill>
+              </a:rPr>
+              <a:t>: user3</a:t>
+            </a:r>
+            <a:r>
+              <a:rPr lang="ko-KR" altLang="en-US" sz="1200" dirty="0">
+                <a:solidFill>
+                  <a:schemeClr val="bg1"/>
+                </a:solidFill>
+              </a:rPr>
+              <a:t>은 현재 </a:t>
+            </a:r>
+            <a:r>
+              <a:rPr lang="en-US" altLang="ko-KR" sz="1200" dirty="0">
+                <a:solidFill>
+                  <a:schemeClr val="bg1"/>
+                </a:solidFill>
+              </a:rPr>
+              <a:t>2</a:t>
+            </a:r>
+            <a:r>
+              <a:rPr lang="ko-KR" altLang="en-US" sz="1200" dirty="0">
+                <a:solidFill>
+                  <a:schemeClr val="bg1"/>
+                </a:solidFill>
+              </a:rPr>
+              <a:t>표입니다</a:t>
+            </a:r>
+            <a:r>
+              <a:rPr lang="en-US" altLang="ko-KR" sz="1200" dirty="0">
+                <a:solidFill>
+                  <a:schemeClr val="bg1"/>
+                </a:solidFill>
+              </a:rPr>
+              <a:t>.</a:t>
+            </a:r>
+          </a:p>
+          <a:p>
+            <a:r>
+              <a:rPr lang="ko-KR" altLang="en-US" sz="1200" dirty="0">
+                <a:solidFill>
+                  <a:schemeClr val="bg1"/>
+                </a:solidFill>
+              </a:rPr>
+              <a:t>업데이트 </a:t>
+            </a:r>
+            <a:r>
+              <a:rPr lang="en-US" altLang="ko-KR" sz="1200" dirty="0">
+                <a:solidFill>
+                  <a:schemeClr val="bg1"/>
+                </a:solidFill>
+              </a:rPr>
+              <a:t>: user3</a:t>
+            </a:r>
+            <a:r>
+              <a:rPr lang="ko-KR" altLang="en-US" sz="1200" dirty="0">
+                <a:solidFill>
+                  <a:schemeClr val="bg1"/>
+                </a:solidFill>
+              </a:rPr>
+              <a:t>은 현재 </a:t>
+            </a:r>
+            <a:r>
+              <a:rPr lang="en-US" altLang="ko-KR" sz="1200" dirty="0">
+                <a:solidFill>
+                  <a:schemeClr val="bg1"/>
+                </a:solidFill>
+              </a:rPr>
+              <a:t>3</a:t>
+            </a:r>
+            <a:r>
+              <a:rPr lang="ko-KR" altLang="en-US" sz="1200" dirty="0">
+                <a:solidFill>
+                  <a:schemeClr val="bg1"/>
+                </a:solidFill>
+              </a:rPr>
+              <a:t>표입니다</a:t>
+            </a:r>
+            <a:r>
+              <a:rPr lang="en-US" altLang="ko-KR" sz="1200" dirty="0">
+                <a:solidFill>
+                  <a:schemeClr val="bg1"/>
+                </a:solidFill>
+              </a:rPr>
+              <a:t>.</a:t>
+            </a:r>
+          </a:p>
+          <a:p>
+            <a:r>
+              <a:rPr lang="ko-KR" altLang="en-US" sz="1200" dirty="0">
+                <a:solidFill>
+                  <a:schemeClr val="bg1"/>
+                </a:solidFill>
+              </a:rPr>
+              <a:t>업데이트 </a:t>
+            </a:r>
+            <a:r>
+              <a:rPr lang="en-US" altLang="ko-KR" sz="1200" dirty="0">
+                <a:solidFill>
+                  <a:schemeClr val="bg1"/>
+                </a:solidFill>
+              </a:rPr>
+              <a:t>: user4</a:t>
+            </a:r>
+            <a:r>
+              <a:rPr lang="ko-KR" altLang="en-US" sz="1200" dirty="0">
+                <a:solidFill>
+                  <a:schemeClr val="bg1"/>
+                </a:solidFill>
+              </a:rPr>
+              <a:t>은 현재 </a:t>
+            </a:r>
+            <a:r>
+              <a:rPr lang="en-US" altLang="ko-KR" sz="1200" dirty="0">
+                <a:solidFill>
+                  <a:schemeClr val="bg1"/>
+                </a:solidFill>
+              </a:rPr>
+              <a:t>1</a:t>
+            </a:r>
+            <a:r>
+              <a:rPr lang="ko-KR" altLang="en-US" sz="1200" dirty="0">
+                <a:solidFill>
+                  <a:schemeClr val="bg1"/>
+                </a:solidFill>
+              </a:rPr>
+              <a:t>표입니다</a:t>
+            </a:r>
+            <a:r>
+              <a:rPr lang="en-US" altLang="ko-KR" sz="1200" dirty="0">
+                <a:solidFill>
+                  <a:schemeClr val="bg1"/>
+                </a:solidFill>
+              </a:rPr>
+              <a:t>.</a:t>
+            </a:r>
+          </a:p>
+          <a:p>
+            <a:r>
+              <a:rPr lang="ko-KR" altLang="en-US" sz="1200" dirty="0">
+                <a:solidFill>
+                  <a:schemeClr val="bg1"/>
+                </a:solidFill>
+              </a:rPr>
+              <a:t>시간이 다되었습니다</a:t>
+            </a:r>
+            <a:r>
+              <a:rPr lang="en-US" altLang="ko-KR" sz="1200" dirty="0">
+                <a:solidFill>
+                  <a:schemeClr val="bg1"/>
+                </a:solidFill>
+              </a:rPr>
+              <a:t>. user3</a:t>
+            </a:r>
+            <a:r>
+              <a:rPr lang="ko-KR" altLang="en-US" sz="1200" dirty="0">
+                <a:solidFill>
+                  <a:schemeClr val="bg1"/>
+                </a:solidFill>
+              </a:rPr>
+              <a:t>은 사망했습니다</a:t>
+            </a:r>
+            <a:r>
+              <a:rPr lang="en-US" altLang="ko-KR" sz="1200" dirty="0">
+                <a:solidFill>
+                  <a:schemeClr val="bg1"/>
+                </a:solidFill>
+              </a:rPr>
+              <a:t>.</a:t>
+            </a:r>
+          </a:p>
+          <a:p>
+            <a:r>
+              <a:rPr lang="ko-KR" altLang="en-US" sz="1200" dirty="0">
+                <a:solidFill>
+                  <a:schemeClr val="bg1"/>
+                </a:solidFill>
+              </a:rPr>
+              <a:t>밤이 되었습니다</a:t>
+            </a:r>
+            <a:r>
+              <a:rPr lang="en-US" altLang="ko-KR" sz="1200" dirty="0">
+                <a:solidFill>
+                  <a:schemeClr val="bg1"/>
+                </a:solidFill>
+              </a:rPr>
+              <a:t>.</a:t>
+            </a:r>
+          </a:p>
+          <a:p>
+            <a:r>
+              <a:rPr lang="en-US" altLang="ko-KR" sz="1200" dirty="0">
+                <a:solidFill>
+                  <a:srgbClr val="92D050"/>
+                </a:solidFill>
+              </a:rPr>
+              <a:t>user1&gt;/work user4</a:t>
+            </a:r>
+            <a:endParaRPr lang="en-US" altLang="ko-KR" sz="1200" dirty="0">
+              <a:solidFill>
+                <a:schemeClr val="bg1"/>
+              </a:solidFill>
+            </a:endParaRPr>
+          </a:p>
+        </p:txBody>
+      </p:sp>
+      <p:sp>
+        <p:nvSpPr>
+          <p:cNvPr id="27" name="사각형: 둥근 위쪽 모서리 26">
+            <a:extLst>
+              <a:ext uri="{FF2B5EF4-FFF2-40B4-BE49-F238E27FC236}">
+                <a16:creationId xmlns:a16="http://schemas.microsoft.com/office/drawing/2014/main" id="{79FBB150-17AC-41C5-9A68-C1DBE0BF6524}"/>
+              </a:ext>
+            </a:extLst>
+          </p:cNvPr>
+          <p:cNvSpPr/>
+          <p:nvPr/>
+        </p:nvSpPr>
+        <p:spPr>
+          <a:xfrm>
+            <a:off x="6115050" y="2228850"/>
+            <a:ext cx="2878929" cy="271042"/>
+          </a:xfrm>
+          <a:prstGeom prst="round2SameRect">
+            <a:avLst/>
+          </a:prstGeom>
+          <a:solidFill>
+            <a:schemeClr val="bg2">
+              <a:lumMod val="50000"/>
+            </a:schemeClr>
+          </a:solidFill>
+          <a:ln>
+            <a:solidFill>
+              <a:schemeClr val="tx1">
+                <a:lumMod val="95000"/>
+                <a:lumOff val="5000"/>
+              </a:schemeClr>
+            </a:solidFill>
+          </a:ln>
+        </p:spPr>
+        <p:style>
+          <a:lnRef idx="2">
+            <a:schemeClr val="accent1">
+              <a:shade val="50000"/>
+            </a:schemeClr>
+          </a:lnRef>
+          <a:fillRef idx="1">
+            <a:schemeClr val="accent1"/>
+          </a:fillRef>
+          <a:effectRef idx="0">
+            <a:schemeClr val="accent1"/>
+          </a:effectRef>
+          <a:fontRef idx="minor">
+            <a:schemeClr val="lt1"/>
+          </a:fontRef>
+        </p:style>
+        <p:txBody>
+          <a:bodyPr rtlCol="0" anchor="ctr"/>
+          <a:lstStyle/>
+          <a:p>
+            <a:pPr algn="ctr"/>
+            <a:r>
+              <a:rPr lang="en-US" altLang="ko-KR" sz="1050" dirty="0"/>
+              <a:t>user1_terminal</a:t>
+            </a:r>
+            <a:endParaRPr lang="ko-KR" altLang="en-US" sz="1050" dirty="0"/>
+          </a:p>
+        </p:txBody>
+      </p:sp>
+      <p:sp>
+        <p:nvSpPr>
+          <p:cNvPr id="2" name="직사각형 1">
+            <a:extLst>
+              <a:ext uri="{FF2B5EF4-FFF2-40B4-BE49-F238E27FC236}">
+                <a16:creationId xmlns:a16="http://schemas.microsoft.com/office/drawing/2014/main" id="{184F7F5C-8127-4728-8CF6-8F7A13BBF84A}"/>
+              </a:ext>
+            </a:extLst>
+          </p:cNvPr>
+          <p:cNvSpPr/>
+          <p:nvPr/>
+        </p:nvSpPr>
+        <p:spPr>
+          <a:xfrm>
+            <a:off x="0" y="404664"/>
+            <a:ext cx="9144000" cy="504056"/>
+          </a:xfrm>
+          <a:prstGeom prst="rect">
+            <a:avLst/>
+          </a:prstGeom>
+          <a:solidFill>
+            <a:srgbClr val="FD4B62"/>
+          </a:solidFill>
+          <a:ln>
+            <a:noFill/>
+          </a:ln>
+        </p:spPr>
+        <p:style>
+          <a:lnRef idx="2">
+            <a:schemeClr val="accent1">
+              <a:shade val="50000"/>
+            </a:schemeClr>
+          </a:lnRef>
+          <a:fillRef idx="1">
+            <a:schemeClr val="accent1"/>
+          </a:fillRef>
+          <a:effectRef idx="0">
+            <a:schemeClr val="accent1"/>
+          </a:effectRef>
+          <a:fontRef idx="minor">
+            <a:schemeClr val="lt1"/>
+          </a:fontRef>
+        </p:style>
+        <p:txBody>
+          <a:bodyPr rtlCol="0" anchor="ctr"/>
+          <a:lstStyle/>
+          <a:p>
+            <a:pPr algn="ctr"/>
+            <a:r>
+              <a:rPr lang="ko-KR" altLang="en-US" dirty="0">
+                <a:ln>
+                  <a:solidFill>
+                    <a:schemeClr val="accent1">
+                      <a:alpha val="0"/>
+                    </a:schemeClr>
+                  </a:solidFill>
+                </a:ln>
+                <a:latin typeface="말랑말랑 Bold" panose="020F0803000000000000" pitchFamily="50" charset="-127"/>
+                <a:ea typeface="말랑말랑 Bold" panose="020F0803000000000000" pitchFamily="50" charset="-127"/>
+              </a:rPr>
+              <a:t>게임 진행 방식</a:t>
+            </a:r>
+          </a:p>
+        </p:txBody>
+      </p:sp>
+    </p:spTree>
+    <p:extLst>
+      <p:ext uri="{BB962C8B-B14F-4D97-AF65-F5344CB8AC3E}">
+        <p14:creationId xmlns:p14="http://schemas.microsoft.com/office/powerpoint/2010/main" val="3981269777"/>
+      </p:ext>
+    </p:extLst>
+  </p:cSld>
+  <p:clrMapOvr>
+    <a:masterClrMapping/>
+  </p:clrMapOvr>
+</p:sld>
+</file>
+
+<file path=ppt/slides/slide11.xml><?xml version="1.0" encoding="utf-8"?>
+<p:sld xmlns:a="http://schemas.openxmlformats.org/drawingml/2006/main" xmlns:r="http://schemas.openxmlformats.org/officeDocument/2006/relationships" xmlns:p="http://schemas.openxmlformats.org/presentationml/2006/main">
+  <p:cSld>
+    <p:spTree>
+      <p:nvGrpSpPr>
+        <p:cNvPr id="1" name=""/>
+        <p:cNvGrpSpPr/>
+        <p:nvPr/>
+      </p:nvGrpSpPr>
+      <p:grpSpPr>
+        <a:xfrm>
+          <a:off x="0" y="0"/>
+          <a:ext cx="0" cy="0"/>
+          <a:chOff x="0" y="0"/>
+          <a:chExt cx="0" cy="0"/>
+        </a:xfrm>
+      </p:grpSpPr>
+      <p:sp>
+        <p:nvSpPr>
+          <p:cNvPr id="4" name="직사각형 3"/>
+          <p:cNvSpPr/>
+          <p:nvPr/>
+        </p:nvSpPr>
+        <p:spPr>
+          <a:xfrm>
+            <a:off x="0" y="404664"/>
+            <a:ext cx="9144000" cy="504056"/>
+          </a:xfrm>
+          <a:prstGeom prst="rect">
+            <a:avLst/>
+          </a:prstGeom>
+          <a:solidFill>
+            <a:srgbClr val="FD4B62"/>
+          </a:solidFill>
+          <a:ln>
+            <a:noFill/>
+          </a:ln>
+        </p:spPr>
+        <p:style>
+          <a:lnRef idx="2">
+            <a:schemeClr val="accent1">
+              <a:shade val="50000"/>
+            </a:schemeClr>
+          </a:lnRef>
+          <a:fillRef idx="1">
+            <a:schemeClr val="accent1"/>
+          </a:fillRef>
+          <a:effectRef idx="0">
+            <a:schemeClr val="accent1"/>
+          </a:effectRef>
+          <a:fontRef idx="minor">
+            <a:schemeClr val="lt1"/>
+          </a:fontRef>
+        </p:style>
+        <p:txBody>
+          <a:bodyPr rtlCol="0" anchor="ctr"/>
+          <a:lstStyle/>
+          <a:p>
+            <a:pPr algn="ctr"/>
+            <a:r>
+              <a:rPr lang="ko-KR" altLang="en-US" dirty="0">
+                <a:ln>
+                  <a:solidFill>
+                    <a:schemeClr val="accent1">
+                      <a:alpha val="0"/>
+                    </a:schemeClr>
+                  </a:solidFill>
+                </a:ln>
+                <a:latin typeface="나눔고딕 ExtraBold" panose="020D0904000000000000" pitchFamily="50" charset="-127"/>
+                <a:ea typeface="나눔고딕 ExtraBold" panose="020D0904000000000000" pitchFamily="50" charset="-127"/>
+              </a:rPr>
+              <a:t>시연 영상</a:t>
+            </a:r>
+          </a:p>
+        </p:txBody>
+      </p:sp>
+      <p:sp>
+        <p:nvSpPr>
+          <p:cNvPr id="3" name="실행 단추: 앞으로 또는 다음으로 이동 2">
+            <a:hlinkClick r:id="" action="ppaction://hlinkshowjump?jump=nextslide" highlightClick="1"/>
+            <a:extLst>
+              <a:ext uri="{FF2B5EF4-FFF2-40B4-BE49-F238E27FC236}">
+                <a16:creationId xmlns:a16="http://schemas.microsoft.com/office/drawing/2014/main" id="{A36E319C-575F-4199-A77C-A0EE5C14A5D7}"/>
+              </a:ext>
+            </a:extLst>
+          </p:cNvPr>
+          <p:cNvSpPr/>
+          <p:nvPr/>
+        </p:nvSpPr>
+        <p:spPr>
+          <a:xfrm>
+            <a:off x="3023828" y="1988840"/>
+            <a:ext cx="3096344" cy="3096344"/>
+          </a:xfrm>
+          <a:prstGeom prst="actionButtonForwardNext">
+            <a:avLst/>
+          </a:prstGeom>
+        </p:spPr>
+        <p:style>
+          <a:lnRef idx="2">
+            <a:schemeClr val="accent1">
+              <a:shade val="50000"/>
+            </a:schemeClr>
+          </a:lnRef>
+          <a:fillRef idx="1">
+            <a:schemeClr val="accent1"/>
+          </a:fillRef>
+          <a:effectRef idx="0">
+            <a:schemeClr val="accent1"/>
+          </a:effectRef>
+          <a:fontRef idx="minor">
+            <a:schemeClr val="lt1"/>
+          </a:fontRef>
+        </p:style>
+        <p:txBody>
+          <a:bodyPr rtlCol="0" anchor="ctr"/>
+          <a:lstStyle/>
+          <a:p>
+            <a:pPr algn="ctr"/>
+            <a:endParaRPr lang="ko-KR" altLang="en-US"/>
+          </a:p>
+        </p:txBody>
+      </p:sp>
+    </p:spTree>
+    <p:extLst>
+      <p:ext uri="{BB962C8B-B14F-4D97-AF65-F5344CB8AC3E}">
+        <p14:creationId xmlns:p14="http://schemas.microsoft.com/office/powerpoint/2010/main" val="2600616091"/>
+      </p:ext>
+    </p:extLst>
+  </p:cSld>
+  <p:clrMapOvr>
+    <a:masterClrMapping/>
+  </p:clrMapOvr>
+</p:sld>
+</file>
+
+<file path=ppt/slides/slide12.xml><?xml version="1.0" encoding="utf-8"?>
+<p:sld xmlns:a="http://schemas.openxmlformats.org/drawingml/2006/main" xmlns:r="http://schemas.openxmlformats.org/officeDocument/2006/relationships" xmlns:p="http://schemas.openxmlformats.org/presentationml/2006/main">
+  <p:cSld>
+    <p:spTree>
+      <p:nvGrpSpPr>
+        <p:cNvPr id="1" name=""/>
+        <p:cNvGrpSpPr/>
+        <p:nvPr/>
+      </p:nvGrpSpPr>
+      <p:grpSpPr>
+        <a:xfrm>
+          <a:off x="0" y="0"/>
+          <a:ext cx="0" cy="0"/>
+          <a:chOff x="0" y="0"/>
+          <a:chExt cx="0" cy="0"/>
+        </a:xfrm>
+      </p:grpSpPr>
+      <p:sp>
+        <p:nvSpPr>
+          <p:cNvPr id="4" name="직사각형 3"/>
+          <p:cNvSpPr/>
+          <p:nvPr/>
+        </p:nvSpPr>
+        <p:spPr>
+          <a:xfrm>
+            <a:off x="-30" y="332656"/>
+            <a:ext cx="9144000" cy="504056"/>
+          </a:xfrm>
+          <a:prstGeom prst="rect">
+            <a:avLst/>
+          </a:prstGeom>
+          <a:solidFill>
+            <a:srgbClr val="FD4B62"/>
+          </a:solidFill>
+          <a:ln>
+            <a:noFill/>
+          </a:ln>
+        </p:spPr>
+        <p:style>
+          <a:lnRef idx="2">
+            <a:schemeClr val="accent1">
+              <a:shade val="50000"/>
+            </a:schemeClr>
+          </a:lnRef>
+          <a:fillRef idx="1">
+            <a:schemeClr val="accent1"/>
+          </a:fillRef>
+          <a:effectRef idx="0">
+            <a:schemeClr val="accent1"/>
+          </a:effectRef>
+          <a:fontRef idx="minor">
+            <a:schemeClr val="lt1"/>
+          </a:fontRef>
+        </p:style>
+        <p:txBody>
+          <a:bodyPr rtlCol="0" anchor="ctr"/>
+          <a:lstStyle/>
+          <a:p>
+            <a:pPr algn="ctr"/>
+            <a:r>
+              <a:rPr lang="en-US" altLang="ko-KR" dirty="0">
+                <a:ln>
+                  <a:solidFill>
+                    <a:schemeClr val="accent1">
+                      <a:alpha val="0"/>
+                    </a:schemeClr>
+                  </a:solidFill>
+                </a:ln>
+                <a:latin typeface="나눔고딕 ExtraBold" panose="020D0904000000000000" pitchFamily="50" charset="-127"/>
+                <a:ea typeface="나눔고딕 ExtraBold" panose="020D0904000000000000" pitchFamily="50" charset="-127"/>
+              </a:rPr>
+              <a:t>Thank you for listening!</a:t>
+            </a:r>
+            <a:endParaRPr lang="ko-KR" altLang="en-US" dirty="0">
+              <a:ln>
+                <a:solidFill>
+                  <a:schemeClr val="accent1">
+                    <a:alpha val="0"/>
+                  </a:schemeClr>
+                </a:solidFill>
+              </a:ln>
+              <a:latin typeface="나눔고딕 ExtraBold" panose="020D0904000000000000" pitchFamily="50" charset="-127"/>
+              <a:ea typeface="나눔고딕 ExtraBold" panose="020D0904000000000000" pitchFamily="50" charset="-127"/>
+            </a:endParaRPr>
+          </a:p>
+        </p:txBody>
+      </p:sp>
+      <p:pic>
+        <p:nvPicPr>
+          <p:cNvPr id="5" name="그림 4">
+            <a:extLst>
+              <a:ext uri="{FF2B5EF4-FFF2-40B4-BE49-F238E27FC236}">
+                <a16:creationId xmlns:a16="http://schemas.microsoft.com/office/drawing/2014/main" id="{67201FA6-DF5A-4E3A-AF32-4DE592F17653}"/>
+              </a:ext>
+            </a:extLst>
+          </p:cNvPr>
+          <p:cNvPicPr>
+            <a:picLocks noChangeAspect="1"/>
+          </p:cNvPicPr>
+          <p:nvPr/>
+        </p:nvPicPr>
+        <p:blipFill rotWithShape="1">
+          <a:blip r:embed="rId3"/>
+          <a:srcRect/>
+          <a:stretch>
+            <a:fillRect/>
+          </a:stretch>
+        </p:blipFill>
+        <p:spPr>
+          <a:xfrm>
+            <a:off x="3943319" y="1656350"/>
+            <a:ext cx="5212079" cy="5212079"/>
+          </a:xfrm>
+          <a:prstGeom prst="rect">
+            <a:avLst/>
+          </a:prstGeom>
+        </p:spPr>
+      </p:pic>
+      <p:sp>
+        <p:nvSpPr>
+          <p:cNvPr id="6" name="TextBox 5">
+            <a:extLst>
+              <a:ext uri="{FF2B5EF4-FFF2-40B4-BE49-F238E27FC236}">
+                <a16:creationId xmlns:a16="http://schemas.microsoft.com/office/drawing/2014/main" id="{F797FB05-E65A-48A8-8F37-5A5D58F1C4B7}"/>
+              </a:ext>
+            </a:extLst>
+          </p:cNvPr>
+          <p:cNvSpPr txBox="1"/>
+          <p:nvPr/>
+        </p:nvSpPr>
+        <p:spPr>
+          <a:xfrm>
+            <a:off x="-6081" y="2132856"/>
+            <a:ext cx="5976664" cy="646331"/>
+          </a:xfrm>
+          <a:prstGeom prst="rect">
+            <a:avLst/>
+          </a:prstGeom>
+          <a:noFill/>
+        </p:spPr>
+        <p:txBody>
+          <a:bodyPr wrap="square" rtlCol="0">
+            <a:spAutoFit/>
+          </a:bodyPr>
+          <a:lstStyle/>
+          <a:p>
+            <a:r>
+              <a:rPr lang="en-US" altLang="ko-KR" b="1" i="0" dirty="0">
+                <a:solidFill>
+                  <a:srgbClr val="1E1E1E"/>
+                </a:solidFill>
+                <a:effectLst/>
+                <a:latin typeface="궁서체" panose="02030609000101010101" pitchFamily="17" charset="-127"/>
+                <a:ea typeface="궁서체" panose="02030609000101010101" pitchFamily="17" charset="-127"/>
+              </a:rPr>
+              <a:t>“</a:t>
+            </a:r>
+            <a:r>
+              <a:rPr lang="ko-KR" altLang="en-US" b="1" i="0" dirty="0">
+                <a:solidFill>
+                  <a:srgbClr val="1E1E1E"/>
+                </a:solidFill>
+                <a:effectLst/>
+                <a:latin typeface="궁서체" panose="02030609000101010101" pitchFamily="17" charset="-127"/>
+                <a:ea typeface="궁서체" panose="02030609000101010101" pitchFamily="17" charset="-127"/>
+              </a:rPr>
+              <a:t>들여쓰기를 </a:t>
+            </a:r>
+            <a:r>
+              <a:rPr lang="en-US" altLang="ko-KR" b="1" i="0" dirty="0">
+                <a:solidFill>
+                  <a:srgbClr val="1E1E1E"/>
+                </a:solidFill>
+                <a:effectLst/>
+                <a:latin typeface="궁서체" panose="02030609000101010101" pitchFamily="17" charset="-127"/>
+                <a:ea typeface="궁서체" panose="02030609000101010101" pitchFamily="17" charset="-127"/>
+              </a:rPr>
+              <a:t>4</a:t>
+            </a:r>
+            <a:r>
+              <a:rPr lang="ko-KR" altLang="en-US" b="1" i="0" dirty="0">
+                <a:solidFill>
+                  <a:srgbClr val="1E1E1E"/>
+                </a:solidFill>
+                <a:effectLst/>
+                <a:latin typeface="궁서체" panose="02030609000101010101" pitchFamily="17" charset="-127"/>
+                <a:ea typeface="궁서체" panose="02030609000101010101" pitchFamily="17" charset="-127"/>
+              </a:rPr>
+              <a:t>단계 이상 한다면</a:t>
+            </a:r>
+            <a:r>
+              <a:rPr lang="en-US" altLang="ko-KR" b="1" i="0" dirty="0">
+                <a:solidFill>
+                  <a:srgbClr val="1E1E1E"/>
+                </a:solidFill>
+                <a:effectLst/>
+                <a:latin typeface="궁서체" panose="02030609000101010101" pitchFamily="17" charset="-127"/>
+                <a:ea typeface="궁서체" panose="02030609000101010101" pitchFamily="17" charset="-127"/>
+              </a:rPr>
+              <a:t>, </a:t>
+            </a:r>
+            <a:r>
+              <a:rPr lang="ko-KR" altLang="en-US" b="1" i="0" dirty="0" err="1">
+                <a:solidFill>
+                  <a:srgbClr val="1E1E1E"/>
+                </a:solidFill>
+                <a:effectLst/>
+                <a:latin typeface="궁서체" panose="02030609000101010101" pitchFamily="17" charset="-127"/>
+                <a:ea typeface="궁서체" panose="02030609000101010101" pitchFamily="17" charset="-127"/>
+              </a:rPr>
+              <a:t>어짜피</a:t>
+            </a:r>
+            <a:r>
+              <a:rPr lang="ko-KR" altLang="en-US" b="1" i="0" dirty="0">
+                <a:solidFill>
+                  <a:srgbClr val="1E1E1E"/>
+                </a:solidFill>
+                <a:effectLst/>
+                <a:latin typeface="궁서체" panose="02030609000101010101" pitchFamily="17" charset="-127"/>
+                <a:ea typeface="궁서체" panose="02030609000101010101" pitchFamily="17" charset="-127"/>
+              </a:rPr>
+              <a:t> </a:t>
+            </a:r>
+            <a:r>
+              <a:rPr lang="ko-KR" altLang="en-US" b="1" i="0" dirty="0" err="1">
+                <a:solidFill>
+                  <a:srgbClr val="1E1E1E"/>
+                </a:solidFill>
+                <a:effectLst/>
+                <a:latin typeface="궁서체" panose="02030609000101010101" pitchFamily="17" charset="-127"/>
+                <a:ea typeface="궁서체" panose="02030609000101010101" pitchFamily="17" charset="-127"/>
+              </a:rPr>
+              <a:t>망친거니깐</a:t>
+            </a:r>
+            <a:r>
+              <a:rPr lang="ko-KR" altLang="en-US" b="1" i="0" dirty="0">
+                <a:solidFill>
+                  <a:srgbClr val="1E1E1E"/>
+                </a:solidFill>
+                <a:effectLst/>
+                <a:latin typeface="궁서체" panose="02030609000101010101" pitchFamily="17" charset="-127"/>
+                <a:ea typeface="궁서체" panose="02030609000101010101" pitchFamily="17" charset="-127"/>
+              </a:rPr>
+              <a:t> 프로그램 처음부터 다시 짜라</a:t>
+            </a:r>
+            <a:r>
+              <a:rPr lang="en-US" altLang="ko-KR" b="1" i="0" dirty="0">
+                <a:solidFill>
+                  <a:srgbClr val="1E1E1E"/>
+                </a:solidFill>
+                <a:effectLst/>
+                <a:latin typeface="궁서체" panose="02030609000101010101" pitchFamily="17" charset="-127"/>
+                <a:ea typeface="궁서체" panose="02030609000101010101" pitchFamily="17" charset="-127"/>
+              </a:rPr>
+              <a:t>.” – </a:t>
+            </a:r>
+            <a:r>
+              <a:rPr lang="ko-KR" altLang="en-US" b="1" i="0" dirty="0" err="1">
+                <a:solidFill>
+                  <a:srgbClr val="1E1E1E"/>
+                </a:solidFill>
+                <a:effectLst/>
+                <a:latin typeface="궁서체" panose="02030609000101010101" pitchFamily="17" charset="-127"/>
+                <a:ea typeface="궁서체" panose="02030609000101010101" pitchFamily="17" charset="-127"/>
+              </a:rPr>
+              <a:t>리누스</a:t>
+            </a:r>
+            <a:r>
+              <a:rPr lang="ko-KR" altLang="en-US" b="1" i="0" dirty="0">
+                <a:solidFill>
+                  <a:srgbClr val="1E1E1E"/>
+                </a:solidFill>
+                <a:effectLst/>
+                <a:latin typeface="궁서체" panose="02030609000101010101" pitchFamily="17" charset="-127"/>
+                <a:ea typeface="궁서체" panose="02030609000101010101" pitchFamily="17" charset="-127"/>
+              </a:rPr>
+              <a:t> </a:t>
+            </a:r>
+            <a:r>
+              <a:rPr lang="ko-KR" altLang="en-US" b="1" i="0" dirty="0" err="1">
+                <a:solidFill>
+                  <a:srgbClr val="1E1E1E"/>
+                </a:solidFill>
+                <a:effectLst/>
+                <a:latin typeface="궁서체" panose="02030609000101010101" pitchFamily="17" charset="-127"/>
+                <a:ea typeface="궁서체" panose="02030609000101010101" pitchFamily="17" charset="-127"/>
+              </a:rPr>
+              <a:t>토발즈</a:t>
+            </a:r>
+            <a:endParaRPr lang="en-US" altLang="ko-KR" b="1" dirty="0">
+              <a:latin typeface="궁서체" panose="02030609000101010101" pitchFamily="17" charset="-127"/>
+              <a:ea typeface="궁서체" panose="02030609000101010101" pitchFamily="17" charset="-127"/>
+            </a:endParaRPr>
+          </a:p>
+        </p:txBody>
+      </p:sp>
+    </p:spTree>
+  </p:cSld>
+  <p:clrMapOvr>
+    <a:masterClrMapping/>
+  </p:clrMapOvr>
+</p:sld>
+</file>
+
 <file path=ppt/slides/slide2.xml><?xml version="1.0" encoding="utf-8"?>
 <p:sld xmlns:a="http://schemas.openxmlformats.org/drawingml/2006/main" xmlns:r="http://schemas.openxmlformats.org/officeDocument/2006/relationships" xmlns:p="http://schemas.openxmlformats.org/presentationml/2006/main">
   <p:cSld>
@@ -5760,7 +8205,7 @@
                 <a:latin typeface="말랑말랑 Bold" panose="020F0803000000000000" pitchFamily="50" charset="-127"/>
                 <a:ea typeface="말랑말랑 Bold" panose="020F0803000000000000" pitchFamily="50" charset="-127"/>
               </a:rPr>
-              <a:t>시연 영상</a:t>
+              <a:t>게임 진행 방식</a:t>
             </a:r>
             <a:endParaRPr lang="ko-KR" altLang="en-US" sz="1600" dirty="0">
               <a:ln>
@@ -5842,7 +8287,7 @@
                 <a:latin typeface="말랑말랑 Bold" panose="020F0803000000000000" pitchFamily="50" charset="-127"/>
                 <a:ea typeface="말랑말랑 Bold" panose="020F0803000000000000" pitchFamily="50" charset="-127"/>
               </a:rPr>
-              <a:t>게임 룰</a:t>
+              <a:t>시연 영상</a:t>
             </a:r>
             <a:endParaRPr lang="ko-KR" altLang="en-US" sz="1600" dirty="0">
               <a:ln>
@@ -6976,7 +9421,623 @@
       </p:grpSpPr>
       <p:sp>
         <p:nvSpPr>
-          <p:cNvPr id="4" name="직사각형 3"/>
+          <p:cNvPr id="4" name="직사각형 3">
+            <a:extLst>
+              <a:ext uri="{FF2B5EF4-FFF2-40B4-BE49-F238E27FC236}">
+                <a16:creationId xmlns:a16="http://schemas.microsoft.com/office/drawing/2014/main" id="{25134F19-6F8F-4C4E-B57D-D8D9B1D6C236}"/>
+              </a:ext>
+            </a:extLst>
+          </p:cNvPr>
+          <p:cNvSpPr/>
+          <p:nvPr/>
+        </p:nvSpPr>
+        <p:spPr>
+          <a:xfrm>
+            <a:off x="889186" y="2264149"/>
+            <a:ext cx="2718408" cy="3072653"/>
+          </a:xfrm>
+          <a:prstGeom prst="rect">
+            <a:avLst/>
+          </a:prstGeom>
+          <a:solidFill>
+            <a:schemeClr val="tx1">
+              <a:lumMod val="75000"/>
+              <a:lumOff val="25000"/>
+            </a:schemeClr>
+          </a:solidFill>
+          <a:ln>
+            <a:solidFill>
+              <a:schemeClr val="tx1">
+                <a:lumMod val="95000"/>
+                <a:lumOff val="5000"/>
+              </a:schemeClr>
+            </a:solidFill>
+          </a:ln>
+        </p:spPr>
+        <p:style>
+          <a:lnRef idx="2">
+            <a:schemeClr val="accent1">
+              <a:shade val="50000"/>
+            </a:schemeClr>
+          </a:lnRef>
+          <a:fillRef idx="1">
+            <a:schemeClr val="accent1"/>
+          </a:fillRef>
+          <a:effectRef idx="0">
+            <a:schemeClr val="accent1"/>
+          </a:effectRef>
+          <a:fontRef idx="minor">
+            <a:schemeClr val="lt1"/>
+          </a:fontRef>
+        </p:style>
+        <p:txBody>
+          <a:bodyPr rtlCol="0" anchor="ctr"/>
+          <a:lstStyle/>
+          <a:p>
+            <a:r>
+              <a:rPr lang="en-US" altLang="ko-KR" sz="1200" dirty="0">
+                <a:solidFill>
+                  <a:srgbClr val="FFFF00"/>
+                </a:solidFill>
+              </a:rPr>
+              <a:t>[13:52:50] </a:t>
+            </a:r>
+            <a:r>
+              <a:rPr lang="ko-KR" altLang="en-US" sz="1200" dirty="0">
+                <a:solidFill>
+                  <a:srgbClr val="FFFF00"/>
+                </a:solidFill>
+              </a:rPr>
+              <a:t>현재 참가자 수 </a:t>
+            </a:r>
+            <a:r>
+              <a:rPr lang="en-US" altLang="ko-KR" sz="1200" dirty="0">
+                <a:solidFill>
+                  <a:srgbClr val="FFFF00"/>
+                </a:solidFill>
+              </a:rPr>
+              <a:t>= 4</a:t>
+            </a:r>
+          </a:p>
+          <a:p>
+            <a:r>
+              <a:rPr lang="en-US" altLang="ko-KR" sz="1200" dirty="0">
+                <a:solidFill>
+                  <a:schemeClr val="bg1"/>
+                </a:solidFill>
+              </a:rPr>
+              <a:t>[13:52:55] user4&gt; hi</a:t>
+            </a:r>
+          </a:p>
+          <a:p>
+            <a:r>
+              <a:rPr lang="en-US" altLang="ko-KR" sz="1200" dirty="0">
+                <a:solidFill>
+                  <a:schemeClr val="bg1"/>
+                </a:solidFill>
+              </a:rPr>
+              <a:t>[13:52:58] user3&gt; hello</a:t>
+            </a:r>
+          </a:p>
+          <a:p>
+            <a:r>
+              <a:rPr lang="en-US" altLang="ko-KR" sz="1200" dirty="0">
+                <a:solidFill>
+                  <a:srgbClr val="92D050"/>
+                </a:solidFill>
+              </a:rPr>
+              <a:t>host&gt;</a:t>
+            </a:r>
+            <a:r>
+              <a:rPr lang="en-US" altLang="ko-KR" sz="1200" dirty="0" err="1">
+                <a:solidFill>
+                  <a:srgbClr val="92D050"/>
+                </a:solidFill>
+              </a:rPr>
+              <a:t>game_start</a:t>
+            </a:r>
+            <a:endParaRPr lang="en-US" altLang="ko-KR" sz="1200" dirty="0">
+              <a:solidFill>
+                <a:schemeClr val="bg1"/>
+              </a:solidFill>
+            </a:endParaRPr>
+          </a:p>
+          <a:p>
+            <a:endParaRPr lang="en-US" altLang="ko-KR" sz="1200" dirty="0">
+              <a:solidFill>
+                <a:schemeClr val="bg1"/>
+              </a:solidFill>
+            </a:endParaRPr>
+          </a:p>
+          <a:p>
+            <a:endParaRPr lang="en-US" altLang="ko-KR" sz="1200" dirty="0">
+              <a:solidFill>
+                <a:schemeClr val="bg1"/>
+              </a:solidFill>
+            </a:endParaRPr>
+          </a:p>
+          <a:p>
+            <a:endParaRPr lang="en-US" altLang="ko-KR" sz="1200" dirty="0">
+              <a:solidFill>
+                <a:schemeClr val="bg1"/>
+              </a:solidFill>
+            </a:endParaRPr>
+          </a:p>
+          <a:p>
+            <a:endParaRPr lang="en-US" altLang="ko-KR" sz="1200" dirty="0">
+              <a:solidFill>
+                <a:schemeClr val="bg1"/>
+              </a:solidFill>
+            </a:endParaRPr>
+          </a:p>
+          <a:p>
+            <a:endParaRPr lang="en-US" altLang="ko-KR" sz="1200" dirty="0">
+              <a:solidFill>
+                <a:schemeClr val="bg1"/>
+              </a:solidFill>
+            </a:endParaRPr>
+          </a:p>
+          <a:p>
+            <a:endParaRPr lang="en-US" altLang="ko-KR" sz="1200" dirty="0">
+              <a:solidFill>
+                <a:schemeClr val="bg1"/>
+              </a:solidFill>
+            </a:endParaRPr>
+          </a:p>
+          <a:p>
+            <a:endParaRPr lang="en-US" altLang="ko-KR" sz="1200" dirty="0">
+              <a:solidFill>
+                <a:schemeClr val="bg1"/>
+              </a:solidFill>
+            </a:endParaRPr>
+          </a:p>
+          <a:p>
+            <a:endParaRPr lang="en-US" altLang="ko-KR" sz="1200" dirty="0">
+              <a:solidFill>
+                <a:schemeClr val="bg1"/>
+              </a:solidFill>
+            </a:endParaRPr>
+          </a:p>
+          <a:p>
+            <a:endParaRPr lang="en-US" altLang="ko-KR" sz="1200" dirty="0">
+              <a:solidFill>
+                <a:schemeClr val="bg1"/>
+              </a:solidFill>
+            </a:endParaRPr>
+          </a:p>
+          <a:p>
+            <a:endParaRPr lang="en-US" altLang="ko-KR" sz="1200" dirty="0">
+              <a:solidFill>
+                <a:schemeClr val="bg1"/>
+              </a:solidFill>
+            </a:endParaRPr>
+          </a:p>
+          <a:p>
+            <a:endParaRPr lang="en-US" altLang="ko-KR" sz="1200" dirty="0">
+              <a:solidFill>
+                <a:schemeClr val="bg1"/>
+              </a:solidFill>
+            </a:endParaRPr>
+          </a:p>
+          <a:p>
+            <a:endParaRPr lang="en-US" altLang="ko-KR" sz="1200" dirty="0">
+              <a:solidFill>
+                <a:schemeClr val="bg1"/>
+              </a:solidFill>
+            </a:endParaRPr>
+          </a:p>
+        </p:txBody>
+      </p:sp>
+      <p:sp>
+        <p:nvSpPr>
+          <p:cNvPr id="6" name="사각형: 둥근 위쪽 모서리 5">
+            <a:extLst>
+              <a:ext uri="{FF2B5EF4-FFF2-40B4-BE49-F238E27FC236}">
+                <a16:creationId xmlns:a16="http://schemas.microsoft.com/office/drawing/2014/main" id="{B8301656-1948-4955-BF60-03DDAD4226A9}"/>
+              </a:ext>
+            </a:extLst>
+          </p:cNvPr>
+          <p:cNvSpPr/>
+          <p:nvPr/>
+        </p:nvSpPr>
+        <p:spPr>
+          <a:xfrm>
+            <a:off x="889186" y="1993107"/>
+            <a:ext cx="2718407" cy="271042"/>
+          </a:xfrm>
+          <a:prstGeom prst="round2SameRect">
+            <a:avLst/>
+          </a:prstGeom>
+          <a:solidFill>
+            <a:schemeClr val="bg2">
+              <a:lumMod val="50000"/>
+            </a:schemeClr>
+          </a:solidFill>
+          <a:ln>
+            <a:solidFill>
+              <a:schemeClr val="tx1">
+                <a:lumMod val="95000"/>
+                <a:lumOff val="5000"/>
+              </a:schemeClr>
+            </a:solidFill>
+          </a:ln>
+        </p:spPr>
+        <p:style>
+          <a:lnRef idx="2">
+            <a:schemeClr val="accent1">
+              <a:shade val="50000"/>
+            </a:schemeClr>
+          </a:lnRef>
+          <a:fillRef idx="1">
+            <a:schemeClr val="accent1"/>
+          </a:fillRef>
+          <a:effectRef idx="0">
+            <a:schemeClr val="accent1"/>
+          </a:effectRef>
+          <a:fontRef idx="minor">
+            <a:schemeClr val="lt1"/>
+          </a:fontRef>
+        </p:style>
+        <p:txBody>
+          <a:bodyPr rtlCol="0" anchor="ctr"/>
+          <a:lstStyle/>
+          <a:p>
+            <a:pPr algn="ctr"/>
+            <a:r>
+              <a:rPr lang="en-US" altLang="ko-KR" sz="1050" dirty="0" err="1"/>
+              <a:t>host_terminal</a:t>
+            </a:r>
+            <a:endParaRPr lang="ko-KR" altLang="en-US" sz="1050" dirty="0"/>
+          </a:p>
+        </p:txBody>
+      </p:sp>
+      <p:sp>
+        <p:nvSpPr>
+          <p:cNvPr id="9" name="직사각형 8">
+            <a:extLst>
+              <a:ext uri="{FF2B5EF4-FFF2-40B4-BE49-F238E27FC236}">
+                <a16:creationId xmlns:a16="http://schemas.microsoft.com/office/drawing/2014/main" id="{A4F120EC-2905-47A2-8890-66EB3B975532}"/>
+              </a:ext>
+            </a:extLst>
+          </p:cNvPr>
+          <p:cNvSpPr/>
+          <p:nvPr/>
+        </p:nvSpPr>
+        <p:spPr>
+          <a:xfrm>
+            <a:off x="5225442" y="2264149"/>
+            <a:ext cx="2718408" cy="3072653"/>
+          </a:xfrm>
+          <a:prstGeom prst="rect">
+            <a:avLst/>
+          </a:prstGeom>
+          <a:solidFill>
+            <a:schemeClr val="tx1">
+              <a:lumMod val="75000"/>
+              <a:lumOff val="25000"/>
+            </a:schemeClr>
+          </a:solidFill>
+          <a:ln>
+            <a:solidFill>
+              <a:schemeClr val="tx1">
+                <a:lumMod val="95000"/>
+                <a:lumOff val="5000"/>
+              </a:schemeClr>
+            </a:solidFill>
+          </a:ln>
+        </p:spPr>
+        <p:style>
+          <a:lnRef idx="2">
+            <a:schemeClr val="accent1">
+              <a:shade val="50000"/>
+            </a:schemeClr>
+          </a:lnRef>
+          <a:fillRef idx="1">
+            <a:schemeClr val="accent1"/>
+          </a:fillRef>
+          <a:effectRef idx="0">
+            <a:schemeClr val="accent1"/>
+          </a:effectRef>
+          <a:fontRef idx="minor">
+            <a:schemeClr val="lt1"/>
+          </a:fontRef>
+        </p:style>
+        <p:txBody>
+          <a:bodyPr rtlCol="0" anchor="ctr"/>
+          <a:lstStyle/>
+          <a:p>
+            <a:r>
+              <a:rPr lang="en-US" altLang="ko-KR" sz="1200" dirty="0">
+                <a:solidFill>
+                  <a:srgbClr val="FFFF00"/>
+                </a:solidFill>
+              </a:rPr>
+              <a:t>[13:52:50] </a:t>
+            </a:r>
+            <a:r>
+              <a:rPr lang="ko-KR" altLang="en-US" sz="1200" dirty="0">
+                <a:solidFill>
+                  <a:srgbClr val="FFFF00"/>
+                </a:solidFill>
+              </a:rPr>
+              <a:t>현재 참가자 수 </a:t>
+            </a:r>
+            <a:r>
+              <a:rPr lang="en-US" altLang="ko-KR" sz="1200" dirty="0">
+                <a:solidFill>
+                  <a:srgbClr val="FFFF00"/>
+                </a:solidFill>
+              </a:rPr>
+              <a:t>= 4</a:t>
+            </a:r>
+          </a:p>
+          <a:p>
+            <a:r>
+              <a:rPr lang="en-US" altLang="ko-KR" sz="1200" dirty="0">
+                <a:solidFill>
+                  <a:schemeClr val="bg1"/>
+                </a:solidFill>
+              </a:rPr>
+              <a:t>[13:52:55] user4&gt; hi</a:t>
+            </a:r>
+          </a:p>
+          <a:p>
+            <a:r>
+              <a:rPr lang="en-US" altLang="ko-KR" sz="1200" dirty="0">
+                <a:solidFill>
+                  <a:schemeClr val="bg1"/>
+                </a:solidFill>
+              </a:rPr>
+              <a:t>[13:52:58] user3&gt; hello</a:t>
+            </a:r>
+          </a:p>
+          <a:p>
+            <a:r>
+              <a:rPr lang="ko-KR" altLang="en-US" sz="1200" dirty="0">
+                <a:solidFill>
+                  <a:schemeClr val="bg1"/>
+                </a:solidFill>
+              </a:rPr>
+              <a:t>게임을 시작합니다</a:t>
+            </a:r>
+            <a:r>
+              <a:rPr lang="en-US" altLang="ko-KR" sz="1200" dirty="0">
+                <a:solidFill>
+                  <a:schemeClr val="bg1"/>
+                </a:solidFill>
+              </a:rPr>
+              <a:t>.</a:t>
+            </a:r>
+          </a:p>
+          <a:p>
+            <a:r>
+              <a:rPr lang="en-US" altLang="ko-KR" sz="1200" dirty="0">
+                <a:solidFill>
+                  <a:srgbClr val="92D050"/>
+                </a:solidFill>
+              </a:rPr>
+              <a:t>host&gt;</a:t>
+            </a:r>
+            <a:endParaRPr lang="en-US" altLang="ko-KR" sz="1200" dirty="0">
+              <a:solidFill>
+                <a:schemeClr val="bg1"/>
+              </a:solidFill>
+            </a:endParaRPr>
+          </a:p>
+          <a:p>
+            <a:endParaRPr lang="en-US" altLang="ko-KR" sz="1200" dirty="0">
+              <a:solidFill>
+                <a:schemeClr val="bg1"/>
+              </a:solidFill>
+            </a:endParaRPr>
+          </a:p>
+          <a:p>
+            <a:endParaRPr lang="en-US" altLang="ko-KR" sz="1200" dirty="0">
+              <a:solidFill>
+                <a:schemeClr val="bg1"/>
+              </a:solidFill>
+            </a:endParaRPr>
+          </a:p>
+          <a:p>
+            <a:endParaRPr lang="en-US" altLang="ko-KR" sz="1200" dirty="0">
+              <a:solidFill>
+                <a:schemeClr val="bg1"/>
+              </a:solidFill>
+            </a:endParaRPr>
+          </a:p>
+          <a:p>
+            <a:endParaRPr lang="en-US" altLang="ko-KR" sz="1200" dirty="0">
+              <a:solidFill>
+                <a:schemeClr val="bg1"/>
+              </a:solidFill>
+            </a:endParaRPr>
+          </a:p>
+          <a:p>
+            <a:endParaRPr lang="en-US" altLang="ko-KR" sz="1200" dirty="0">
+              <a:solidFill>
+                <a:schemeClr val="bg1"/>
+              </a:solidFill>
+            </a:endParaRPr>
+          </a:p>
+          <a:p>
+            <a:endParaRPr lang="en-US" altLang="ko-KR" sz="1200" dirty="0">
+              <a:solidFill>
+                <a:schemeClr val="bg1"/>
+              </a:solidFill>
+            </a:endParaRPr>
+          </a:p>
+          <a:p>
+            <a:endParaRPr lang="en-US" altLang="ko-KR" sz="1200" dirty="0">
+              <a:solidFill>
+                <a:schemeClr val="bg1"/>
+              </a:solidFill>
+            </a:endParaRPr>
+          </a:p>
+          <a:p>
+            <a:endParaRPr lang="en-US" altLang="ko-KR" sz="1200" dirty="0">
+              <a:solidFill>
+                <a:schemeClr val="bg1"/>
+              </a:solidFill>
+            </a:endParaRPr>
+          </a:p>
+          <a:p>
+            <a:endParaRPr lang="en-US" altLang="ko-KR" sz="1200" dirty="0">
+              <a:solidFill>
+                <a:schemeClr val="bg1"/>
+              </a:solidFill>
+            </a:endParaRPr>
+          </a:p>
+          <a:p>
+            <a:endParaRPr lang="en-US" altLang="ko-KR" sz="1200" dirty="0">
+              <a:solidFill>
+                <a:schemeClr val="bg1"/>
+              </a:solidFill>
+            </a:endParaRPr>
+          </a:p>
+          <a:p>
+            <a:endParaRPr lang="en-US" altLang="ko-KR" sz="1200" dirty="0">
+              <a:solidFill>
+                <a:schemeClr val="bg1"/>
+              </a:solidFill>
+            </a:endParaRPr>
+          </a:p>
+        </p:txBody>
+      </p:sp>
+      <p:sp>
+        <p:nvSpPr>
+          <p:cNvPr id="10" name="사각형: 둥근 위쪽 모서리 9">
+            <a:extLst>
+              <a:ext uri="{FF2B5EF4-FFF2-40B4-BE49-F238E27FC236}">
+                <a16:creationId xmlns:a16="http://schemas.microsoft.com/office/drawing/2014/main" id="{2E375A10-E42E-4C64-AB89-305A1C12E8B5}"/>
+              </a:ext>
+            </a:extLst>
+          </p:cNvPr>
+          <p:cNvSpPr/>
+          <p:nvPr/>
+        </p:nvSpPr>
+        <p:spPr>
+          <a:xfrm>
+            <a:off x="5225443" y="1993107"/>
+            <a:ext cx="2718407" cy="271042"/>
+          </a:xfrm>
+          <a:prstGeom prst="round2SameRect">
+            <a:avLst/>
+          </a:prstGeom>
+          <a:solidFill>
+            <a:schemeClr val="bg2">
+              <a:lumMod val="50000"/>
+            </a:schemeClr>
+          </a:solidFill>
+          <a:ln>
+            <a:solidFill>
+              <a:schemeClr val="tx1">
+                <a:lumMod val="95000"/>
+                <a:lumOff val="5000"/>
+              </a:schemeClr>
+            </a:solidFill>
+          </a:ln>
+        </p:spPr>
+        <p:style>
+          <a:lnRef idx="2">
+            <a:schemeClr val="accent1">
+              <a:shade val="50000"/>
+            </a:schemeClr>
+          </a:lnRef>
+          <a:fillRef idx="1">
+            <a:schemeClr val="accent1"/>
+          </a:fillRef>
+          <a:effectRef idx="0">
+            <a:schemeClr val="accent1"/>
+          </a:effectRef>
+          <a:fontRef idx="minor">
+            <a:schemeClr val="lt1"/>
+          </a:fontRef>
+        </p:style>
+        <p:txBody>
+          <a:bodyPr rtlCol="0" anchor="ctr"/>
+          <a:lstStyle/>
+          <a:p>
+            <a:pPr algn="ctr"/>
+            <a:r>
+              <a:rPr lang="en-US" altLang="ko-KR" sz="1050" dirty="0" err="1"/>
+              <a:t>host_terminal</a:t>
+            </a:r>
+            <a:endParaRPr lang="ko-KR" altLang="en-US" sz="1050" dirty="0"/>
+          </a:p>
+        </p:txBody>
+      </p:sp>
+      <p:sp>
+        <p:nvSpPr>
+          <p:cNvPr id="11" name="제목 1">
+            <a:extLst>
+              <a:ext uri="{FF2B5EF4-FFF2-40B4-BE49-F238E27FC236}">
+                <a16:creationId xmlns:a16="http://schemas.microsoft.com/office/drawing/2014/main" id="{4C3D99E8-94EF-4FA0-AE87-13E3CD40EF31}"/>
+              </a:ext>
+            </a:extLst>
+          </p:cNvPr>
+          <p:cNvSpPr>
+            <a:spLocks noGrp="1"/>
+          </p:cNvSpPr>
+          <p:nvPr>
+            <p:ph type="title"/>
+          </p:nvPr>
+        </p:nvSpPr>
+        <p:spPr>
+          <a:xfrm>
+            <a:off x="755576" y="987411"/>
+            <a:ext cx="7886700" cy="994172"/>
+          </a:xfrm>
+        </p:spPr>
+        <p:txBody>
+          <a:bodyPr>
+            <a:normAutofit/>
+          </a:bodyPr>
+          <a:lstStyle/>
+          <a:p>
+            <a:r>
+              <a:rPr lang="ko-KR" altLang="en-US" sz="2400" dirty="0">
+                <a:latin typeface="말랑말랑 Bold" panose="020F0803000000000000" pitchFamily="50" charset="-127"/>
+                <a:ea typeface="말랑말랑 Bold" panose="020F0803000000000000" pitchFamily="50" charset="-127"/>
+              </a:rPr>
+              <a:t>참가자 </a:t>
+            </a:r>
+            <a:r>
+              <a:rPr lang="en-US" altLang="ko-KR" sz="2400" dirty="0">
+                <a:latin typeface="말랑말랑 Bold" panose="020F0803000000000000" pitchFamily="50" charset="-127"/>
+                <a:ea typeface="말랑말랑 Bold" panose="020F0803000000000000" pitchFamily="50" charset="-127"/>
+              </a:rPr>
+              <a:t>4</a:t>
+            </a:r>
+            <a:r>
+              <a:rPr lang="ko-KR" altLang="en-US" sz="2400" dirty="0">
+                <a:latin typeface="말랑말랑 Bold" panose="020F0803000000000000" pitchFamily="50" charset="-127"/>
+                <a:ea typeface="말랑말랑 Bold" panose="020F0803000000000000" pitchFamily="50" charset="-127"/>
+              </a:rPr>
+              <a:t>명이상이 모인 후 진행자가 게임을 시작한다</a:t>
+            </a:r>
+            <a:r>
+              <a:rPr lang="en-US" altLang="ko-KR" sz="2400" dirty="0">
+                <a:latin typeface="말랑말랑 Bold" panose="020F0803000000000000" pitchFamily="50" charset="-127"/>
+                <a:ea typeface="말랑말랑 Bold" panose="020F0803000000000000" pitchFamily="50" charset="-127"/>
+              </a:rPr>
+              <a:t>.</a:t>
+            </a:r>
+            <a:endParaRPr lang="ko-KR" altLang="en-US" sz="2400" dirty="0">
+              <a:latin typeface="말랑말랑 Bold" panose="020F0803000000000000" pitchFamily="50" charset="-127"/>
+              <a:ea typeface="말랑말랑 Bold" panose="020F0803000000000000" pitchFamily="50" charset="-127"/>
+            </a:endParaRPr>
+          </a:p>
+        </p:txBody>
+      </p:sp>
+      <p:sp>
+        <p:nvSpPr>
+          <p:cNvPr id="2" name="직사각형 1">
+            <a:extLst>
+              <a:ext uri="{FF2B5EF4-FFF2-40B4-BE49-F238E27FC236}">
+                <a16:creationId xmlns:a16="http://schemas.microsoft.com/office/drawing/2014/main" id="{C90D675B-071C-487C-9BFB-0958713133F0}"/>
+              </a:ext>
+            </a:extLst>
+          </p:cNvPr>
           <p:cNvSpPr/>
           <p:nvPr/>
         </p:nvSpPr>
@@ -7025,276 +10086,18 @@
                     </a:schemeClr>
                   </a:solidFill>
                 </a:ln>
-                <a:latin typeface="나눔고딕 ExtraBold" panose="020D0904000000000000" pitchFamily="50" charset="-127"/>
-                <a:ea typeface="나눔고딕 ExtraBold" panose="020D0904000000000000" pitchFamily="50" charset="-127"/>
-              </a:rPr>
-              <a:t>게임 룰</a:t>
-            </a:r>
-          </a:p>
-        </p:txBody>
-      </p:sp>
-      <p:sp>
-        <p:nvSpPr>
-          <p:cNvPr id="2" name="TextBox 1">
-            <a:extLst>
-              <a:ext uri="{FF2B5EF4-FFF2-40B4-BE49-F238E27FC236}">
-                <a16:creationId xmlns:a16="http://schemas.microsoft.com/office/drawing/2014/main" id="{DA4FF6A4-DB18-48F7-940A-211C81F15724}"/>
-              </a:ext>
-            </a:extLst>
-          </p:cNvPr>
-          <p:cNvSpPr txBox="1"/>
-          <p:nvPr/>
-        </p:nvSpPr>
-        <p:spPr>
-          <a:xfrm>
-            <a:off x="467544" y="1551563"/>
-            <a:ext cx="7992888" cy="3754874"/>
-          </a:xfrm>
-          <a:prstGeom prst="rect">
-            <a:avLst/>
-          </a:prstGeom>
-          <a:noFill/>
-        </p:spPr>
-        <p:txBody>
-          <a:bodyPr wrap="square" rtlCol="0">
-            <a:spAutoFit/>
-          </a:bodyPr>
-          <a:lstStyle/>
-          <a:p>
-            <a:pPr marL="285750" indent="-285750">
-              <a:buFontTx/>
-              <a:buChar char="-"/>
-            </a:pPr>
-            <a:r>
-              <a:rPr lang="ko-KR" altLang="en-US" sz="2400" dirty="0">
                 <a:latin typeface="말랑말랑 Bold" panose="020F0803000000000000" pitchFamily="50" charset="-127"/>
                 <a:ea typeface="말랑말랑 Bold" panose="020F0803000000000000" pitchFamily="50" charset="-127"/>
               </a:rPr>
-              <a:t>사용자간 채팅 기능</a:t>
-            </a:r>
-            <a:endParaRPr lang="en-US" altLang="ko-KR" sz="2400" dirty="0">
-              <a:latin typeface="말랑말랑 Bold" panose="020F0803000000000000" pitchFamily="50" charset="-127"/>
-              <a:ea typeface="말랑말랑 Bold" panose="020F0803000000000000" pitchFamily="50" charset="-127"/>
-            </a:endParaRPr>
-          </a:p>
-          <a:p>
-            <a:r>
-              <a:rPr lang="en-US" altLang="ko-KR" dirty="0">
-                <a:latin typeface="말랑말랑 Bold" panose="020F0803000000000000" pitchFamily="50" charset="-127"/>
-                <a:ea typeface="말랑말랑 Bold" panose="020F0803000000000000" pitchFamily="50" charset="-127"/>
-              </a:rPr>
-              <a:t>-&gt; Socket </a:t>
-            </a:r>
-            <a:r>
-              <a:rPr lang="ko-KR" altLang="en-US" dirty="0">
-                <a:latin typeface="말랑말랑 Bold" panose="020F0803000000000000" pitchFamily="50" charset="-127"/>
-                <a:ea typeface="말랑말랑 Bold" panose="020F0803000000000000" pitchFamily="50" charset="-127"/>
-              </a:rPr>
-              <a:t>통신</a:t>
-            </a:r>
-            <a:r>
-              <a:rPr lang="en-US" altLang="ko-KR" dirty="0">
-                <a:latin typeface="말랑말랑 Bold" panose="020F0803000000000000" pitchFamily="50" charset="-127"/>
-                <a:ea typeface="말랑말랑 Bold" panose="020F0803000000000000" pitchFamily="50" charset="-127"/>
-              </a:rPr>
-              <a:t> </a:t>
-            </a:r>
-            <a:r>
-              <a:rPr lang="ko-KR" altLang="en-US" dirty="0">
-                <a:latin typeface="말랑말랑 Bold" panose="020F0803000000000000" pitchFamily="50" charset="-127"/>
-                <a:ea typeface="말랑말랑 Bold" panose="020F0803000000000000" pitchFamily="50" charset="-127"/>
-              </a:rPr>
-              <a:t>활용</a:t>
-            </a:r>
-            <a:endParaRPr lang="en-US" altLang="ko-KR" dirty="0">
-              <a:latin typeface="말랑말랑 Bold" panose="020F0803000000000000" pitchFamily="50" charset="-127"/>
-              <a:ea typeface="말랑말랑 Bold" panose="020F0803000000000000" pitchFamily="50" charset="-127"/>
-            </a:endParaRPr>
-          </a:p>
-          <a:p>
-            <a:endParaRPr lang="en-US" altLang="ko-KR" dirty="0">
-              <a:latin typeface="말랑말랑 Bold" panose="020F0803000000000000" pitchFamily="50" charset="-127"/>
-              <a:ea typeface="말랑말랑 Bold" panose="020F0803000000000000" pitchFamily="50" charset="-127"/>
-            </a:endParaRPr>
-          </a:p>
-          <a:p>
-            <a:pPr marL="285750" indent="-285750">
-              <a:buFontTx/>
-              <a:buChar char="-"/>
-            </a:pPr>
-            <a:r>
-              <a:rPr lang="ko-KR" altLang="en-US" sz="2400" dirty="0">
-                <a:latin typeface="말랑말랑 Bold" panose="020F0803000000000000" pitchFamily="50" charset="-127"/>
-                <a:ea typeface="말랑말랑 Bold" panose="020F0803000000000000" pitchFamily="50" charset="-127"/>
-              </a:rPr>
-              <a:t>마피아 게임 기능</a:t>
-            </a:r>
-            <a:endParaRPr lang="en-US" altLang="ko-KR" sz="2400" dirty="0">
-              <a:latin typeface="말랑말랑 Bold" panose="020F0803000000000000" pitchFamily="50" charset="-127"/>
-              <a:ea typeface="말랑말랑 Bold" panose="020F0803000000000000" pitchFamily="50" charset="-127"/>
-            </a:endParaRPr>
-          </a:p>
-          <a:p>
-            <a:r>
-              <a:rPr lang="en-US" altLang="ko-KR" dirty="0">
-                <a:latin typeface="말랑말랑 Bold" panose="020F0803000000000000" pitchFamily="50" charset="-127"/>
-                <a:ea typeface="말랑말랑 Bold" panose="020F0803000000000000" pitchFamily="50" charset="-127"/>
-              </a:rPr>
-              <a:t>-&gt; </a:t>
-            </a:r>
-            <a:r>
-              <a:rPr lang="ko-KR" altLang="en-US" dirty="0">
-                <a:latin typeface="말랑말랑 Bold" panose="020F0803000000000000" pitchFamily="50" charset="-127"/>
-                <a:ea typeface="말랑말랑 Bold" panose="020F0803000000000000" pitchFamily="50" charset="-127"/>
-              </a:rPr>
-              <a:t>채팅과 동시에 실행하기 위해 </a:t>
-            </a:r>
-            <a:r>
-              <a:rPr lang="en-US" altLang="ko-KR" dirty="0">
-                <a:latin typeface="말랑말랑 Bold" panose="020F0803000000000000" pitchFamily="50" charset="-127"/>
-                <a:ea typeface="말랑말랑 Bold" panose="020F0803000000000000" pitchFamily="50" charset="-127"/>
-              </a:rPr>
-              <a:t>thread </a:t>
-            </a:r>
-            <a:r>
-              <a:rPr lang="ko-KR" altLang="en-US" dirty="0">
-                <a:latin typeface="말랑말랑 Bold" panose="020F0803000000000000" pitchFamily="50" charset="-127"/>
-                <a:ea typeface="말랑말랑 Bold" panose="020F0803000000000000" pitchFamily="50" charset="-127"/>
-              </a:rPr>
-              <a:t>활용</a:t>
-            </a:r>
-            <a:endParaRPr lang="en-US" altLang="ko-KR" dirty="0">
-              <a:latin typeface="말랑말랑 Bold" panose="020F0803000000000000" pitchFamily="50" charset="-127"/>
-              <a:ea typeface="말랑말랑 Bold" panose="020F0803000000000000" pitchFamily="50" charset="-127"/>
-            </a:endParaRPr>
-          </a:p>
-          <a:p>
-            <a:endParaRPr lang="en-US" altLang="ko-KR" sz="2400" dirty="0">
-              <a:latin typeface="말랑말랑 Bold" panose="020F0803000000000000" pitchFamily="50" charset="-127"/>
-              <a:ea typeface="말랑말랑 Bold" panose="020F0803000000000000" pitchFamily="50" charset="-127"/>
-            </a:endParaRPr>
-          </a:p>
-          <a:p>
-            <a:pPr marL="285750" indent="-285750">
-              <a:buFontTx/>
-              <a:buChar char="-"/>
-            </a:pPr>
-            <a:r>
-              <a:rPr lang="ko-KR" altLang="en-US" sz="2400" dirty="0">
-                <a:latin typeface="말랑말랑 Bold" panose="020F0803000000000000" pitchFamily="50" charset="-127"/>
-                <a:ea typeface="말랑말랑 Bold" panose="020F0803000000000000" pitchFamily="50" charset="-127"/>
-              </a:rPr>
-              <a:t>유저간 스트링 전송</a:t>
-            </a:r>
-            <a:endParaRPr lang="en-US" altLang="ko-KR" sz="2400" dirty="0">
-              <a:latin typeface="말랑말랑 Bold" panose="020F0803000000000000" pitchFamily="50" charset="-127"/>
-              <a:ea typeface="말랑말랑 Bold" panose="020F0803000000000000" pitchFamily="50" charset="-127"/>
-            </a:endParaRPr>
-          </a:p>
-          <a:p>
-            <a:r>
-              <a:rPr lang="en-US" altLang="ko-KR" dirty="0">
-                <a:latin typeface="말랑말랑 Bold" panose="020F0803000000000000" pitchFamily="50" charset="-127"/>
-                <a:ea typeface="말랑말랑 Bold" panose="020F0803000000000000" pitchFamily="50" charset="-127"/>
-              </a:rPr>
-              <a:t>-&gt; Basic System call (read, write) </a:t>
-            </a:r>
-            <a:r>
-              <a:rPr lang="ko-KR" altLang="en-US" dirty="0">
-                <a:latin typeface="말랑말랑 Bold" panose="020F0803000000000000" pitchFamily="50" charset="-127"/>
-                <a:ea typeface="말랑말랑 Bold" panose="020F0803000000000000" pitchFamily="50" charset="-127"/>
-              </a:rPr>
-              <a:t>활용</a:t>
-            </a:r>
-            <a:endParaRPr lang="en-US" altLang="ko-KR" dirty="0">
-              <a:latin typeface="말랑말랑 Bold" panose="020F0803000000000000" pitchFamily="50" charset="-127"/>
-              <a:ea typeface="말랑말랑 Bold" panose="020F0803000000000000" pitchFamily="50" charset="-127"/>
-            </a:endParaRPr>
-          </a:p>
-          <a:p>
-            <a:endParaRPr lang="en-US" altLang="ko-KR" sz="2400" dirty="0">
-              <a:latin typeface="말랑말랑 Bold" panose="020F0803000000000000" pitchFamily="50" charset="-127"/>
-              <a:ea typeface="말랑말랑 Bold" panose="020F0803000000000000" pitchFamily="50" charset="-127"/>
-            </a:endParaRPr>
-          </a:p>
-          <a:p>
-            <a:pPr marL="285750" indent="-285750">
-              <a:buFontTx/>
-              <a:buChar char="-"/>
-            </a:pPr>
-            <a:r>
-              <a:rPr lang="ko-KR" altLang="en-US" sz="2800" dirty="0">
-                <a:latin typeface="말랑말랑 Bold" panose="020F0803000000000000" pitchFamily="50" charset="-127"/>
-                <a:ea typeface="말랑말랑 Bold" panose="020F0803000000000000" pitchFamily="50" charset="-127"/>
-              </a:rPr>
-              <a:t>유저 다중 접속 기능</a:t>
-            </a:r>
-            <a:endParaRPr lang="en-US" altLang="ko-KR" sz="2800" dirty="0">
-              <a:latin typeface="말랑말랑 Bold" panose="020F0803000000000000" pitchFamily="50" charset="-127"/>
-              <a:ea typeface="말랑말랑 Bold" panose="020F0803000000000000" pitchFamily="50" charset="-127"/>
-            </a:endParaRPr>
-          </a:p>
-          <a:p>
-            <a:r>
-              <a:rPr lang="en-US" altLang="ko-KR" dirty="0">
-                <a:latin typeface="말랑말랑 Bold" panose="020F0803000000000000" pitchFamily="50" charset="-127"/>
-                <a:ea typeface="말랑말랑 Bold" panose="020F0803000000000000" pitchFamily="50" charset="-127"/>
-              </a:rPr>
-              <a:t>-&gt; </a:t>
-            </a:r>
-            <a:r>
-              <a:rPr lang="en-US" altLang="ko-KR" dirty="0" err="1">
-                <a:latin typeface="말랑말랑 Bold" panose="020F0803000000000000" pitchFamily="50" charset="-127"/>
-                <a:ea typeface="말랑말랑 Bold" panose="020F0803000000000000" pitchFamily="50" charset="-127"/>
-              </a:rPr>
-              <a:t>fcntl</a:t>
-            </a:r>
-            <a:r>
-              <a:rPr lang="ko-KR" altLang="en-US" dirty="0">
-                <a:latin typeface="말랑말랑 Bold" panose="020F0803000000000000" pitchFamily="50" charset="-127"/>
-                <a:ea typeface="말랑말랑 Bold" panose="020F0803000000000000" pitchFamily="50" charset="-127"/>
-              </a:rPr>
-              <a:t>을 통해 </a:t>
-            </a:r>
-            <a:r>
-              <a:rPr lang="en-US" altLang="ko-KR" dirty="0">
-                <a:latin typeface="말랑말랑 Bold" panose="020F0803000000000000" pitchFamily="50" charset="-127"/>
-                <a:ea typeface="말랑말랑 Bold" panose="020F0803000000000000" pitchFamily="50" charset="-127"/>
-              </a:rPr>
-              <a:t>Non-</a:t>
-            </a:r>
-            <a:r>
-              <a:rPr lang="en-US" altLang="ko-KR" dirty="0" err="1">
-                <a:latin typeface="말랑말랑 Bold" panose="020F0803000000000000" pitchFamily="50" charset="-127"/>
-                <a:ea typeface="말랑말랑 Bold" panose="020F0803000000000000" pitchFamily="50" charset="-127"/>
-              </a:rPr>
-              <a:t>Blockig</a:t>
-            </a:r>
-            <a:r>
-              <a:rPr lang="en-US" altLang="ko-KR" dirty="0">
-                <a:latin typeface="말랑말랑 Bold" panose="020F0803000000000000" pitchFamily="50" charset="-127"/>
-                <a:ea typeface="말랑말랑 Bold" panose="020F0803000000000000" pitchFamily="50" charset="-127"/>
-              </a:rPr>
-              <a:t> flag </a:t>
-            </a:r>
-            <a:r>
-              <a:rPr lang="ko-KR" altLang="en-US" dirty="0">
-                <a:latin typeface="말랑말랑 Bold" panose="020F0803000000000000" pitchFamily="50" charset="-127"/>
-                <a:ea typeface="말랑말랑 Bold" panose="020F0803000000000000" pitchFamily="50" charset="-127"/>
-              </a:rPr>
-              <a:t>활용</a:t>
-            </a:r>
-            <a:endParaRPr lang="en-US" altLang="ko-KR" dirty="0">
-              <a:latin typeface="말랑말랑 Bold" panose="020F0803000000000000" pitchFamily="50" charset="-127"/>
-              <a:ea typeface="말랑말랑 Bold" panose="020F0803000000000000" pitchFamily="50" charset="-127"/>
-            </a:endParaRPr>
+              <a:t>게임 진행 방식</a:t>
+            </a:r>
           </a:p>
         </p:txBody>
       </p:sp>
     </p:spTree>
     <p:extLst>
       <p:ext uri="{BB962C8B-B14F-4D97-AF65-F5344CB8AC3E}">
-        <p14:creationId xmlns:p14="http://schemas.microsoft.com/office/powerpoint/2010/main" val="1555044598"/>
+        <p14:creationId xmlns:p14="http://schemas.microsoft.com/office/powerpoint/2010/main" val="2573668001"/>
       </p:ext>
     </p:extLst>
   </p:cSld>
@@ -7323,7 +10126,883 @@
       </p:grpSpPr>
       <p:sp>
         <p:nvSpPr>
-          <p:cNvPr id="4" name="직사각형 3"/>
+          <p:cNvPr id="7" name="직사각형 6">
+            <a:extLst>
+              <a:ext uri="{FF2B5EF4-FFF2-40B4-BE49-F238E27FC236}">
+                <a16:creationId xmlns:a16="http://schemas.microsoft.com/office/drawing/2014/main" id="{F369FDD3-0129-4FE5-976E-4CE9BCBEA5FE}"/>
+              </a:ext>
+            </a:extLst>
+          </p:cNvPr>
+          <p:cNvSpPr/>
+          <p:nvPr/>
+        </p:nvSpPr>
+        <p:spPr>
+          <a:xfrm>
+            <a:off x="150021" y="2499892"/>
+            <a:ext cx="2878930" cy="3072653"/>
+          </a:xfrm>
+          <a:prstGeom prst="rect">
+            <a:avLst/>
+          </a:prstGeom>
+          <a:solidFill>
+            <a:schemeClr val="tx1">
+              <a:lumMod val="75000"/>
+              <a:lumOff val="25000"/>
+            </a:schemeClr>
+          </a:solidFill>
+          <a:ln>
+            <a:solidFill>
+              <a:schemeClr val="tx1">
+                <a:lumMod val="95000"/>
+                <a:lumOff val="5000"/>
+              </a:schemeClr>
+            </a:solidFill>
+          </a:ln>
+        </p:spPr>
+        <p:style>
+          <a:lnRef idx="2">
+            <a:schemeClr val="accent1">
+              <a:shade val="50000"/>
+            </a:schemeClr>
+          </a:lnRef>
+          <a:fillRef idx="1">
+            <a:schemeClr val="accent1"/>
+          </a:fillRef>
+          <a:effectRef idx="0">
+            <a:schemeClr val="accent1"/>
+          </a:effectRef>
+          <a:fontRef idx="minor">
+            <a:schemeClr val="lt1"/>
+          </a:fontRef>
+        </p:style>
+        <p:txBody>
+          <a:bodyPr rtlCol="0" anchor="ctr"/>
+          <a:lstStyle/>
+          <a:p>
+            <a:r>
+              <a:rPr lang="en-US" altLang="ko-KR" sz="1200" dirty="0">
+                <a:solidFill>
+                  <a:srgbClr val="FFFF00"/>
+                </a:solidFill>
+              </a:rPr>
+              <a:t>[13:52:55] user4&gt; hi</a:t>
+            </a:r>
+          </a:p>
+          <a:p>
+            <a:r>
+              <a:rPr lang="en-US" altLang="ko-KR" sz="1200" dirty="0">
+                <a:solidFill>
+                  <a:schemeClr val="bg1"/>
+                </a:solidFill>
+              </a:rPr>
+              <a:t>[13:52:58] user3&gt; hello</a:t>
+            </a:r>
+          </a:p>
+          <a:p>
+            <a:r>
+              <a:rPr lang="ko-KR" altLang="en-US" sz="1200" dirty="0">
+                <a:solidFill>
+                  <a:schemeClr val="bg1"/>
+                </a:solidFill>
+              </a:rPr>
+              <a:t>게임을 시작합니다</a:t>
+            </a:r>
+            <a:r>
+              <a:rPr lang="en-US" altLang="ko-KR" sz="1200" dirty="0">
+                <a:solidFill>
+                  <a:schemeClr val="bg1"/>
+                </a:solidFill>
+              </a:rPr>
+              <a:t>.</a:t>
+            </a:r>
+          </a:p>
+          <a:p>
+            <a:r>
+              <a:rPr lang="en-US" altLang="ko-KR" sz="1200" dirty="0">
+                <a:solidFill>
+                  <a:srgbClr val="FF0000"/>
+                </a:solidFill>
+              </a:rPr>
+              <a:t>- </a:t>
+            </a:r>
+            <a:r>
+              <a:rPr lang="ko-KR" altLang="en-US" sz="1200" dirty="0">
+                <a:solidFill>
+                  <a:srgbClr val="FF0000"/>
+                </a:solidFill>
+              </a:rPr>
+              <a:t>당신은 마피아 입니다</a:t>
+            </a:r>
+            <a:r>
+              <a:rPr lang="en-US" altLang="ko-KR" sz="1200" dirty="0">
+                <a:solidFill>
+                  <a:srgbClr val="FF0000"/>
+                </a:solidFill>
+              </a:rPr>
+              <a:t>. -</a:t>
+            </a:r>
+          </a:p>
+          <a:p>
+            <a:r>
+              <a:rPr lang="en-US" altLang="ko-KR" sz="1200" dirty="0">
+                <a:solidFill>
+                  <a:srgbClr val="92D050"/>
+                </a:solidFill>
+              </a:rPr>
+              <a:t>user4&gt;</a:t>
+            </a:r>
+          </a:p>
+          <a:p>
+            <a:endParaRPr lang="en-US" altLang="ko-KR" sz="1200" dirty="0">
+              <a:solidFill>
+                <a:schemeClr val="bg1"/>
+              </a:solidFill>
+            </a:endParaRPr>
+          </a:p>
+          <a:p>
+            <a:endParaRPr lang="en-US" altLang="ko-KR" sz="1200" dirty="0">
+              <a:solidFill>
+                <a:schemeClr val="bg1"/>
+              </a:solidFill>
+            </a:endParaRPr>
+          </a:p>
+          <a:p>
+            <a:endParaRPr lang="en-US" altLang="ko-KR" sz="1200" dirty="0">
+              <a:solidFill>
+                <a:schemeClr val="bg1"/>
+              </a:solidFill>
+            </a:endParaRPr>
+          </a:p>
+          <a:p>
+            <a:endParaRPr lang="en-US" altLang="ko-KR" sz="1200" dirty="0">
+              <a:solidFill>
+                <a:schemeClr val="bg1"/>
+              </a:solidFill>
+            </a:endParaRPr>
+          </a:p>
+          <a:p>
+            <a:endParaRPr lang="en-US" altLang="ko-KR" sz="1200" dirty="0">
+              <a:solidFill>
+                <a:schemeClr val="bg1"/>
+              </a:solidFill>
+            </a:endParaRPr>
+          </a:p>
+          <a:p>
+            <a:endParaRPr lang="en-US" altLang="ko-KR" sz="1200" dirty="0">
+              <a:solidFill>
+                <a:schemeClr val="bg1"/>
+              </a:solidFill>
+            </a:endParaRPr>
+          </a:p>
+          <a:p>
+            <a:endParaRPr lang="en-US" altLang="ko-KR" sz="1200" dirty="0">
+              <a:solidFill>
+                <a:schemeClr val="bg1"/>
+              </a:solidFill>
+            </a:endParaRPr>
+          </a:p>
+          <a:p>
+            <a:endParaRPr lang="en-US" altLang="ko-KR" sz="1200" dirty="0">
+              <a:solidFill>
+                <a:schemeClr val="bg1"/>
+              </a:solidFill>
+            </a:endParaRPr>
+          </a:p>
+          <a:p>
+            <a:endParaRPr lang="en-US" altLang="ko-KR" sz="1200" dirty="0">
+              <a:solidFill>
+                <a:schemeClr val="bg1"/>
+              </a:solidFill>
+            </a:endParaRPr>
+          </a:p>
+          <a:p>
+            <a:endParaRPr lang="en-US" altLang="ko-KR" sz="1200" dirty="0">
+              <a:solidFill>
+                <a:schemeClr val="bg1"/>
+              </a:solidFill>
+            </a:endParaRPr>
+          </a:p>
+          <a:p>
+            <a:endParaRPr lang="en-US" altLang="ko-KR" sz="1200" dirty="0">
+              <a:solidFill>
+                <a:schemeClr val="bg1"/>
+              </a:solidFill>
+            </a:endParaRPr>
+          </a:p>
+        </p:txBody>
+      </p:sp>
+      <p:sp>
+        <p:nvSpPr>
+          <p:cNvPr id="8" name="사각형: 둥근 위쪽 모서리 7">
+            <a:extLst>
+              <a:ext uri="{FF2B5EF4-FFF2-40B4-BE49-F238E27FC236}">
+                <a16:creationId xmlns:a16="http://schemas.microsoft.com/office/drawing/2014/main" id="{ADFAAA2B-E418-443C-9E6A-78473ADFD579}"/>
+              </a:ext>
+            </a:extLst>
+          </p:cNvPr>
+          <p:cNvSpPr/>
+          <p:nvPr/>
+        </p:nvSpPr>
+        <p:spPr>
+          <a:xfrm>
+            <a:off x="150021" y="2228850"/>
+            <a:ext cx="2878929" cy="271042"/>
+          </a:xfrm>
+          <a:prstGeom prst="round2SameRect">
+            <a:avLst/>
+          </a:prstGeom>
+          <a:solidFill>
+            <a:schemeClr val="bg2">
+              <a:lumMod val="50000"/>
+            </a:schemeClr>
+          </a:solidFill>
+          <a:ln>
+            <a:solidFill>
+              <a:schemeClr val="tx1">
+                <a:lumMod val="95000"/>
+                <a:lumOff val="5000"/>
+              </a:schemeClr>
+            </a:solidFill>
+          </a:ln>
+        </p:spPr>
+        <p:style>
+          <a:lnRef idx="2">
+            <a:schemeClr val="accent1">
+              <a:shade val="50000"/>
+            </a:schemeClr>
+          </a:lnRef>
+          <a:fillRef idx="1">
+            <a:schemeClr val="accent1"/>
+          </a:fillRef>
+          <a:effectRef idx="0">
+            <a:schemeClr val="accent1"/>
+          </a:effectRef>
+          <a:fontRef idx="minor">
+            <a:schemeClr val="lt1"/>
+          </a:fontRef>
+        </p:style>
+        <p:txBody>
+          <a:bodyPr rtlCol="0" anchor="ctr"/>
+          <a:lstStyle/>
+          <a:p>
+            <a:pPr algn="ctr"/>
+            <a:r>
+              <a:rPr lang="en-US" altLang="ko-KR" sz="1050" dirty="0"/>
+              <a:t>user4_terminal</a:t>
+            </a:r>
+            <a:endParaRPr lang="ko-KR" altLang="en-US" sz="1050" dirty="0"/>
+          </a:p>
+        </p:txBody>
+      </p:sp>
+      <p:sp>
+        <p:nvSpPr>
+          <p:cNvPr id="11" name="제목 1">
+            <a:extLst>
+              <a:ext uri="{FF2B5EF4-FFF2-40B4-BE49-F238E27FC236}">
+                <a16:creationId xmlns:a16="http://schemas.microsoft.com/office/drawing/2014/main" id="{FEF78B28-F168-4F4E-ABCE-E32AF29653C3}"/>
+              </a:ext>
+            </a:extLst>
+          </p:cNvPr>
+          <p:cNvSpPr>
+            <a:spLocks noGrp="1"/>
+          </p:cNvSpPr>
+          <p:nvPr>
+            <p:ph type="title"/>
+          </p:nvPr>
+        </p:nvSpPr>
+        <p:spPr>
+          <a:xfrm>
+            <a:off x="557213" y="998935"/>
+            <a:ext cx="8229600" cy="994172"/>
+          </a:xfrm>
+        </p:spPr>
+        <p:txBody>
+          <a:bodyPr>
+            <a:normAutofit/>
+          </a:bodyPr>
+          <a:lstStyle/>
+          <a:p>
+            <a:r>
+              <a:rPr lang="ko-KR" altLang="en-US" sz="2400" dirty="0">
+                <a:latin typeface="말랑말랑 Bold" panose="020F0803000000000000" pitchFamily="50" charset="-127"/>
+                <a:ea typeface="말랑말랑 Bold" panose="020F0803000000000000" pitchFamily="50" charset="-127"/>
+              </a:rPr>
+              <a:t>각 인원의 수에 따라 역할이 골고루 분배됨</a:t>
+            </a:r>
+            <a:endParaRPr lang="en-US" altLang="ko-KR" sz="2400" dirty="0">
+              <a:latin typeface="말랑말랑 Bold" panose="020F0803000000000000" pitchFamily="50" charset="-127"/>
+              <a:ea typeface="말랑말랑 Bold" panose="020F0803000000000000" pitchFamily="50" charset="-127"/>
+            </a:endParaRPr>
+          </a:p>
+        </p:txBody>
+      </p:sp>
+      <p:sp>
+        <p:nvSpPr>
+          <p:cNvPr id="14" name="직사각형 13">
+            <a:extLst>
+              <a:ext uri="{FF2B5EF4-FFF2-40B4-BE49-F238E27FC236}">
+                <a16:creationId xmlns:a16="http://schemas.microsoft.com/office/drawing/2014/main" id="{8FEA2E5A-925E-4A3C-95D4-66C5E94A7BCA}"/>
+              </a:ext>
+            </a:extLst>
+          </p:cNvPr>
+          <p:cNvSpPr/>
+          <p:nvPr/>
+        </p:nvSpPr>
+        <p:spPr>
+          <a:xfrm>
+            <a:off x="3132535" y="2499892"/>
+            <a:ext cx="2878930" cy="3072653"/>
+          </a:xfrm>
+          <a:prstGeom prst="rect">
+            <a:avLst/>
+          </a:prstGeom>
+          <a:solidFill>
+            <a:schemeClr val="tx1">
+              <a:lumMod val="75000"/>
+              <a:lumOff val="25000"/>
+            </a:schemeClr>
+          </a:solidFill>
+          <a:ln>
+            <a:solidFill>
+              <a:schemeClr val="tx1">
+                <a:lumMod val="95000"/>
+                <a:lumOff val="5000"/>
+              </a:schemeClr>
+            </a:solidFill>
+          </a:ln>
+        </p:spPr>
+        <p:style>
+          <a:lnRef idx="2">
+            <a:schemeClr val="accent1">
+              <a:shade val="50000"/>
+            </a:schemeClr>
+          </a:lnRef>
+          <a:fillRef idx="1">
+            <a:schemeClr val="accent1"/>
+          </a:fillRef>
+          <a:effectRef idx="0">
+            <a:schemeClr val="accent1"/>
+          </a:effectRef>
+          <a:fontRef idx="minor">
+            <a:schemeClr val="lt1"/>
+          </a:fontRef>
+        </p:style>
+        <p:txBody>
+          <a:bodyPr rtlCol="0" anchor="ctr"/>
+          <a:lstStyle/>
+          <a:p>
+            <a:r>
+              <a:rPr lang="en-US" altLang="ko-KR" sz="1200" dirty="0">
+                <a:solidFill>
+                  <a:schemeClr val="bg1"/>
+                </a:solidFill>
+              </a:rPr>
+              <a:t>[13:52:55] user4&gt; hi</a:t>
+            </a:r>
+          </a:p>
+          <a:p>
+            <a:r>
+              <a:rPr lang="en-US" altLang="ko-KR" sz="1200" dirty="0">
+                <a:solidFill>
+                  <a:srgbClr val="FFFF00"/>
+                </a:solidFill>
+              </a:rPr>
+              <a:t>[13:52:58] user3&gt; hello</a:t>
+            </a:r>
+          </a:p>
+          <a:p>
+            <a:r>
+              <a:rPr lang="ko-KR" altLang="en-US" sz="1200" dirty="0">
+                <a:solidFill>
+                  <a:schemeClr val="bg1"/>
+                </a:solidFill>
+              </a:rPr>
+              <a:t>게임을 시작합니다</a:t>
+            </a:r>
+            <a:r>
+              <a:rPr lang="en-US" altLang="ko-KR" sz="1200" dirty="0">
+                <a:solidFill>
+                  <a:schemeClr val="bg1"/>
+                </a:solidFill>
+              </a:rPr>
+              <a:t>.</a:t>
+            </a:r>
+          </a:p>
+          <a:p>
+            <a:r>
+              <a:rPr lang="en-US" altLang="ko-KR" sz="1200" dirty="0">
+                <a:solidFill>
+                  <a:schemeClr val="accent1">
+                    <a:lumMod val="60000"/>
+                    <a:lumOff val="40000"/>
+                  </a:schemeClr>
+                </a:solidFill>
+              </a:rPr>
+              <a:t>- </a:t>
+            </a:r>
+            <a:r>
+              <a:rPr lang="ko-KR" altLang="en-US" sz="1200" dirty="0">
+                <a:solidFill>
+                  <a:schemeClr val="accent1">
+                    <a:lumMod val="60000"/>
+                    <a:lumOff val="40000"/>
+                  </a:schemeClr>
+                </a:solidFill>
+              </a:rPr>
+              <a:t>당신은 시민 입니다</a:t>
+            </a:r>
+            <a:r>
+              <a:rPr lang="en-US" altLang="ko-KR" sz="1200" dirty="0">
+                <a:solidFill>
+                  <a:schemeClr val="accent1">
+                    <a:lumMod val="60000"/>
+                    <a:lumOff val="40000"/>
+                  </a:schemeClr>
+                </a:solidFill>
+              </a:rPr>
+              <a:t>. -</a:t>
+            </a:r>
+          </a:p>
+          <a:p>
+            <a:r>
+              <a:rPr lang="en-US" altLang="ko-KR" sz="1200" dirty="0">
+                <a:solidFill>
+                  <a:srgbClr val="92D050"/>
+                </a:solidFill>
+              </a:rPr>
+              <a:t>user3&gt;</a:t>
+            </a:r>
+          </a:p>
+          <a:p>
+            <a:endParaRPr lang="en-US" altLang="ko-KR" sz="1200" dirty="0">
+              <a:solidFill>
+                <a:schemeClr val="bg1"/>
+              </a:solidFill>
+            </a:endParaRPr>
+          </a:p>
+          <a:p>
+            <a:endParaRPr lang="en-US" altLang="ko-KR" sz="1200" dirty="0">
+              <a:solidFill>
+                <a:schemeClr val="bg1"/>
+              </a:solidFill>
+            </a:endParaRPr>
+          </a:p>
+          <a:p>
+            <a:endParaRPr lang="en-US" altLang="ko-KR" sz="1200" dirty="0">
+              <a:solidFill>
+                <a:schemeClr val="bg1"/>
+              </a:solidFill>
+            </a:endParaRPr>
+          </a:p>
+          <a:p>
+            <a:endParaRPr lang="en-US" altLang="ko-KR" sz="1200" dirty="0">
+              <a:solidFill>
+                <a:schemeClr val="bg1"/>
+              </a:solidFill>
+            </a:endParaRPr>
+          </a:p>
+          <a:p>
+            <a:endParaRPr lang="en-US" altLang="ko-KR" sz="1200" dirty="0">
+              <a:solidFill>
+                <a:schemeClr val="bg1"/>
+              </a:solidFill>
+            </a:endParaRPr>
+          </a:p>
+          <a:p>
+            <a:endParaRPr lang="en-US" altLang="ko-KR" sz="1200" dirty="0">
+              <a:solidFill>
+                <a:schemeClr val="bg1"/>
+              </a:solidFill>
+            </a:endParaRPr>
+          </a:p>
+          <a:p>
+            <a:endParaRPr lang="en-US" altLang="ko-KR" sz="1200" dirty="0">
+              <a:solidFill>
+                <a:schemeClr val="bg1"/>
+              </a:solidFill>
+            </a:endParaRPr>
+          </a:p>
+          <a:p>
+            <a:endParaRPr lang="en-US" altLang="ko-KR" sz="1200" dirty="0">
+              <a:solidFill>
+                <a:schemeClr val="bg1"/>
+              </a:solidFill>
+            </a:endParaRPr>
+          </a:p>
+          <a:p>
+            <a:endParaRPr lang="en-US" altLang="ko-KR" sz="1200" dirty="0">
+              <a:solidFill>
+                <a:schemeClr val="bg1"/>
+              </a:solidFill>
+            </a:endParaRPr>
+          </a:p>
+          <a:p>
+            <a:endParaRPr lang="en-US" altLang="ko-KR" sz="1200" dirty="0">
+              <a:solidFill>
+                <a:schemeClr val="bg1"/>
+              </a:solidFill>
+            </a:endParaRPr>
+          </a:p>
+          <a:p>
+            <a:endParaRPr lang="en-US" altLang="ko-KR" sz="1200" dirty="0">
+              <a:solidFill>
+                <a:schemeClr val="bg1"/>
+              </a:solidFill>
+            </a:endParaRPr>
+          </a:p>
+        </p:txBody>
+      </p:sp>
+      <p:sp>
+        <p:nvSpPr>
+          <p:cNvPr id="15" name="사각형: 둥근 위쪽 모서리 14">
+            <a:extLst>
+              <a:ext uri="{FF2B5EF4-FFF2-40B4-BE49-F238E27FC236}">
+                <a16:creationId xmlns:a16="http://schemas.microsoft.com/office/drawing/2014/main" id="{720A6672-49E9-4ED2-9DFA-7684721FEF26}"/>
+              </a:ext>
+            </a:extLst>
+          </p:cNvPr>
+          <p:cNvSpPr/>
+          <p:nvPr/>
+        </p:nvSpPr>
+        <p:spPr>
+          <a:xfrm>
+            <a:off x="3132536" y="2228850"/>
+            <a:ext cx="2878929" cy="271042"/>
+          </a:xfrm>
+          <a:prstGeom prst="round2SameRect">
+            <a:avLst/>
+          </a:prstGeom>
+          <a:solidFill>
+            <a:schemeClr val="bg2">
+              <a:lumMod val="50000"/>
+            </a:schemeClr>
+          </a:solidFill>
+          <a:ln>
+            <a:solidFill>
+              <a:schemeClr val="tx1">
+                <a:lumMod val="95000"/>
+                <a:lumOff val="5000"/>
+              </a:schemeClr>
+            </a:solidFill>
+          </a:ln>
+        </p:spPr>
+        <p:style>
+          <a:lnRef idx="2">
+            <a:schemeClr val="accent1">
+              <a:shade val="50000"/>
+            </a:schemeClr>
+          </a:lnRef>
+          <a:fillRef idx="1">
+            <a:schemeClr val="accent1"/>
+          </a:fillRef>
+          <a:effectRef idx="0">
+            <a:schemeClr val="accent1"/>
+          </a:effectRef>
+          <a:fontRef idx="minor">
+            <a:schemeClr val="lt1"/>
+          </a:fontRef>
+        </p:style>
+        <p:txBody>
+          <a:bodyPr rtlCol="0" anchor="ctr"/>
+          <a:lstStyle/>
+          <a:p>
+            <a:pPr algn="ctr"/>
+            <a:r>
+              <a:rPr lang="en-US" altLang="ko-KR" sz="1050" dirty="0"/>
+              <a:t>user3_terminal</a:t>
+            </a:r>
+            <a:endParaRPr lang="ko-KR" altLang="en-US" sz="1050" dirty="0"/>
+          </a:p>
+        </p:txBody>
+      </p:sp>
+      <p:sp>
+        <p:nvSpPr>
+          <p:cNvPr id="16" name="직사각형 15">
+            <a:extLst>
+              <a:ext uri="{FF2B5EF4-FFF2-40B4-BE49-F238E27FC236}">
+                <a16:creationId xmlns:a16="http://schemas.microsoft.com/office/drawing/2014/main" id="{FE7FB6FF-AD4C-4CCD-A97C-7F7CA9CAB81C}"/>
+              </a:ext>
+            </a:extLst>
+          </p:cNvPr>
+          <p:cNvSpPr/>
+          <p:nvPr/>
+        </p:nvSpPr>
+        <p:spPr>
+          <a:xfrm>
+            <a:off x="6115050" y="2499892"/>
+            <a:ext cx="2878930" cy="3072653"/>
+          </a:xfrm>
+          <a:prstGeom prst="rect">
+            <a:avLst/>
+          </a:prstGeom>
+          <a:solidFill>
+            <a:schemeClr val="tx1">
+              <a:lumMod val="75000"/>
+              <a:lumOff val="25000"/>
+            </a:schemeClr>
+          </a:solidFill>
+          <a:ln>
+            <a:solidFill>
+              <a:schemeClr val="tx1">
+                <a:lumMod val="95000"/>
+                <a:lumOff val="5000"/>
+              </a:schemeClr>
+            </a:solidFill>
+          </a:ln>
+        </p:spPr>
+        <p:style>
+          <a:lnRef idx="2">
+            <a:schemeClr val="accent1">
+              <a:shade val="50000"/>
+            </a:schemeClr>
+          </a:lnRef>
+          <a:fillRef idx="1">
+            <a:schemeClr val="accent1"/>
+          </a:fillRef>
+          <a:effectRef idx="0">
+            <a:schemeClr val="accent1"/>
+          </a:effectRef>
+          <a:fontRef idx="minor">
+            <a:schemeClr val="lt1"/>
+          </a:fontRef>
+        </p:style>
+        <p:txBody>
+          <a:bodyPr rtlCol="0" anchor="ctr"/>
+          <a:lstStyle/>
+          <a:p>
+            <a:r>
+              <a:rPr lang="en-US" altLang="ko-KR" sz="1200" dirty="0">
+                <a:solidFill>
+                  <a:schemeClr val="bg1"/>
+                </a:solidFill>
+              </a:rPr>
+              <a:t>[13:52:55] user4&gt; hi</a:t>
+            </a:r>
+          </a:p>
+          <a:p>
+            <a:r>
+              <a:rPr lang="en-US" altLang="ko-KR" sz="1200" dirty="0">
+                <a:solidFill>
+                  <a:schemeClr val="bg1"/>
+                </a:solidFill>
+              </a:rPr>
+              <a:t>[13:52:58] user3&gt; hello</a:t>
+            </a:r>
+          </a:p>
+          <a:p>
+            <a:r>
+              <a:rPr lang="ko-KR" altLang="en-US" sz="1200" dirty="0">
+                <a:solidFill>
+                  <a:schemeClr val="bg1"/>
+                </a:solidFill>
+              </a:rPr>
+              <a:t>게임을 시작합니다</a:t>
+            </a:r>
+            <a:r>
+              <a:rPr lang="en-US" altLang="ko-KR" sz="1200" dirty="0">
+                <a:solidFill>
+                  <a:schemeClr val="bg1"/>
+                </a:solidFill>
+              </a:rPr>
+              <a:t>.</a:t>
+            </a:r>
+          </a:p>
+          <a:p>
+            <a:r>
+              <a:rPr lang="en-US" altLang="ko-KR" sz="1200" dirty="0">
+                <a:solidFill>
+                  <a:schemeClr val="accent1">
+                    <a:lumMod val="60000"/>
+                    <a:lumOff val="40000"/>
+                  </a:schemeClr>
+                </a:solidFill>
+              </a:rPr>
+              <a:t>- </a:t>
+            </a:r>
+            <a:r>
+              <a:rPr lang="ko-KR" altLang="en-US" sz="1200" dirty="0">
+                <a:solidFill>
+                  <a:schemeClr val="accent1">
+                    <a:lumMod val="60000"/>
+                    <a:lumOff val="40000"/>
+                  </a:schemeClr>
+                </a:solidFill>
+              </a:rPr>
+              <a:t>당신은 의사 입니다</a:t>
+            </a:r>
+            <a:r>
+              <a:rPr lang="en-US" altLang="ko-KR" sz="1200" dirty="0">
+                <a:solidFill>
+                  <a:schemeClr val="accent1">
+                    <a:lumMod val="60000"/>
+                    <a:lumOff val="40000"/>
+                  </a:schemeClr>
+                </a:solidFill>
+              </a:rPr>
+              <a:t>. -</a:t>
+            </a:r>
+          </a:p>
+          <a:p>
+            <a:r>
+              <a:rPr lang="en-US" altLang="ko-KR" sz="1200" dirty="0">
+                <a:solidFill>
+                  <a:srgbClr val="92D050"/>
+                </a:solidFill>
+              </a:rPr>
+              <a:t>user2&gt;</a:t>
+            </a:r>
+          </a:p>
+          <a:p>
+            <a:endParaRPr lang="en-US" altLang="ko-KR" sz="1200" dirty="0">
+              <a:solidFill>
+                <a:schemeClr val="bg1"/>
+              </a:solidFill>
+            </a:endParaRPr>
+          </a:p>
+          <a:p>
+            <a:endParaRPr lang="en-US" altLang="ko-KR" sz="1200" dirty="0">
+              <a:solidFill>
+                <a:schemeClr val="bg1"/>
+              </a:solidFill>
+            </a:endParaRPr>
+          </a:p>
+          <a:p>
+            <a:endParaRPr lang="en-US" altLang="ko-KR" sz="1200" dirty="0">
+              <a:solidFill>
+                <a:schemeClr val="bg1"/>
+              </a:solidFill>
+            </a:endParaRPr>
+          </a:p>
+          <a:p>
+            <a:endParaRPr lang="en-US" altLang="ko-KR" sz="1200" dirty="0">
+              <a:solidFill>
+                <a:schemeClr val="bg1"/>
+              </a:solidFill>
+            </a:endParaRPr>
+          </a:p>
+          <a:p>
+            <a:endParaRPr lang="en-US" altLang="ko-KR" sz="1200" dirty="0">
+              <a:solidFill>
+                <a:schemeClr val="bg1"/>
+              </a:solidFill>
+            </a:endParaRPr>
+          </a:p>
+          <a:p>
+            <a:endParaRPr lang="en-US" altLang="ko-KR" sz="1200" dirty="0">
+              <a:solidFill>
+                <a:schemeClr val="bg1"/>
+              </a:solidFill>
+            </a:endParaRPr>
+          </a:p>
+          <a:p>
+            <a:endParaRPr lang="en-US" altLang="ko-KR" sz="1200" dirty="0">
+              <a:solidFill>
+                <a:schemeClr val="bg1"/>
+              </a:solidFill>
+            </a:endParaRPr>
+          </a:p>
+          <a:p>
+            <a:endParaRPr lang="en-US" altLang="ko-KR" sz="1200" dirty="0">
+              <a:solidFill>
+                <a:schemeClr val="bg1"/>
+              </a:solidFill>
+            </a:endParaRPr>
+          </a:p>
+          <a:p>
+            <a:endParaRPr lang="en-US" altLang="ko-KR" sz="1200" dirty="0">
+              <a:solidFill>
+                <a:schemeClr val="bg1"/>
+              </a:solidFill>
+            </a:endParaRPr>
+          </a:p>
+          <a:p>
+            <a:endParaRPr lang="en-US" altLang="ko-KR" sz="1200" dirty="0">
+              <a:solidFill>
+                <a:schemeClr val="bg1"/>
+              </a:solidFill>
+            </a:endParaRPr>
+          </a:p>
+          <a:p>
+            <a:endParaRPr lang="en-US" altLang="ko-KR" sz="1200" dirty="0">
+              <a:solidFill>
+                <a:schemeClr val="bg1"/>
+              </a:solidFill>
+            </a:endParaRPr>
+          </a:p>
+        </p:txBody>
+      </p:sp>
+      <p:sp>
+        <p:nvSpPr>
+          <p:cNvPr id="17" name="사각형: 둥근 위쪽 모서리 16">
+            <a:extLst>
+              <a:ext uri="{FF2B5EF4-FFF2-40B4-BE49-F238E27FC236}">
+                <a16:creationId xmlns:a16="http://schemas.microsoft.com/office/drawing/2014/main" id="{928D1959-5464-4716-8B6A-9BA495909DEB}"/>
+              </a:ext>
+            </a:extLst>
+          </p:cNvPr>
+          <p:cNvSpPr/>
+          <p:nvPr/>
+        </p:nvSpPr>
+        <p:spPr>
+          <a:xfrm>
+            <a:off x="6115050" y="2228850"/>
+            <a:ext cx="2878929" cy="271042"/>
+          </a:xfrm>
+          <a:prstGeom prst="round2SameRect">
+            <a:avLst/>
+          </a:prstGeom>
+          <a:solidFill>
+            <a:schemeClr val="bg2">
+              <a:lumMod val="50000"/>
+            </a:schemeClr>
+          </a:solidFill>
+          <a:ln>
+            <a:solidFill>
+              <a:schemeClr val="tx1">
+                <a:lumMod val="95000"/>
+                <a:lumOff val="5000"/>
+              </a:schemeClr>
+            </a:solidFill>
+          </a:ln>
+        </p:spPr>
+        <p:style>
+          <a:lnRef idx="2">
+            <a:schemeClr val="accent1">
+              <a:shade val="50000"/>
+            </a:schemeClr>
+          </a:lnRef>
+          <a:fillRef idx="1">
+            <a:schemeClr val="accent1"/>
+          </a:fillRef>
+          <a:effectRef idx="0">
+            <a:schemeClr val="accent1"/>
+          </a:effectRef>
+          <a:fontRef idx="minor">
+            <a:schemeClr val="lt1"/>
+          </a:fontRef>
+        </p:style>
+        <p:txBody>
+          <a:bodyPr rtlCol="0" anchor="ctr"/>
+          <a:lstStyle/>
+          <a:p>
+            <a:pPr algn="ctr"/>
+            <a:r>
+              <a:rPr lang="en-US" altLang="ko-KR" sz="1050" dirty="0"/>
+              <a:t>user2_terminal</a:t>
+            </a:r>
+            <a:endParaRPr lang="ko-KR" altLang="en-US" sz="1050" dirty="0"/>
+          </a:p>
+        </p:txBody>
+      </p:sp>
+      <p:sp>
+        <p:nvSpPr>
+          <p:cNvPr id="2" name="직사각형 1">
+            <a:extLst>
+              <a:ext uri="{FF2B5EF4-FFF2-40B4-BE49-F238E27FC236}">
+                <a16:creationId xmlns:a16="http://schemas.microsoft.com/office/drawing/2014/main" id="{6CEC2ACD-221D-4EC8-B89B-8DA1D3E37F90}"/>
+              </a:ext>
+            </a:extLst>
+          </p:cNvPr>
           <p:cNvSpPr/>
           <p:nvPr/>
         </p:nvSpPr>
@@ -7372,65 +11051,18 @@
                     </a:schemeClr>
                   </a:solidFill>
                 </a:ln>
-                <a:latin typeface="나눔고딕 ExtraBold" panose="020D0904000000000000" pitchFamily="50" charset="-127"/>
-                <a:ea typeface="나눔고딕 ExtraBold" panose="020D0904000000000000" pitchFamily="50" charset="-127"/>
-              </a:rPr>
-              <a:t>시연 영상</a:t>
-            </a:r>
-          </a:p>
-        </p:txBody>
-      </p:sp>
-      <p:sp>
-        <p:nvSpPr>
-          <p:cNvPr id="3" name="실행 단추: 앞으로 또는 다음으로 이동 2">
-            <a:hlinkClick r:id="" action="ppaction://hlinkshowjump?jump=nextslide" highlightClick="1"/>
-            <a:extLst>
-              <a:ext uri="{FF2B5EF4-FFF2-40B4-BE49-F238E27FC236}">
-                <a16:creationId xmlns:a16="http://schemas.microsoft.com/office/drawing/2014/main" id="{A36E319C-575F-4199-A77C-A0EE5C14A5D7}"/>
-              </a:ext>
-            </a:extLst>
-          </p:cNvPr>
-          <p:cNvSpPr/>
-          <p:nvPr/>
-        </p:nvSpPr>
-        <p:spPr>
-          <a:xfrm>
-            <a:off x="3023828" y="1988840"/>
-            <a:ext cx="3096344" cy="3096344"/>
-          </a:xfrm>
-          <a:prstGeom prst="actionButtonForwardNext">
-            <a:avLst/>
-          </a:prstGeom>
-        </p:spPr>
-        <p:style>
-          <a:lnRef idx="2">
-            <a:schemeClr val="accent1">
-              <a:shade val="50000"/>
-            </a:schemeClr>
-          </a:lnRef>
-          <a:fillRef idx="1">
-            <a:schemeClr val="accent1"/>
-          </a:fillRef>
-          <a:effectRef idx="0">
-            <a:schemeClr val="accent1"/>
-          </a:effectRef>
-          <a:fontRef idx="minor">
-            <a:schemeClr val="lt1"/>
-          </a:fontRef>
-        </p:style>
-        <p:txBody>
-          <a:bodyPr rtlCol="0" anchor="ctr"/>
-          <a:lstStyle/>
-          <a:p>
-            <a:pPr algn="ctr"/>
-            <a:endParaRPr lang="ko-KR" altLang="en-US"/>
+                <a:latin typeface="말랑말랑 Bold" panose="020F0803000000000000" pitchFamily="50" charset="-127"/>
+                <a:ea typeface="말랑말랑 Bold" panose="020F0803000000000000" pitchFamily="50" charset="-127"/>
+              </a:rPr>
+              <a:t>게임 진행 방식</a:t>
+            </a:r>
           </a:p>
         </p:txBody>
       </p:sp>
     </p:spTree>
     <p:extLst>
       <p:ext uri="{BB962C8B-B14F-4D97-AF65-F5344CB8AC3E}">
-        <p14:creationId xmlns:p14="http://schemas.microsoft.com/office/powerpoint/2010/main" val="2600616091"/>
+        <p14:creationId xmlns:p14="http://schemas.microsoft.com/office/powerpoint/2010/main" val="1444810661"/>
       </p:ext>
     </p:extLst>
   </p:cSld>
@@ -7459,13 +11091,720 @@
       </p:grpSpPr>
       <p:sp>
         <p:nvSpPr>
-          <p:cNvPr id="4" name="직사각형 3"/>
+          <p:cNvPr id="7" name="직사각형 6">
+            <a:extLst>
+              <a:ext uri="{FF2B5EF4-FFF2-40B4-BE49-F238E27FC236}">
+                <a16:creationId xmlns:a16="http://schemas.microsoft.com/office/drawing/2014/main" id="{F369FDD3-0129-4FE5-976E-4CE9BCBEA5FE}"/>
+              </a:ext>
+            </a:extLst>
+          </p:cNvPr>
           <p:cNvSpPr/>
           <p:nvPr/>
         </p:nvSpPr>
         <p:spPr>
           <a:xfrm>
-            <a:off x="-30" y="332656"/>
+            <a:off x="492920" y="2478250"/>
+            <a:ext cx="3386137" cy="3072653"/>
+          </a:xfrm>
+          <a:prstGeom prst="rect">
+            <a:avLst/>
+          </a:prstGeom>
+          <a:solidFill>
+            <a:schemeClr val="tx1">
+              <a:lumMod val="75000"/>
+              <a:lumOff val="25000"/>
+            </a:schemeClr>
+          </a:solidFill>
+          <a:ln>
+            <a:solidFill>
+              <a:schemeClr val="tx1">
+                <a:lumMod val="95000"/>
+                <a:lumOff val="5000"/>
+              </a:schemeClr>
+            </a:solidFill>
+          </a:ln>
+        </p:spPr>
+        <p:style>
+          <a:lnRef idx="2">
+            <a:schemeClr val="accent1">
+              <a:shade val="50000"/>
+            </a:schemeClr>
+          </a:lnRef>
+          <a:fillRef idx="1">
+            <a:schemeClr val="accent1"/>
+          </a:fillRef>
+          <a:effectRef idx="0">
+            <a:schemeClr val="accent1"/>
+          </a:effectRef>
+          <a:fontRef idx="minor">
+            <a:schemeClr val="lt1"/>
+          </a:fontRef>
+        </p:style>
+        <p:txBody>
+          <a:bodyPr rtlCol="0" anchor="ctr"/>
+          <a:lstStyle/>
+          <a:p>
+            <a:r>
+              <a:rPr lang="en-US" altLang="ko-KR" sz="1200" dirty="0">
+                <a:solidFill>
+                  <a:srgbClr val="FFFF00"/>
+                </a:solidFill>
+              </a:rPr>
+              <a:t>[13:52:55] user4&gt; hi</a:t>
+            </a:r>
+          </a:p>
+          <a:p>
+            <a:r>
+              <a:rPr lang="en-US" altLang="ko-KR" sz="1200" dirty="0">
+                <a:solidFill>
+                  <a:schemeClr val="bg1"/>
+                </a:solidFill>
+              </a:rPr>
+              <a:t>[13:52:58] user3&gt; hello</a:t>
+            </a:r>
+          </a:p>
+          <a:p>
+            <a:r>
+              <a:rPr lang="ko-KR" altLang="en-US" sz="1200" dirty="0">
+                <a:solidFill>
+                  <a:schemeClr val="bg1"/>
+                </a:solidFill>
+              </a:rPr>
+              <a:t>게임을 시작합니다</a:t>
+            </a:r>
+            <a:r>
+              <a:rPr lang="en-US" altLang="ko-KR" sz="1200" dirty="0">
+                <a:solidFill>
+                  <a:schemeClr val="bg1"/>
+                </a:solidFill>
+              </a:rPr>
+              <a:t>.</a:t>
+            </a:r>
+          </a:p>
+          <a:p>
+            <a:r>
+              <a:rPr lang="en-US" altLang="ko-KR" sz="1200" dirty="0">
+                <a:solidFill>
+                  <a:srgbClr val="FF0000"/>
+                </a:solidFill>
+              </a:rPr>
+              <a:t>- </a:t>
+            </a:r>
+            <a:r>
+              <a:rPr lang="ko-KR" altLang="en-US" sz="1200" dirty="0">
+                <a:solidFill>
+                  <a:srgbClr val="FF0000"/>
+                </a:solidFill>
+              </a:rPr>
+              <a:t>당신은 마피아 입니다</a:t>
+            </a:r>
+            <a:r>
+              <a:rPr lang="en-US" altLang="ko-KR" sz="1200" dirty="0">
+                <a:solidFill>
+                  <a:srgbClr val="FF0000"/>
+                </a:solidFill>
+              </a:rPr>
+              <a:t>. –</a:t>
+            </a:r>
+          </a:p>
+          <a:p>
+            <a:r>
+              <a:rPr lang="ko-KR" altLang="en-US" sz="1200" dirty="0">
+                <a:solidFill>
+                  <a:schemeClr val="bg1"/>
+                </a:solidFill>
+              </a:rPr>
+              <a:t>낮이 되었습니다</a:t>
+            </a:r>
+            <a:r>
+              <a:rPr lang="en-US" altLang="ko-KR" sz="1200" dirty="0">
+                <a:solidFill>
+                  <a:schemeClr val="bg1"/>
+                </a:solidFill>
+              </a:rPr>
+              <a:t>.</a:t>
+            </a:r>
+          </a:p>
+          <a:p>
+            <a:r>
+              <a:rPr lang="en-US" altLang="ko-KR" sz="1200" dirty="0">
+                <a:solidFill>
+                  <a:schemeClr val="bg1"/>
+                </a:solidFill>
+              </a:rPr>
+              <a:t>[13:53:05] user3&gt; user4</a:t>
+            </a:r>
+            <a:r>
+              <a:rPr lang="ko-KR" altLang="en-US" sz="1200" dirty="0">
+                <a:solidFill>
+                  <a:schemeClr val="bg1"/>
+                </a:solidFill>
+              </a:rPr>
+              <a:t>가 마피아 </a:t>
+            </a:r>
+            <a:r>
+              <a:rPr lang="ko-KR" altLang="en-US" sz="1200" dirty="0" err="1">
+                <a:solidFill>
+                  <a:schemeClr val="bg1"/>
+                </a:solidFill>
+              </a:rPr>
+              <a:t>인것같은데</a:t>
+            </a:r>
+            <a:r>
+              <a:rPr lang="en-US" altLang="ko-KR" sz="1200" dirty="0">
+                <a:solidFill>
+                  <a:schemeClr val="bg1"/>
+                </a:solidFill>
+              </a:rPr>
+              <a:t>?</a:t>
+            </a:r>
+          </a:p>
+          <a:p>
+            <a:r>
+              <a:rPr lang="en-US" altLang="ko-KR" sz="1200" dirty="0">
+                <a:solidFill>
+                  <a:srgbClr val="92D050"/>
+                </a:solidFill>
+              </a:rPr>
+              <a:t>user4&gt;/vote user3</a:t>
+            </a:r>
+          </a:p>
+          <a:p>
+            <a:endParaRPr lang="en-US" altLang="ko-KR" sz="1200" dirty="0">
+              <a:solidFill>
+                <a:schemeClr val="bg1"/>
+              </a:solidFill>
+            </a:endParaRPr>
+          </a:p>
+          <a:p>
+            <a:endParaRPr lang="en-US" altLang="ko-KR" sz="1200" dirty="0">
+              <a:solidFill>
+                <a:schemeClr val="bg1"/>
+              </a:solidFill>
+            </a:endParaRPr>
+          </a:p>
+          <a:p>
+            <a:endParaRPr lang="en-US" altLang="ko-KR" sz="1200" dirty="0">
+              <a:solidFill>
+                <a:schemeClr val="bg1"/>
+              </a:solidFill>
+            </a:endParaRPr>
+          </a:p>
+          <a:p>
+            <a:endParaRPr lang="en-US" altLang="ko-KR" sz="1200" dirty="0">
+              <a:solidFill>
+                <a:schemeClr val="bg1"/>
+              </a:solidFill>
+            </a:endParaRPr>
+          </a:p>
+          <a:p>
+            <a:endParaRPr lang="en-US" altLang="ko-KR" sz="1200" dirty="0">
+              <a:solidFill>
+                <a:schemeClr val="bg1"/>
+              </a:solidFill>
+            </a:endParaRPr>
+          </a:p>
+          <a:p>
+            <a:endParaRPr lang="en-US" altLang="ko-KR" sz="1200" dirty="0">
+              <a:solidFill>
+                <a:schemeClr val="bg1"/>
+              </a:solidFill>
+            </a:endParaRPr>
+          </a:p>
+          <a:p>
+            <a:endParaRPr lang="en-US" altLang="ko-KR" sz="1200" dirty="0">
+              <a:solidFill>
+                <a:schemeClr val="bg1"/>
+              </a:solidFill>
+            </a:endParaRPr>
+          </a:p>
+          <a:p>
+            <a:endParaRPr lang="en-US" altLang="ko-KR" sz="1200" dirty="0">
+              <a:solidFill>
+                <a:schemeClr val="bg1"/>
+              </a:solidFill>
+            </a:endParaRPr>
+          </a:p>
+          <a:p>
+            <a:endParaRPr lang="en-US" altLang="ko-KR" sz="1200" dirty="0">
+              <a:solidFill>
+                <a:schemeClr val="bg1"/>
+              </a:solidFill>
+            </a:endParaRPr>
+          </a:p>
+        </p:txBody>
+      </p:sp>
+      <p:sp>
+        <p:nvSpPr>
+          <p:cNvPr id="8" name="사각형: 둥근 위쪽 모서리 7">
+            <a:extLst>
+              <a:ext uri="{FF2B5EF4-FFF2-40B4-BE49-F238E27FC236}">
+                <a16:creationId xmlns:a16="http://schemas.microsoft.com/office/drawing/2014/main" id="{ADFAAA2B-E418-443C-9E6A-78473ADFD579}"/>
+              </a:ext>
+            </a:extLst>
+          </p:cNvPr>
+          <p:cNvSpPr/>
+          <p:nvPr/>
+        </p:nvSpPr>
+        <p:spPr>
+          <a:xfrm>
+            <a:off x="492920" y="2207208"/>
+            <a:ext cx="3386136" cy="271042"/>
+          </a:xfrm>
+          <a:prstGeom prst="round2SameRect">
+            <a:avLst/>
+          </a:prstGeom>
+          <a:solidFill>
+            <a:schemeClr val="bg2">
+              <a:lumMod val="50000"/>
+            </a:schemeClr>
+          </a:solidFill>
+          <a:ln>
+            <a:solidFill>
+              <a:schemeClr val="tx1">
+                <a:lumMod val="95000"/>
+                <a:lumOff val="5000"/>
+              </a:schemeClr>
+            </a:solidFill>
+          </a:ln>
+        </p:spPr>
+        <p:style>
+          <a:lnRef idx="2">
+            <a:schemeClr val="accent1">
+              <a:shade val="50000"/>
+            </a:schemeClr>
+          </a:lnRef>
+          <a:fillRef idx="1">
+            <a:schemeClr val="accent1"/>
+          </a:fillRef>
+          <a:effectRef idx="0">
+            <a:schemeClr val="accent1"/>
+          </a:effectRef>
+          <a:fontRef idx="minor">
+            <a:schemeClr val="lt1"/>
+          </a:fontRef>
+        </p:style>
+        <p:txBody>
+          <a:bodyPr rtlCol="0" anchor="ctr"/>
+          <a:lstStyle/>
+          <a:p>
+            <a:pPr algn="ctr"/>
+            <a:r>
+              <a:rPr lang="en-US" altLang="ko-KR" sz="1050" dirty="0"/>
+              <a:t>user4_terminal</a:t>
+            </a:r>
+            <a:endParaRPr lang="ko-KR" altLang="en-US" sz="1050" dirty="0"/>
+          </a:p>
+        </p:txBody>
+      </p:sp>
+      <p:sp>
+        <p:nvSpPr>
+          <p:cNvPr id="11" name="제목 1">
+            <a:extLst>
+              <a:ext uri="{FF2B5EF4-FFF2-40B4-BE49-F238E27FC236}">
+                <a16:creationId xmlns:a16="http://schemas.microsoft.com/office/drawing/2014/main" id="{FEF78B28-F168-4F4E-ABCE-E32AF29653C3}"/>
+              </a:ext>
+            </a:extLst>
+          </p:cNvPr>
+          <p:cNvSpPr>
+            <a:spLocks noGrp="1"/>
+          </p:cNvSpPr>
+          <p:nvPr>
+            <p:ph type="title"/>
+          </p:nvPr>
+        </p:nvSpPr>
+        <p:spPr>
+          <a:xfrm>
+            <a:off x="557213" y="998935"/>
+            <a:ext cx="8229600" cy="994172"/>
+          </a:xfrm>
+        </p:spPr>
+        <p:txBody>
+          <a:bodyPr>
+            <a:normAutofit/>
+          </a:bodyPr>
+          <a:lstStyle/>
+          <a:p>
+            <a:r>
+              <a:rPr lang="ko-KR" altLang="en-US" sz="2400" dirty="0">
+                <a:latin typeface="말랑말랑 Bold" panose="020F0803000000000000" pitchFamily="50" charset="-127"/>
+                <a:ea typeface="말랑말랑 Bold" panose="020F0803000000000000" pitchFamily="50" charset="-127"/>
+              </a:rPr>
+              <a:t>낮에는 의논 후 죽일사람을 투표한다</a:t>
+            </a:r>
+            <a:endParaRPr lang="en-US" altLang="ko-KR" sz="2400" dirty="0">
+              <a:latin typeface="말랑말랑 Bold" panose="020F0803000000000000" pitchFamily="50" charset="-127"/>
+              <a:ea typeface="말랑말랑 Bold" panose="020F0803000000000000" pitchFamily="50" charset="-127"/>
+            </a:endParaRPr>
+          </a:p>
+        </p:txBody>
+      </p:sp>
+      <p:sp>
+        <p:nvSpPr>
+          <p:cNvPr id="9" name="직사각형 8">
+            <a:extLst>
+              <a:ext uri="{FF2B5EF4-FFF2-40B4-BE49-F238E27FC236}">
+                <a16:creationId xmlns:a16="http://schemas.microsoft.com/office/drawing/2014/main" id="{62B8E17F-6D05-4F2D-A4D7-DFE872CDF46C}"/>
+              </a:ext>
+            </a:extLst>
+          </p:cNvPr>
+          <p:cNvSpPr/>
+          <p:nvPr/>
+        </p:nvSpPr>
+        <p:spPr>
+          <a:xfrm>
+            <a:off x="5336382" y="2478250"/>
+            <a:ext cx="3386137" cy="3072653"/>
+          </a:xfrm>
+          <a:prstGeom prst="rect">
+            <a:avLst/>
+          </a:prstGeom>
+          <a:solidFill>
+            <a:schemeClr val="tx1">
+              <a:lumMod val="75000"/>
+              <a:lumOff val="25000"/>
+            </a:schemeClr>
+          </a:solidFill>
+          <a:ln>
+            <a:solidFill>
+              <a:schemeClr val="tx1">
+                <a:lumMod val="95000"/>
+                <a:lumOff val="5000"/>
+              </a:schemeClr>
+            </a:solidFill>
+          </a:ln>
+        </p:spPr>
+        <p:style>
+          <a:lnRef idx="2">
+            <a:schemeClr val="accent1">
+              <a:shade val="50000"/>
+            </a:schemeClr>
+          </a:lnRef>
+          <a:fillRef idx="1">
+            <a:schemeClr val="accent1"/>
+          </a:fillRef>
+          <a:effectRef idx="0">
+            <a:schemeClr val="accent1"/>
+          </a:effectRef>
+          <a:fontRef idx="minor">
+            <a:schemeClr val="lt1"/>
+          </a:fontRef>
+        </p:style>
+        <p:txBody>
+          <a:bodyPr rtlCol="0" anchor="ctr"/>
+          <a:lstStyle/>
+          <a:p>
+            <a:r>
+              <a:rPr lang="en-US" altLang="ko-KR" sz="1200" dirty="0">
+                <a:solidFill>
+                  <a:srgbClr val="FFFF00"/>
+                </a:solidFill>
+              </a:rPr>
+              <a:t>[13:52:55] user4&gt; hi</a:t>
+            </a:r>
+          </a:p>
+          <a:p>
+            <a:r>
+              <a:rPr lang="en-US" altLang="ko-KR" sz="1200" dirty="0">
+                <a:solidFill>
+                  <a:schemeClr val="bg1"/>
+                </a:solidFill>
+              </a:rPr>
+              <a:t>[13:52:58] user3&gt; hello</a:t>
+            </a:r>
+          </a:p>
+          <a:p>
+            <a:r>
+              <a:rPr lang="ko-KR" altLang="en-US" sz="1200" dirty="0">
+                <a:solidFill>
+                  <a:schemeClr val="bg1"/>
+                </a:solidFill>
+              </a:rPr>
+              <a:t>게임을 시작합니다</a:t>
+            </a:r>
+            <a:r>
+              <a:rPr lang="en-US" altLang="ko-KR" sz="1200" dirty="0">
+                <a:solidFill>
+                  <a:schemeClr val="bg1"/>
+                </a:solidFill>
+              </a:rPr>
+              <a:t>.</a:t>
+            </a:r>
+          </a:p>
+          <a:p>
+            <a:r>
+              <a:rPr lang="en-US" altLang="ko-KR" sz="1200" dirty="0">
+                <a:solidFill>
+                  <a:srgbClr val="FF0000"/>
+                </a:solidFill>
+              </a:rPr>
+              <a:t>- </a:t>
+            </a:r>
+            <a:r>
+              <a:rPr lang="ko-KR" altLang="en-US" sz="1200" dirty="0">
+                <a:solidFill>
+                  <a:srgbClr val="FF0000"/>
+                </a:solidFill>
+              </a:rPr>
+              <a:t>당신은 마피아 입니다</a:t>
+            </a:r>
+            <a:r>
+              <a:rPr lang="en-US" altLang="ko-KR" sz="1200" dirty="0">
+                <a:solidFill>
+                  <a:srgbClr val="FF0000"/>
+                </a:solidFill>
+              </a:rPr>
+              <a:t>. –</a:t>
+            </a:r>
+          </a:p>
+          <a:p>
+            <a:r>
+              <a:rPr lang="ko-KR" altLang="en-US" sz="1200" dirty="0">
+                <a:solidFill>
+                  <a:schemeClr val="bg1"/>
+                </a:solidFill>
+              </a:rPr>
+              <a:t>낮이 되었습니다</a:t>
+            </a:r>
+            <a:r>
+              <a:rPr lang="en-US" altLang="ko-KR" sz="1200" dirty="0">
+                <a:solidFill>
+                  <a:schemeClr val="bg1"/>
+                </a:solidFill>
+              </a:rPr>
+              <a:t>.</a:t>
+            </a:r>
+          </a:p>
+          <a:p>
+            <a:r>
+              <a:rPr lang="en-US" altLang="ko-KR" sz="1200" dirty="0">
+                <a:solidFill>
+                  <a:schemeClr val="bg1"/>
+                </a:solidFill>
+              </a:rPr>
+              <a:t>[13:53:05] user3&gt; user4</a:t>
+            </a:r>
+            <a:r>
+              <a:rPr lang="ko-KR" altLang="en-US" sz="1200" dirty="0">
+                <a:solidFill>
+                  <a:schemeClr val="bg1"/>
+                </a:solidFill>
+              </a:rPr>
+              <a:t>가 마피아 </a:t>
+            </a:r>
+            <a:r>
+              <a:rPr lang="ko-KR" altLang="en-US" sz="1200" dirty="0" err="1">
+                <a:solidFill>
+                  <a:schemeClr val="bg1"/>
+                </a:solidFill>
+              </a:rPr>
+              <a:t>인것같은데</a:t>
+            </a:r>
+            <a:r>
+              <a:rPr lang="en-US" altLang="ko-KR" sz="1200" dirty="0">
+                <a:solidFill>
+                  <a:schemeClr val="bg1"/>
+                </a:solidFill>
+              </a:rPr>
+              <a:t>?</a:t>
+            </a:r>
+          </a:p>
+          <a:p>
+            <a:r>
+              <a:rPr lang="ko-KR" altLang="en-US" sz="1200" dirty="0">
+                <a:solidFill>
+                  <a:schemeClr val="bg1"/>
+                </a:solidFill>
+              </a:rPr>
+              <a:t>업데이트 </a:t>
+            </a:r>
+            <a:r>
+              <a:rPr lang="en-US" altLang="ko-KR" sz="1200" dirty="0">
+                <a:solidFill>
+                  <a:schemeClr val="bg1"/>
+                </a:solidFill>
+              </a:rPr>
+              <a:t>: user3</a:t>
+            </a:r>
+            <a:r>
+              <a:rPr lang="ko-KR" altLang="en-US" sz="1200" dirty="0">
+                <a:solidFill>
+                  <a:schemeClr val="bg1"/>
+                </a:solidFill>
+              </a:rPr>
+              <a:t>은 현재 </a:t>
+            </a:r>
+            <a:r>
+              <a:rPr lang="en-US" altLang="ko-KR" sz="1200" dirty="0">
+                <a:solidFill>
+                  <a:schemeClr val="bg1"/>
+                </a:solidFill>
+              </a:rPr>
+              <a:t>1</a:t>
+            </a:r>
+            <a:r>
+              <a:rPr lang="ko-KR" altLang="en-US" sz="1200" dirty="0">
+                <a:solidFill>
+                  <a:schemeClr val="bg1"/>
+                </a:solidFill>
+              </a:rPr>
+              <a:t>표입니다</a:t>
+            </a:r>
+            <a:r>
+              <a:rPr lang="en-US" altLang="ko-KR" sz="1200" dirty="0">
+                <a:solidFill>
+                  <a:schemeClr val="bg1"/>
+                </a:solidFill>
+              </a:rPr>
+              <a:t>.</a:t>
+            </a:r>
+          </a:p>
+          <a:p>
+            <a:r>
+              <a:rPr lang="en-US" altLang="ko-KR" sz="1200" dirty="0">
+                <a:solidFill>
+                  <a:srgbClr val="92D050"/>
+                </a:solidFill>
+              </a:rPr>
+              <a:t>user4&gt;</a:t>
+            </a:r>
+          </a:p>
+          <a:p>
+            <a:endParaRPr lang="en-US" altLang="ko-KR" sz="1200" dirty="0">
+              <a:solidFill>
+                <a:schemeClr val="bg1"/>
+              </a:solidFill>
+            </a:endParaRPr>
+          </a:p>
+          <a:p>
+            <a:endParaRPr lang="en-US" altLang="ko-KR" sz="1200" dirty="0">
+              <a:solidFill>
+                <a:schemeClr val="bg1"/>
+              </a:solidFill>
+            </a:endParaRPr>
+          </a:p>
+          <a:p>
+            <a:endParaRPr lang="en-US" altLang="ko-KR" sz="1200" dirty="0">
+              <a:solidFill>
+                <a:schemeClr val="bg1"/>
+              </a:solidFill>
+            </a:endParaRPr>
+          </a:p>
+          <a:p>
+            <a:endParaRPr lang="en-US" altLang="ko-KR" sz="1200" dirty="0">
+              <a:solidFill>
+                <a:schemeClr val="bg1"/>
+              </a:solidFill>
+            </a:endParaRPr>
+          </a:p>
+          <a:p>
+            <a:endParaRPr lang="en-US" altLang="ko-KR" sz="1200" dirty="0">
+              <a:solidFill>
+                <a:schemeClr val="bg1"/>
+              </a:solidFill>
+            </a:endParaRPr>
+          </a:p>
+          <a:p>
+            <a:endParaRPr lang="en-US" altLang="ko-KR" sz="1200" dirty="0">
+              <a:solidFill>
+                <a:schemeClr val="bg1"/>
+              </a:solidFill>
+            </a:endParaRPr>
+          </a:p>
+          <a:p>
+            <a:endParaRPr lang="en-US" altLang="ko-KR" sz="1200" dirty="0">
+              <a:solidFill>
+                <a:schemeClr val="bg1"/>
+              </a:solidFill>
+            </a:endParaRPr>
+          </a:p>
+          <a:p>
+            <a:endParaRPr lang="en-US" altLang="ko-KR" sz="1200" dirty="0">
+              <a:solidFill>
+                <a:schemeClr val="bg1"/>
+              </a:solidFill>
+            </a:endParaRPr>
+          </a:p>
+        </p:txBody>
+      </p:sp>
+      <p:sp>
+        <p:nvSpPr>
+          <p:cNvPr id="10" name="사각형: 둥근 위쪽 모서리 9">
+            <a:extLst>
+              <a:ext uri="{FF2B5EF4-FFF2-40B4-BE49-F238E27FC236}">
+                <a16:creationId xmlns:a16="http://schemas.microsoft.com/office/drawing/2014/main" id="{A421E35F-6F4C-4BA3-BC2A-D7B6144B7D77}"/>
+              </a:ext>
+            </a:extLst>
+          </p:cNvPr>
+          <p:cNvSpPr/>
+          <p:nvPr/>
+        </p:nvSpPr>
+        <p:spPr>
+          <a:xfrm>
+            <a:off x="5336383" y="2207208"/>
+            <a:ext cx="3386136" cy="271042"/>
+          </a:xfrm>
+          <a:prstGeom prst="round2SameRect">
+            <a:avLst/>
+          </a:prstGeom>
+          <a:solidFill>
+            <a:schemeClr val="bg2">
+              <a:lumMod val="50000"/>
+            </a:schemeClr>
+          </a:solidFill>
+          <a:ln>
+            <a:solidFill>
+              <a:schemeClr val="tx1">
+                <a:lumMod val="95000"/>
+                <a:lumOff val="5000"/>
+              </a:schemeClr>
+            </a:solidFill>
+          </a:ln>
+        </p:spPr>
+        <p:style>
+          <a:lnRef idx="2">
+            <a:schemeClr val="accent1">
+              <a:shade val="50000"/>
+            </a:schemeClr>
+          </a:lnRef>
+          <a:fillRef idx="1">
+            <a:schemeClr val="accent1"/>
+          </a:fillRef>
+          <a:effectRef idx="0">
+            <a:schemeClr val="accent1"/>
+          </a:effectRef>
+          <a:fontRef idx="minor">
+            <a:schemeClr val="lt1"/>
+          </a:fontRef>
+        </p:style>
+        <p:txBody>
+          <a:bodyPr rtlCol="0" anchor="ctr"/>
+          <a:lstStyle/>
+          <a:p>
+            <a:pPr algn="ctr"/>
+            <a:r>
+              <a:rPr lang="en-US" altLang="ko-KR" sz="1050" dirty="0"/>
+              <a:t>user4_terminal</a:t>
+            </a:r>
+            <a:endParaRPr lang="ko-KR" altLang="en-US" sz="1050" dirty="0"/>
+          </a:p>
+        </p:txBody>
+      </p:sp>
+      <p:sp>
+        <p:nvSpPr>
+          <p:cNvPr id="2" name="직사각형 1">
+            <a:extLst>
+              <a:ext uri="{FF2B5EF4-FFF2-40B4-BE49-F238E27FC236}">
+                <a16:creationId xmlns:a16="http://schemas.microsoft.com/office/drawing/2014/main" id="{56930A85-59C8-4035-A717-B155854DFF1F}"/>
+              </a:ext>
+            </a:extLst>
+          </p:cNvPr>
+          <p:cNvSpPr/>
+          <p:nvPr/>
+        </p:nvSpPr>
+        <p:spPr>
+          <a:xfrm>
+            <a:off x="0" y="404664"/>
             <a:ext cx="9144000" cy="504056"/>
           </a:xfrm>
           <a:prstGeom prst="rect">
@@ -7500,7 +11839,7 @@
           <a:p>
             <a:pPr algn="ctr"/>
             <a:r>
-              <a:rPr lang="en-US" altLang="ko-KR" dirty="0">
+              <a:rPr lang="ko-KR" altLang="en-US" dirty="0">
                 <a:ln>
                   <a:solidFill>
                     <a:schemeClr val="accent1">
@@ -7508,62 +11847,1070 @@
                     </a:schemeClr>
                   </a:solidFill>
                 </a:ln>
-                <a:latin typeface="나눔고딕 ExtraBold" panose="020D0904000000000000" pitchFamily="50" charset="-127"/>
-                <a:ea typeface="나눔고딕 ExtraBold" panose="020D0904000000000000" pitchFamily="50" charset="-127"/>
-              </a:rPr>
-              <a:t>Thank you for listening!</a:t>
-            </a:r>
-            <a:endParaRPr lang="ko-KR" altLang="en-US" dirty="0">
-              <a:ln>
-                <a:solidFill>
-                  <a:schemeClr val="accent1">
-                    <a:alpha val="0"/>
-                  </a:schemeClr>
-                </a:solidFill>
-              </a:ln>
-              <a:latin typeface="나눔고딕 ExtraBold" panose="020D0904000000000000" pitchFamily="50" charset="-127"/>
-              <a:ea typeface="나눔고딕 ExtraBold" panose="020D0904000000000000" pitchFamily="50" charset="-127"/>
-            </a:endParaRPr>
-          </a:p>
-        </p:txBody>
-      </p:sp>
-      <p:pic>
-        <p:nvPicPr>
-          <p:cNvPr id="5" name="그림 4">
+                <a:latin typeface="말랑말랑 Bold" panose="020F0803000000000000" pitchFamily="50" charset="-127"/>
+                <a:ea typeface="말랑말랑 Bold" panose="020F0803000000000000" pitchFamily="50" charset="-127"/>
+              </a:rPr>
+              <a:t>게임 진행 방식</a:t>
+            </a:r>
+          </a:p>
+        </p:txBody>
+      </p:sp>
+    </p:spTree>
+    <p:extLst>
+      <p:ext uri="{BB962C8B-B14F-4D97-AF65-F5344CB8AC3E}">
+        <p14:creationId xmlns:p14="http://schemas.microsoft.com/office/powerpoint/2010/main" val="673727183"/>
+      </p:ext>
+    </p:extLst>
+  </p:cSld>
+  <p:clrMapOvr>
+    <a:masterClrMapping/>
+  </p:clrMapOvr>
+</p:sld>
+</file>
+
+<file path=ppt/slides/slide9.xml><?xml version="1.0" encoding="utf-8"?>
+<p:sld xmlns:a="http://schemas.openxmlformats.org/drawingml/2006/main" xmlns:r="http://schemas.openxmlformats.org/officeDocument/2006/relationships" xmlns:p="http://schemas.openxmlformats.org/presentationml/2006/main">
+  <p:cSld>
+    <p:spTree>
+      <p:nvGrpSpPr>
+        <p:cNvPr id="1" name=""/>
+        <p:cNvGrpSpPr/>
+        <p:nvPr/>
+      </p:nvGrpSpPr>
+      <p:grpSpPr>
+        <a:xfrm>
+          <a:off x="0" y="0"/>
+          <a:ext cx="0" cy="0"/>
+          <a:chOff x="0" y="0"/>
+          <a:chExt cx="0" cy="0"/>
+        </a:xfrm>
+      </p:grpSpPr>
+      <p:sp>
+        <p:nvSpPr>
+          <p:cNvPr id="11" name="제목 1">
             <a:extLst>
               <a:ext uri="{FF2B5EF4-FFF2-40B4-BE49-F238E27FC236}">
-                <a16:creationId xmlns:a16="http://schemas.microsoft.com/office/drawing/2014/main" id="{67201FA6-DF5A-4E3A-AF32-4DE592F17653}"/>
+                <a16:creationId xmlns:a16="http://schemas.microsoft.com/office/drawing/2014/main" id="{FEF78B28-F168-4F4E-ABCE-E32AF29653C3}"/>
               </a:ext>
             </a:extLst>
           </p:cNvPr>
-          <p:cNvPicPr>
-            <a:picLocks noChangeAspect="1"/>
-          </p:cNvPicPr>
-          <p:nvPr/>
-        </p:nvPicPr>
-        <p:blipFill rotWithShape="1">
-          <a:blip r:embed="rId3"/>
-          <a:srcRect/>
-          <a:stretch>
-            <a:fillRect/>
-          </a:stretch>
-        </p:blipFill>
+          <p:cNvSpPr>
+            <a:spLocks noGrp="1"/>
+          </p:cNvSpPr>
+          <p:nvPr>
+            <p:ph type="title"/>
+          </p:nvPr>
+        </p:nvSpPr>
         <p:spPr>
           <a:xfrm>
-            <a:off x="3943319" y="1656350"/>
-            <a:ext cx="5212079" cy="5212079"/>
+            <a:off x="557213" y="998935"/>
+            <a:ext cx="8229600" cy="994172"/>
+          </a:xfrm>
+        </p:spPr>
+        <p:txBody>
+          <a:bodyPr>
+            <a:normAutofit/>
+          </a:bodyPr>
+          <a:lstStyle/>
+          <a:p>
+            <a:r>
+              <a:rPr lang="ko-KR" altLang="en-US" sz="2400" dirty="0">
+                <a:latin typeface="말랑말랑 Bold" panose="020F0803000000000000" pitchFamily="50" charset="-127"/>
+                <a:ea typeface="말랑말랑 Bold" panose="020F0803000000000000" pitchFamily="50" charset="-127"/>
+              </a:rPr>
+              <a:t>낮에는 의논 후 죽일사람을 투표한다</a:t>
+            </a:r>
+            <a:endParaRPr lang="en-US" altLang="ko-KR" sz="2400" dirty="0">
+              <a:latin typeface="말랑말랑 Bold" panose="020F0803000000000000" pitchFamily="50" charset="-127"/>
+              <a:ea typeface="말랑말랑 Bold" panose="020F0803000000000000" pitchFamily="50" charset="-127"/>
+            </a:endParaRPr>
+          </a:p>
+        </p:txBody>
+      </p:sp>
+      <p:sp>
+        <p:nvSpPr>
+          <p:cNvPr id="9" name="직사각형 8">
+            <a:extLst>
+              <a:ext uri="{FF2B5EF4-FFF2-40B4-BE49-F238E27FC236}">
+                <a16:creationId xmlns:a16="http://schemas.microsoft.com/office/drawing/2014/main" id="{62B8E17F-6D05-4F2D-A4D7-DFE872CDF46C}"/>
+              </a:ext>
+            </a:extLst>
+          </p:cNvPr>
+          <p:cNvSpPr/>
+          <p:nvPr/>
+        </p:nvSpPr>
+        <p:spPr>
+          <a:xfrm>
+            <a:off x="414339" y="2542543"/>
+            <a:ext cx="3386137" cy="3072653"/>
           </a:xfrm>
           <a:prstGeom prst="rect">
             <a:avLst/>
           </a:prstGeom>
+          <a:solidFill>
+            <a:schemeClr val="tx1">
+              <a:lumMod val="75000"/>
+              <a:lumOff val="25000"/>
+            </a:schemeClr>
+          </a:solidFill>
+          <a:ln>
+            <a:solidFill>
+              <a:schemeClr val="tx1">
+                <a:lumMod val="95000"/>
+                <a:lumOff val="5000"/>
+              </a:schemeClr>
+            </a:solidFill>
+          </a:ln>
         </p:spPr>
-      </p:pic>
-      <p:sp>
-        <p:nvSpPr>
-          <p:cNvPr id="6" name="TextBox 5">
+        <p:style>
+          <a:lnRef idx="2">
+            <a:schemeClr val="accent1">
+              <a:shade val="50000"/>
+            </a:schemeClr>
+          </a:lnRef>
+          <a:fillRef idx="1">
+            <a:schemeClr val="accent1"/>
+          </a:fillRef>
+          <a:effectRef idx="0">
+            <a:schemeClr val="accent1"/>
+          </a:effectRef>
+          <a:fontRef idx="minor">
+            <a:schemeClr val="lt1"/>
+          </a:fontRef>
+        </p:style>
+        <p:txBody>
+          <a:bodyPr rtlCol="0" anchor="ctr"/>
+          <a:lstStyle/>
+          <a:p>
+            <a:r>
+              <a:rPr lang="en-US" altLang="ko-KR" sz="1200" dirty="0">
+                <a:solidFill>
+                  <a:schemeClr val="bg1"/>
+                </a:solidFill>
+              </a:rPr>
+              <a:t>[13:52:55] user4&gt; hi</a:t>
+            </a:r>
+          </a:p>
+          <a:p>
+            <a:r>
+              <a:rPr lang="en-US" altLang="ko-KR" sz="1200" dirty="0">
+                <a:solidFill>
+                  <a:srgbClr val="FFFF00"/>
+                </a:solidFill>
+              </a:rPr>
+              <a:t>[13:52:58] user3&gt; hello</a:t>
+            </a:r>
+          </a:p>
+          <a:p>
+            <a:r>
+              <a:rPr lang="ko-KR" altLang="en-US" sz="1200" dirty="0">
+                <a:solidFill>
+                  <a:schemeClr val="bg1"/>
+                </a:solidFill>
+              </a:rPr>
+              <a:t>게임을 시작합니다</a:t>
+            </a:r>
+            <a:r>
+              <a:rPr lang="en-US" altLang="ko-KR" sz="1200" dirty="0">
+                <a:solidFill>
+                  <a:schemeClr val="bg1"/>
+                </a:solidFill>
+              </a:rPr>
+              <a:t>.</a:t>
+            </a:r>
+          </a:p>
+          <a:p>
+            <a:r>
+              <a:rPr lang="en-US" altLang="ko-KR" sz="1200" dirty="0">
+                <a:solidFill>
+                  <a:schemeClr val="accent1">
+                    <a:lumMod val="60000"/>
+                    <a:lumOff val="40000"/>
+                  </a:schemeClr>
+                </a:solidFill>
+              </a:rPr>
+              <a:t>- </a:t>
+            </a:r>
+            <a:r>
+              <a:rPr lang="ko-KR" altLang="en-US" sz="1200" dirty="0">
+                <a:solidFill>
+                  <a:schemeClr val="accent1">
+                    <a:lumMod val="60000"/>
+                    <a:lumOff val="40000"/>
+                  </a:schemeClr>
+                </a:solidFill>
+              </a:rPr>
+              <a:t>당신은 시민 입니다</a:t>
+            </a:r>
+            <a:r>
+              <a:rPr lang="en-US" altLang="ko-KR" sz="1200" dirty="0">
+                <a:solidFill>
+                  <a:schemeClr val="accent1">
+                    <a:lumMod val="60000"/>
+                    <a:lumOff val="40000"/>
+                  </a:schemeClr>
+                </a:solidFill>
+              </a:rPr>
+              <a:t>. -</a:t>
+            </a:r>
+          </a:p>
+          <a:p>
+            <a:r>
+              <a:rPr lang="ko-KR" altLang="en-US" sz="1200" dirty="0">
+                <a:solidFill>
+                  <a:schemeClr val="bg1"/>
+                </a:solidFill>
+              </a:rPr>
+              <a:t>낮이 되었습니다</a:t>
+            </a:r>
+            <a:r>
+              <a:rPr lang="en-US" altLang="ko-KR" sz="1200" dirty="0">
+                <a:solidFill>
+                  <a:schemeClr val="bg1"/>
+                </a:solidFill>
+              </a:rPr>
+              <a:t>.</a:t>
+            </a:r>
+          </a:p>
+          <a:p>
+            <a:r>
+              <a:rPr lang="en-US" altLang="ko-KR" sz="1200" dirty="0">
+                <a:solidFill>
+                  <a:srgbClr val="FFFF00"/>
+                </a:solidFill>
+              </a:rPr>
+              <a:t>[13:53:05] user3&gt; user4</a:t>
+            </a:r>
+            <a:r>
+              <a:rPr lang="ko-KR" altLang="en-US" sz="1200" dirty="0">
+                <a:solidFill>
+                  <a:srgbClr val="FFFF00"/>
+                </a:solidFill>
+              </a:rPr>
+              <a:t>가 마피아 </a:t>
+            </a:r>
+            <a:r>
+              <a:rPr lang="ko-KR" altLang="en-US" sz="1200" dirty="0" err="1">
+                <a:solidFill>
+                  <a:srgbClr val="FFFF00"/>
+                </a:solidFill>
+              </a:rPr>
+              <a:t>인것같은데</a:t>
+            </a:r>
+            <a:r>
+              <a:rPr lang="en-US" altLang="ko-KR" sz="1200" dirty="0">
+                <a:solidFill>
+                  <a:srgbClr val="FFFF00"/>
+                </a:solidFill>
+              </a:rPr>
+              <a:t>?</a:t>
+            </a:r>
+          </a:p>
+          <a:p>
+            <a:r>
+              <a:rPr lang="ko-KR" altLang="en-US" sz="1200" dirty="0">
+                <a:solidFill>
+                  <a:schemeClr val="bg1"/>
+                </a:solidFill>
+              </a:rPr>
+              <a:t>업데이트 </a:t>
+            </a:r>
+            <a:r>
+              <a:rPr lang="en-US" altLang="ko-KR" sz="1200" dirty="0">
+                <a:solidFill>
+                  <a:schemeClr val="bg1"/>
+                </a:solidFill>
+              </a:rPr>
+              <a:t>: user3</a:t>
+            </a:r>
+            <a:r>
+              <a:rPr lang="ko-KR" altLang="en-US" sz="1200" dirty="0">
+                <a:solidFill>
+                  <a:schemeClr val="bg1"/>
+                </a:solidFill>
+              </a:rPr>
+              <a:t>은 현재 </a:t>
+            </a:r>
+            <a:r>
+              <a:rPr lang="en-US" altLang="ko-KR" sz="1200" dirty="0">
+                <a:solidFill>
+                  <a:schemeClr val="bg1"/>
+                </a:solidFill>
+              </a:rPr>
+              <a:t>1</a:t>
+            </a:r>
+            <a:r>
+              <a:rPr lang="ko-KR" altLang="en-US" sz="1200" dirty="0">
+                <a:solidFill>
+                  <a:schemeClr val="bg1"/>
+                </a:solidFill>
+              </a:rPr>
+              <a:t>표입니다</a:t>
+            </a:r>
+            <a:r>
+              <a:rPr lang="en-US" altLang="ko-KR" sz="1200" dirty="0">
+                <a:solidFill>
+                  <a:schemeClr val="bg1"/>
+                </a:solidFill>
+              </a:rPr>
+              <a:t>.</a:t>
+            </a:r>
+          </a:p>
+          <a:p>
+            <a:r>
+              <a:rPr lang="en-US" altLang="ko-KR" sz="1200" dirty="0">
+                <a:solidFill>
+                  <a:srgbClr val="FFFF00"/>
+                </a:solidFill>
+              </a:rPr>
+              <a:t>[13:53:07] user3&gt; ?</a:t>
+            </a:r>
+          </a:p>
+          <a:p>
+            <a:r>
+              <a:rPr lang="ko-KR" altLang="en-US" sz="1200" dirty="0">
+                <a:solidFill>
+                  <a:schemeClr val="bg1"/>
+                </a:solidFill>
+              </a:rPr>
+              <a:t>업데이트 </a:t>
+            </a:r>
+            <a:r>
+              <a:rPr lang="en-US" altLang="ko-KR" sz="1200" dirty="0">
+                <a:solidFill>
+                  <a:schemeClr val="bg1"/>
+                </a:solidFill>
+              </a:rPr>
+              <a:t>: user3</a:t>
+            </a:r>
+            <a:r>
+              <a:rPr lang="ko-KR" altLang="en-US" sz="1200" dirty="0">
+                <a:solidFill>
+                  <a:schemeClr val="bg1"/>
+                </a:solidFill>
+              </a:rPr>
+              <a:t>은 현재 </a:t>
+            </a:r>
+            <a:r>
+              <a:rPr lang="en-US" altLang="ko-KR" sz="1200" dirty="0">
+                <a:solidFill>
+                  <a:schemeClr val="bg1"/>
+                </a:solidFill>
+              </a:rPr>
+              <a:t>2</a:t>
+            </a:r>
+            <a:r>
+              <a:rPr lang="ko-KR" altLang="en-US" sz="1200" dirty="0">
+                <a:solidFill>
+                  <a:schemeClr val="bg1"/>
+                </a:solidFill>
+              </a:rPr>
+              <a:t>표입니다</a:t>
+            </a:r>
+            <a:r>
+              <a:rPr lang="en-US" altLang="ko-KR" sz="1200" dirty="0">
+                <a:solidFill>
+                  <a:schemeClr val="bg1"/>
+                </a:solidFill>
+              </a:rPr>
+              <a:t>.</a:t>
+            </a:r>
+          </a:p>
+          <a:p>
+            <a:r>
+              <a:rPr lang="ko-KR" altLang="en-US" sz="1200" dirty="0">
+                <a:solidFill>
+                  <a:schemeClr val="bg1"/>
+                </a:solidFill>
+              </a:rPr>
+              <a:t>업데이트 </a:t>
+            </a:r>
+            <a:r>
+              <a:rPr lang="en-US" altLang="ko-KR" sz="1200" dirty="0">
+                <a:solidFill>
+                  <a:schemeClr val="bg1"/>
+                </a:solidFill>
+              </a:rPr>
+              <a:t>: user3</a:t>
+            </a:r>
+            <a:r>
+              <a:rPr lang="ko-KR" altLang="en-US" sz="1200" dirty="0">
+                <a:solidFill>
+                  <a:schemeClr val="bg1"/>
+                </a:solidFill>
+              </a:rPr>
+              <a:t>은 현재 </a:t>
+            </a:r>
+            <a:r>
+              <a:rPr lang="en-US" altLang="ko-KR" sz="1200" dirty="0">
+                <a:solidFill>
+                  <a:schemeClr val="bg1"/>
+                </a:solidFill>
+              </a:rPr>
+              <a:t>3</a:t>
+            </a:r>
+            <a:r>
+              <a:rPr lang="ko-KR" altLang="en-US" sz="1200" dirty="0">
+                <a:solidFill>
+                  <a:schemeClr val="bg1"/>
+                </a:solidFill>
+              </a:rPr>
+              <a:t>표입니다</a:t>
+            </a:r>
+            <a:r>
+              <a:rPr lang="en-US" altLang="ko-KR" sz="1200" dirty="0">
+                <a:solidFill>
+                  <a:schemeClr val="bg1"/>
+                </a:solidFill>
+              </a:rPr>
+              <a:t>.</a:t>
+            </a:r>
+          </a:p>
+          <a:p>
+            <a:r>
+              <a:rPr lang="en-US" altLang="ko-KR" sz="1200" dirty="0">
+                <a:solidFill>
+                  <a:srgbClr val="92D050"/>
+                </a:solidFill>
+              </a:rPr>
+              <a:t>user3&gt;/vote user4</a:t>
+            </a:r>
+            <a:endParaRPr lang="en-US" altLang="ko-KR" sz="1200" dirty="0">
+              <a:solidFill>
+                <a:schemeClr val="bg1"/>
+              </a:solidFill>
+            </a:endParaRPr>
+          </a:p>
+          <a:p>
+            <a:endParaRPr lang="en-US" altLang="ko-KR" sz="1200" dirty="0">
+              <a:solidFill>
+                <a:schemeClr val="bg1"/>
+              </a:solidFill>
+            </a:endParaRPr>
+          </a:p>
+          <a:p>
+            <a:endParaRPr lang="en-US" altLang="ko-KR" sz="1200" dirty="0">
+              <a:solidFill>
+                <a:schemeClr val="bg1"/>
+              </a:solidFill>
+            </a:endParaRPr>
+          </a:p>
+          <a:p>
+            <a:endParaRPr lang="en-US" altLang="ko-KR" sz="1200" dirty="0">
+              <a:solidFill>
+                <a:schemeClr val="bg1"/>
+              </a:solidFill>
+            </a:endParaRPr>
+          </a:p>
+          <a:p>
+            <a:endParaRPr lang="en-US" altLang="ko-KR" sz="1200" dirty="0">
+              <a:solidFill>
+                <a:schemeClr val="bg1"/>
+              </a:solidFill>
+            </a:endParaRPr>
+          </a:p>
+          <a:p>
+            <a:endParaRPr lang="en-US" altLang="ko-KR" sz="1200" dirty="0">
+              <a:solidFill>
+                <a:schemeClr val="bg1"/>
+              </a:solidFill>
+            </a:endParaRPr>
+          </a:p>
+        </p:txBody>
+      </p:sp>
+      <p:sp>
+        <p:nvSpPr>
+          <p:cNvPr id="10" name="사각형: 둥근 위쪽 모서리 9">
             <a:extLst>
               <a:ext uri="{FF2B5EF4-FFF2-40B4-BE49-F238E27FC236}">
-                <a16:creationId xmlns:a16="http://schemas.microsoft.com/office/drawing/2014/main" id="{F797FB05-E65A-48A8-8F37-5A5D58F1C4B7}"/>
+                <a16:creationId xmlns:a16="http://schemas.microsoft.com/office/drawing/2014/main" id="{A421E35F-6F4C-4BA3-BC2A-D7B6144B7D77}"/>
+              </a:ext>
+            </a:extLst>
+          </p:cNvPr>
+          <p:cNvSpPr/>
+          <p:nvPr/>
+        </p:nvSpPr>
+        <p:spPr>
+          <a:xfrm>
+            <a:off x="414339" y="2271501"/>
+            <a:ext cx="3386136" cy="271042"/>
+          </a:xfrm>
+          <a:prstGeom prst="round2SameRect">
+            <a:avLst/>
+          </a:prstGeom>
+          <a:solidFill>
+            <a:schemeClr val="bg2">
+              <a:lumMod val="50000"/>
+            </a:schemeClr>
+          </a:solidFill>
+          <a:ln>
+            <a:solidFill>
+              <a:schemeClr val="tx1">
+                <a:lumMod val="95000"/>
+                <a:lumOff val="5000"/>
+              </a:schemeClr>
+            </a:solidFill>
+          </a:ln>
+        </p:spPr>
+        <p:style>
+          <a:lnRef idx="2">
+            <a:schemeClr val="accent1">
+              <a:shade val="50000"/>
+            </a:schemeClr>
+          </a:lnRef>
+          <a:fillRef idx="1">
+            <a:schemeClr val="accent1"/>
+          </a:fillRef>
+          <a:effectRef idx="0">
+            <a:schemeClr val="accent1"/>
+          </a:effectRef>
+          <a:fontRef idx="minor">
+            <a:schemeClr val="lt1"/>
+          </a:fontRef>
+        </p:style>
+        <p:txBody>
+          <a:bodyPr rtlCol="0" anchor="ctr"/>
+          <a:lstStyle/>
+          <a:p>
+            <a:pPr algn="ctr"/>
+            <a:r>
+              <a:rPr lang="en-US" altLang="ko-KR" sz="1050" dirty="0"/>
+              <a:t>user3_terminal</a:t>
+            </a:r>
+            <a:endParaRPr lang="ko-KR" altLang="en-US" sz="1050" dirty="0"/>
+          </a:p>
+        </p:txBody>
+      </p:sp>
+      <p:sp>
+        <p:nvSpPr>
+          <p:cNvPr id="12" name="직사각형 11">
+            <a:extLst>
+              <a:ext uri="{FF2B5EF4-FFF2-40B4-BE49-F238E27FC236}">
+                <a16:creationId xmlns:a16="http://schemas.microsoft.com/office/drawing/2014/main" id="{C5EDC0B6-6C50-4F89-8112-ABE018AC4E55}"/>
+              </a:ext>
+            </a:extLst>
+          </p:cNvPr>
+          <p:cNvSpPr/>
+          <p:nvPr/>
+        </p:nvSpPr>
+        <p:spPr>
+          <a:xfrm>
+            <a:off x="4922045" y="2542543"/>
+            <a:ext cx="3386137" cy="3072653"/>
+          </a:xfrm>
+          <a:prstGeom prst="rect">
+            <a:avLst/>
+          </a:prstGeom>
+          <a:solidFill>
+            <a:schemeClr val="tx1">
+              <a:lumMod val="75000"/>
+              <a:lumOff val="25000"/>
+            </a:schemeClr>
+          </a:solidFill>
+          <a:ln>
+            <a:solidFill>
+              <a:schemeClr val="tx1">
+                <a:lumMod val="95000"/>
+                <a:lumOff val="5000"/>
+              </a:schemeClr>
+            </a:solidFill>
+          </a:ln>
+        </p:spPr>
+        <p:style>
+          <a:lnRef idx="2">
+            <a:schemeClr val="accent1">
+              <a:shade val="50000"/>
+            </a:schemeClr>
+          </a:lnRef>
+          <a:fillRef idx="1">
+            <a:schemeClr val="accent1"/>
+          </a:fillRef>
+          <a:effectRef idx="0">
+            <a:schemeClr val="accent1"/>
+          </a:effectRef>
+          <a:fontRef idx="minor">
+            <a:schemeClr val="lt1"/>
+          </a:fontRef>
+        </p:style>
+        <p:txBody>
+          <a:bodyPr rtlCol="0" anchor="ctr"/>
+          <a:lstStyle/>
+          <a:p>
+            <a:r>
+              <a:rPr lang="en-US" altLang="ko-KR" sz="1200" dirty="0">
+                <a:solidFill>
+                  <a:schemeClr val="bg1"/>
+                </a:solidFill>
+              </a:rPr>
+              <a:t>[13:52:55] user4&gt; hi</a:t>
+            </a:r>
+          </a:p>
+          <a:p>
+            <a:r>
+              <a:rPr lang="en-US" altLang="ko-KR" sz="1200" dirty="0">
+                <a:solidFill>
+                  <a:srgbClr val="FFFF00"/>
+                </a:solidFill>
+              </a:rPr>
+              <a:t>[13:52:58] user3&gt; hello</a:t>
+            </a:r>
+          </a:p>
+          <a:p>
+            <a:r>
+              <a:rPr lang="ko-KR" altLang="en-US" sz="1200" dirty="0">
+                <a:solidFill>
+                  <a:schemeClr val="bg1"/>
+                </a:solidFill>
+              </a:rPr>
+              <a:t>게임을 시작합니다</a:t>
+            </a:r>
+            <a:r>
+              <a:rPr lang="en-US" altLang="ko-KR" sz="1200" dirty="0">
+                <a:solidFill>
+                  <a:schemeClr val="bg1"/>
+                </a:solidFill>
+              </a:rPr>
+              <a:t>.</a:t>
+            </a:r>
+          </a:p>
+          <a:p>
+            <a:r>
+              <a:rPr lang="en-US" altLang="ko-KR" sz="1200" dirty="0">
+                <a:solidFill>
+                  <a:schemeClr val="accent1">
+                    <a:lumMod val="60000"/>
+                    <a:lumOff val="40000"/>
+                  </a:schemeClr>
+                </a:solidFill>
+              </a:rPr>
+              <a:t>- </a:t>
+            </a:r>
+            <a:r>
+              <a:rPr lang="ko-KR" altLang="en-US" sz="1200" dirty="0">
+                <a:solidFill>
+                  <a:schemeClr val="accent1">
+                    <a:lumMod val="60000"/>
+                    <a:lumOff val="40000"/>
+                  </a:schemeClr>
+                </a:solidFill>
+              </a:rPr>
+              <a:t>당신은 시민 입니다</a:t>
+            </a:r>
+            <a:r>
+              <a:rPr lang="en-US" altLang="ko-KR" sz="1200" dirty="0">
+                <a:solidFill>
+                  <a:schemeClr val="accent1">
+                    <a:lumMod val="60000"/>
+                    <a:lumOff val="40000"/>
+                  </a:schemeClr>
+                </a:solidFill>
+              </a:rPr>
+              <a:t>. -</a:t>
+            </a:r>
+          </a:p>
+          <a:p>
+            <a:r>
+              <a:rPr lang="ko-KR" altLang="en-US" sz="1200" dirty="0">
+                <a:solidFill>
+                  <a:schemeClr val="bg1"/>
+                </a:solidFill>
+              </a:rPr>
+              <a:t>낮이 되었습니다</a:t>
+            </a:r>
+            <a:r>
+              <a:rPr lang="en-US" altLang="ko-KR" sz="1200" dirty="0">
+                <a:solidFill>
+                  <a:schemeClr val="bg1"/>
+                </a:solidFill>
+              </a:rPr>
+              <a:t>.</a:t>
+            </a:r>
+          </a:p>
+          <a:p>
+            <a:r>
+              <a:rPr lang="en-US" altLang="ko-KR" sz="1200" dirty="0">
+                <a:solidFill>
+                  <a:srgbClr val="FFFF00"/>
+                </a:solidFill>
+              </a:rPr>
+              <a:t>[13:53:05] user3&gt; user4</a:t>
+            </a:r>
+            <a:r>
+              <a:rPr lang="ko-KR" altLang="en-US" sz="1200" dirty="0">
+                <a:solidFill>
+                  <a:srgbClr val="FFFF00"/>
+                </a:solidFill>
+              </a:rPr>
+              <a:t>가 마피아 </a:t>
+            </a:r>
+            <a:r>
+              <a:rPr lang="ko-KR" altLang="en-US" sz="1200" dirty="0" err="1">
+                <a:solidFill>
+                  <a:srgbClr val="FFFF00"/>
+                </a:solidFill>
+              </a:rPr>
+              <a:t>인것같은데</a:t>
+            </a:r>
+            <a:r>
+              <a:rPr lang="en-US" altLang="ko-KR" sz="1200" dirty="0">
+                <a:solidFill>
+                  <a:srgbClr val="FFFF00"/>
+                </a:solidFill>
+              </a:rPr>
+              <a:t>?</a:t>
+            </a:r>
+          </a:p>
+          <a:p>
+            <a:r>
+              <a:rPr lang="ko-KR" altLang="en-US" sz="1200" dirty="0">
+                <a:solidFill>
+                  <a:schemeClr val="bg1"/>
+                </a:solidFill>
+              </a:rPr>
+              <a:t>업데이트 </a:t>
+            </a:r>
+            <a:r>
+              <a:rPr lang="en-US" altLang="ko-KR" sz="1200" dirty="0">
+                <a:solidFill>
+                  <a:schemeClr val="bg1"/>
+                </a:solidFill>
+              </a:rPr>
+              <a:t>: user3</a:t>
+            </a:r>
+            <a:r>
+              <a:rPr lang="ko-KR" altLang="en-US" sz="1200" dirty="0">
+                <a:solidFill>
+                  <a:schemeClr val="bg1"/>
+                </a:solidFill>
+              </a:rPr>
+              <a:t>은 현재 </a:t>
+            </a:r>
+            <a:r>
+              <a:rPr lang="en-US" altLang="ko-KR" sz="1200" dirty="0">
+                <a:solidFill>
+                  <a:schemeClr val="bg1"/>
+                </a:solidFill>
+              </a:rPr>
+              <a:t>1</a:t>
+            </a:r>
+            <a:r>
+              <a:rPr lang="ko-KR" altLang="en-US" sz="1200" dirty="0">
+                <a:solidFill>
+                  <a:schemeClr val="bg1"/>
+                </a:solidFill>
+              </a:rPr>
+              <a:t>표입니다</a:t>
+            </a:r>
+            <a:r>
+              <a:rPr lang="en-US" altLang="ko-KR" sz="1200" dirty="0">
+                <a:solidFill>
+                  <a:schemeClr val="bg1"/>
+                </a:solidFill>
+              </a:rPr>
+              <a:t>.</a:t>
+            </a:r>
+          </a:p>
+          <a:p>
+            <a:r>
+              <a:rPr lang="en-US" altLang="ko-KR" sz="1200" dirty="0">
+                <a:solidFill>
+                  <a:srgbClr val="FFFF00"/>
+                </a:solidFill>
+              </a:rPr>
+              <a:t>[13:53:07] user3&gt; ?</a:t>
+            </a:r>
+          </a:p>
+          <a:p>
+            <a:r>
+              <a:rPr lang="ko-KR" altLang="en-US" sz="1200" dirty="0">
+                <a:solidFill>
+                  <a:schemeClr val="bg1"/>
+                </a:solidFill>
+              </a:rPr>
+              <a:t>업데이트 </a:t>
+            </a:r>
+            <a:r>
+              <a:rPr lang="en-US" altLang="ko-KR" sz="1200" dirty="0">
+                <a:solidFill>
+                  <a:schemeClr val="bg1"/>
+                </a:solidFill>
+              </a:rPr>
+              <a:t>: user3</a:t>
+            </a:r>
+            <a:r>
+              <a:rPr lang="ko-KR" altLang="en-US" sz="1200" dirty="0">
+                <a:solidFill>
+                  <a:schemeClr val="bg1"/>
+                </a:solidFill>
+              </a:rPr>
+              <a:t>은 현재 </a:t>
+            </a:r>
+            <a:r>
+              <a:rPr lang="en-US" altLang="ko-KR" sz="1200" dirty="0">
+                <a:solidFill>
+                  <a:schemeClr val="bg1"/>
+                </a:solidFill>
+              </a:rPr>
+              <a:t>2</a:t>
+            </a:r>
+            <a:r>
+              <a:rPr lang="ko-KR" altLang="en-US" sz="1200" dirty="0">
+                <a:solidFill>
+                  <a:schemeClr val="bg1"/>
+                </a:solidFill>
+              </a:rPr>
+              <a:t>표입니다</a:t>
+            </a:r>
+            <a:r>
+              <a:rPr lang="en-US" altLang="ko-KR" sz="1200" dirty="0">
+                <a:solidFill>
+                  <a:schemeClr val="bg1"/>
+                </a:solidFill>
+              </a:rPr>
+              <a:t>.</a:t>
+            </a:r>
+          </a:p>
+          <a:p>
+            <a:r>
+              <a:rPr lang="ko-KR" altLang="en-US" sz="1200" dirty="0">
+                <a:solidFill>
+                  <a:schemeClr val="bg1"/>
+                </a:solidFill>
+              </a:rPr>
+              <a:t>업데이트 </a:t>
+            </a:r>
+            <a:r>
+              <a:rPr lang="en-US" altLang="ko-KR" sz="1200" dirty="0">
+                <a:solidFill>
+                  <a:schemeClr val="bg1"/>
+                </a:solidFill>
+              </a:rPr>
+              <a:t>: user3</a:t>
+            </a:r>
+            <a:r>
+              <a:rPr lang="ko-KR" altLang="en-US" sz="1200" dirty="0">
+                <a:solidFill>
+                  <a:schemeClr val="bg1"/>
+                </a:solidFill>
+              </a:rPr>
+              <a:t>은 현재 </a:t>
+            </a:r>
+            <a:r>
+              <a:rPr lang="en-US" altLang="ko-KR" sz="1200" dirty="0">
+                <a:solidFill>
+                  <a:schemeClr val="bg1"/>
+                </a:solidFill>
+              </a:rPr>
+              <a:t>3</a:t>
+            </a:r>
+            <a:r>
+              <a:rPr lang="ko-KR" altLang="en-US" sz="1200" dirty="0">
+                <a:solidFill>
+                  <a:schemeClr val="bg1"/>
+                </a:solidFill>
+              </a:rPr>
+              <a:t>표입니다</a:t>
+            </a:r>
+            <a:r>
+              <a:rPr lang="en-US" altLang="ko-KR" sz="1200" dirty="0">
+                <a:solidFill>
+                  <a:schemeClr val="bg1"/>
+                </a:solidFill>
+              </a:rPr>
+              <a:t>.</a:t>
+            </a:r>
+          </a:p>
+          <a:p>
+            <a:r>
+              <a:rPr lang="ko-KR" altLang="en-US" sz="1200" dirty="0">
+                <a:solidFill>
+                  <a:schemeClr val="bg1"/>
+                </a:solidFill>
+              </a:rPr>
+              <a:t>업데이트 </a:t>
+            </a:r>
+            <a:r>
+              <a:rPr lang="en-US" altLang="ko-KR" sz="1200" dirty="0">
+                <a:solidFill>
+                  <a:schemeClr val="bg1"/>
+                </a:solidFill>
+              </a:rPr>
+              <a:t>: user4</a:t>
+            </a:r>
+            <a:r>
+              <a:rPr lang="ko-KR" altLang="en-US" sz="1200" dirty="0">
+                <a:solidFill>
+                  <a:schemeClr val="bg1"/>
+                </a:solidFill>
+              </a:rPr>
+              <a:t>은 현재 </a:t>
+            </a:r>
+            <a:r>
+              <a:rPr lang="en-US" altLang="ko-KR" sz="1200" dirty="0">
+                <a:solidFill>
+                  <a:schemeClr val="bg1"/>
+                </a:solidFill>
+              </a:rPr>
+              <a:t>1</a:t>
+            </a:r>
+            <a:r>
+              <a:rPr lang="ko-KR" altLang="en-US" sz="1200" dirty="0">
+                <a:solidFill>
+                  <a:schemeClr val="bg1"/>
+                </a:solidFill>
+              </a:rPr>
+              <a:t>표입니다</a:t>
+            </a:r>
+            <a:r>
+              <a:rPr lang="en-US" altLang="ko-KR" sz="1200" dirty="0">
+                <a:solidFill>
+                  <a:schemeClr val="bg1"/>
+                </a:solidFill>
+              </a:rPr>
+              <a:t>.</a:t>
+            </a:r>
+          </a:p>
+          <a:p>
+            <a:r>
+              <a:rPr lang="ko-KR" altLang="en-US" sz="1200" dirty="0">
+                <a:solidFill>
+                  <a:schemeClr val="bg1"/>
+                </a:solidFill>
+              </a:rPr>
+              <a:t>투표가 완료되었습니다</a:t>
+            </a:r>
+            <a:r>
+              <a:rPr lang="en-US" altLang="ko-KR" sz="1200" dirty="0">
+                <a:solidFill>
+                  <a:schemeClr val="bg1"/>
+                </a:solidFill>
+              </a:rPr>
+              <a:t>. user3</a:t>
+            </a:r>
+            <a:r>
+              <a:rPr lang="ko-KR" altLang="en-US" sz="1200" dirty="0">
+                <a:solidFill>
+                  <a:schemeClr val="bg1"/>
+                </a:solidFill>
+              </a:rPr>
+              <a:t>은 사망했습니다</a:t>
+            </a:r>
+            <a:r>
+              <a:rPr lang="en-US" altLang="ko-KR" sz="1200" dirty="0">
+                <a:solidFill>
+                  <a:schemeClr val="bg1"/>
+                </a:solidFill>
+              </a:rPr>
+              <a:t>.</a:t>
+            </a:r>
+          </a:p>
+          <a:p>
+            <a:r>
+              <a:rPr lang="en-US" altLang="ko-KR" sz="1200" dirty="0">
+                <a:solidFill>
+                  <a:srgbClr val="92D050"/>
+                </a:solidFill>
+              </a:rPr>
+              <a:t>user3&gt;</a:t>
+            </a:r>
+            <a:endParaRPr lang="en-US" altLang="ko-KR" sz="1200" dirty="0">
+              <a:solidFill>
+                <a:schemeClr val="bg1"/>
+              </a:solidFill>
+            </a:endParaRPr>
+          </a:p>
+          <a:p>
+            <a:endParaRPr lang="en-US" altLang="ko-KR" sz="1200" dirty="0">
+              <a:solidFill>
+                <a:schemeClr val="bg1"/>
+              </a:solidFill>
+            </a:endParaRPr>
+          </a:p>
+          <a:p>
+            <a:endParaRPr lang="en-US" altLang="ko-KR" sz="1200" dirty="0">
+              <a:solidFill>
+                <a:schemeClr val="bg1"/>
+              </a:solidFill>
+            </a:endParaRPr>
+          </a:p>
+          <a:p>
+            <a:endParaRPr lang="en-US" altLang="ko-KR" sz="1200" dirty="0">
+              <a:solidFill>
+                <a:schemeClr val="bg1"/>
+              </a:solidFill>
+            </a:endParaRPr>
+          </a:p>
+        </p:txBody>
+      </p:sp>
+      <p:sp>
+        <p:nvSpPr>
+          <p:cNvPr id="13" name="사각형: 둥근 위쪽 모서리 12">
+            <a:extLst>
+              <a:ext uri="{FF2B5EF4-FFF2-40B4-BE49-F238E27FC236}">
+                <a16:creationId xmlns:a16="http://schemas.microsoft.com/office/drawing/2014/main" id="{EE58200D-7E22-46D0-B6F9-3BD5F49C9912}"/>
+              </a:ext>
+            </a:extLst>
+          </p:cNvPr>
+          <p:cNvSpPr/>
+          <p:nvPr/>
+        </p:nvSpPr>
+        <p:spPr>
+          <a:xfrm>
+            <a:off x="4922045" y="2271501"/>
+            <a:ext cx="3386136" cy="271042"/>
+          </a:xfrm>
+          <a:prstGeom prst="round2SameRect">
+            <a:avLst/>
+          </a:prstGeom>
+          <a:solidFill>
+            <a:schemeClr val="bg2">
+              <a:lumMod val="50000"/>
+            </a:schemeClr>
+          </a:solidFill>
+          <a:ln>
+            <a:solidFill>
+              <a:schemeClr val="tx1">
+                <a:lumMod val="95000"/>
+                <a:lumOff val="5000"/>
+              </a:schemeClr>
+            </a:solidFill>
+          </a:ln>
+        </p:spPr>
+        <p:style>
+          <a:lnRef idx="2">
+            <a:schemeClr val="accent1">
+              <a:shade val="50000"/>
+            </a:schemeClr>
+          </a:lnRef>
+          <a:fillRef idx="1">
+            <a:schemeClr val="accent1"/>
+          </a:fillRef>
+          <a:effectRef idx="0">
+            <a:schemeClr val="accent1"/>
+          </a:effectRef>
+          <a:fontRef idx="minor">
+            <a:schemeClr val="lt1"/>
+          </a:fontRef>
+        </p:style>
+        <p:txBody>
+          <a:bodyPr rtlCol="0" anchor="ctr"/>
+          <a:lstStyle/>
+          <a:p>
+            <a:pPr algn="ctr"/>
+            <a:r>
+              <a:rPr lang="en-US" altLang="ko-KR" sz="1050" dirty="0"/>
+              <a:t>user3_terminal</a:t>
+            </a:r>
+            <a:endParaRPr lang="ko-KR" altLang="en-US" sz="1050" dirty="0"/>
+          </a:p>
+        </p:txBody>
+      </p:sp>
+      <p:sp>
+        <p:nvSpPr>
+          <p:cNvPr id="2" name="TextBox 1">
+            <a:extLst>
+              <a:ext uri="{FF2B5EF4-FFF2-40B4-BE49-F238E27FC236}">
+                <a16:creationId xmlns:a16="http://schemas.microsoft.com/office/drawing/2014/main" id="{A260AA70-2016-4247-9074-ED5247916E5E}"/>
               </a:ext>
             </a:extLst>
           </p:cNvPr>
@@ -7572,8 +12919,8 @@
         </p:nvSpPr>
         <p:spPr>
           <a:xfrm>
-            <a:off x="-6081" y="2132856"/>
-            <a:ext cx="5976664" cy="646331"/>
+            <a:off x="5443537" y="1893094"/>
+            <a:ext cx="2443163" cy="300082"/>
           </a:xfrm>
           <a:prstGeom prst="rect">
             <a:avLst/>
@@ -7587,156 +12934,100 @@
           <a:lstStyle/>
           <a:p>
             <a:r>
-              <a:rPr lang="en-US" altLang="ko-KR" b="1" i="0" dirty="0">
-                <a:solidFill>
-                  <a:srgbClr val="1E1E1E"/>
-                </a:solidFill>
-                <a:effectLst/>
-                <a:latin typeface="궁서체" panose="02030609000101010101" pitchFamily="17" charset="-127"/>
-                <a:ea typeface="궁서체" panose="02030609000101010101" pitchFamily="17" charset="-127"/>
-              </a:rPr>
-              <a:t>“</a:t>
-            </a:r>
-            <a:r>
-              <a:rPr lang="ko-KR" altLang="en-US" b="1" i="0" dirty="0">
-                <a:solidFill>
-                  <a:srgbClr val="1E1E1E"/>
-                </a:solidFill>
-                <a:effectLst/>
-                <a:latin typeface="궁서체" panose="02030609000101010101" pitchFamily="17" charset="-127"/>
-                <a:ea typeface="궁서체" panose="02030609000101010101" pitchFamily="17" charset="-127"/>
-              </a:rPr>
-              <a:t>들여쓰기를 </a:t>
-            </a:r>
-            <a:r>
-              <a:rPr lang="en-US" altLang="ko-KR" b="1" i="0" dirty="0">
-                <a:solidFill>
-                  <a:srgbClr val="1E1E1E"/>
-                </a:solidFill>
-                <a:effectLst/>
-                <a:latin typeface="궁서체" panose="02030609000101010101" pitchFamily="17" charset="-127"/>
-                <a:ea typeface="궁서체" panose="02030609000101010101" pitchFamily="17" charset="-127"/>
-              </a:rPr>
-              <a:t>4</a:t>
-            </a:r>
-            <a:r>
-              <a:rPr lang="ko-KR" altLang="en-US" b="1" i="0" dirty="0">
-                <a:solidFill>
-                  <a:srgbClr val="1E1E1E"/>
-                </a:solidFill>
-                <a:effectLst/>
-                <a:latin typeface="궁서체" panose="02030609000101010101" pitchFamily="17" charset="-127"/>
-                <a:ea typeface="궁서체" panose="02030609000101010101" pitchFamily="17" charset="-127"/>
-              </a:rPr>
-              <a:t>단계 이상 한다면</a:t>
-            </a:r>
-            <a:r>
-              <a:rPr lang="en-US" altLang="ko-KR" b="1" i="0" dirty="0">
-                <a:solidFill>
-                  <a:srgbClr val="1E1E1E"/>
-                </a:solidFill>
-                <a:effectLst/>
-                <a:latin typeface="궁서체" panose="02030609000101010101" pitchFamily="17" charset="-127"/>
-                <a:ea typeface="궁서체" panose="02030609000101010101" pitchFamily="17" charset="-127"/>
+              <a:rPr lang="ko-KR" altLang="en-US" sz="1350" dirty="0">
+                <a:latin typeface="나눔고딕 ExtraBold" panose="020D0904000000000000" pitchFamily="50" charset="-127"/>
+                <a:ea typeface="나눔고딕 ExtraBold" panose="020D0904000000000000" pitchFamily="50" charset="-127"/>
+              </a:rPr>
+              <a:t>사망하면</a:t>
+            </a:r>
+            <a:r>
+              <a:rPr lang="en-US" altLang="ko-KR" sz="1350" dirty="0">
+                <a:latin typeface="나눔고딕 ExtraBold" panose="020D0904000000000000" pitchFamily="50" charset="-127"/>
+                <a:ea typeface="나눔고딕 ExtraBold" panose="020D0904000000000000" pitchFamily="50" charset="-127"/>
               </a:rPr>
               <a:t>, </a:t>
             </a:r>
             <a:r>
-              <a:rPr lang="ko-KR" altLang="en-US" b="1" i="0" dirty="0" err="1">
-                <a:solidFill>
-                  <a:srgbClr val="1E1E1E"/>
-                </a:solidFill>
-                <a:effectLst/>
-                <a:latin typeface="궁서체" panose="02030609000101010101" pitchFamily="17" charset="-127"/>
-                <a:ea typeface="궁서체" panose="02030609000101010101" pitchFamily="17" charset="-127"/>
-              </a:rPr>
-              <a:t>어짜피</a:t>
-            </a:r>
-            <a:r>
-              <a:rPr lang="ko-KR" altLang="en-US" b="1" i="0" dirty="0">
-                <a:solidFill>
-                  <a:srgbClr val="1E1E1E"/>
-                </a:solidFill>
-                <a:effectLst/>
-                <a:latin typeface="궁서체" panose="02030609000101010101" pitchFamily="17" charset="-127"/>
-                <a:ea typeface="궁서체" panose="02030609000101010101" pitchFamily="17" charset="-127"/>
-              </a:rPr>
-              <a:t> </a:t>
-            </a:r>
-            <a:r>
-              <a:rPr lang="ko-KR" altLang="en-US" b="1" i="0" dirty="0" err="1">
-                <a:solidFill>
-                  <a:srgbClr val="1E1E1E"/>
-                </a:solidFill>
-                <a:effectLst/>
-                <a:latin typeface="궁서체" panose="02030609000101010101" pitchFamily="17" charset="-127"/>
-                <a:ea typeface="궁서체" panose="02030609000101010101" pitchFamily="17" charset="-127"/>
-              </a:rPr>
-              <a:t>망친거니깐</a:t>
-            </a:r>
-            <a:r>
-              <a:rPr lang="ko-KR" altLang="en-US" b="1" i="0" dirty="0">
-                <a:solidFill>
-                  <a:srgbClr val="1E1E1E"/>
-                </a:solidFill>
-                <a:effectLst/>
-                <a:latin typeface="궁서체" panose="02030609000101010101" pitchFamily="17" charset="-127"/>
-                <a:ea typeface="궁서체" panose="02030609000101010101" pitchFamily="17" charset="-127"/>
-              </a:rPr>
-              <a:t> 프로그램 처음부터 다시 짜라</a:t>
-            </a:r>
-            <a:r>
-              <a:rPr lang="en-US" altLang="ko-KR" b="1" i="0" dirty="0">
-                <a:solidFill>
-                  <a:srgbClr val="1E1E1E"/>
-                </a:solidFill>
-                <a:effectLst/>
-                <a:latin typeface="궁서체" panose="02030609000101010101" pitchFamily="17" charset="-127"/>
-                <a:ea typeface="궁서체" panose="02030609000101010101" pitchFamily="17" charset="-127"/>
-              </a:rPr>
-              <a:t>.” – </a:t>
-            </a:r>
-            <a:r>
-              <a:rPr lang="ko-KR" altLang="en-US" b="1" i="0" dirty="0" err="1">
-                <a:solidFill>
-                  <a:srgbClr val="1E1E1E"/>
-                </a:solidFill>
-                <a:effectLst/>
-                <a:latin typeface="궁서체" panose="02030609000101010101" pitchFamily="17" charset="-127"/>
-                <a:ea typeface="궁서체" panose="02030609000101010101" pitchFamily="17" charset="-127"/>
-              </a:rPr>
-              <a:t>리누스</a:t>
-            </a:r>
-            <a:r>
-              <a:rPr lang="ko-KR" altLang="en-US" b="1" i="0" dirty="0">
-                <a:solidFill>
-                  <a:srgbClr val="1E1E1E"/>
-                </a:solidFill>
-                <a:effectLst/>
-                <a:latin typeface="궁서체" panose="02030609000101010101" pitchFamily="17" charset="-127"/>
-                <a:ea typeface="궁서체" panose="02030609000101010101" pitchFamily="17" charset="-127"/>
-              </a:rPr>
-              <a:t> </a:t>
-            </a:r>
-            <a:r>
-              <a:rPr lang="ko-KR" altLang="en-US" b="1" i="0" dirty="0" err="1">
-                <a:solidFill>
-                  <a:srgbClr val="1E1E1E"/>
-                </a:solidFill>
-                <a:effectLst/>
-                <a:latin typeface="궁서체" panose="02030609000101010101" pitchFamily="17" charset="-127"/>
-                <a:ea typeface="궁서체" panose="02030609000101010101" pitchFamily="17" charset="-127"/>
-              </a:rPr>
-              <a:t>토발즈</a:t>
-            </a:r>
-            <a:endParaRPr lang="en-US" altLang="ko-KR" b="1" dirty="0">
-              <a:latin typeface="궁서체" panose="02030609000101010101" pitchFamily="17" charset="-127"/>
-              <a:ea typeface="궁서체" panose="02030609000101010101" pitchFamily="17" charset="-127"/>
-            </a:endParaRPr>
+              <a:rPr lang="ko-KR" altLang="en-US" sz="1350" dirty="0">
+                <a:latin typeface="나눔고딕 ExtraBold" panose="020D0904000000000000" pitchFamily="50" charset="-127"/>
+                <a:ea typeface="나눔고딕 ExtraBold" panose="020D0904000000000000" pitchFamily="50" charset="-127"/>
+              </a:rPr>
+              <a:t>채팅금지</a:t>
+            </a:r>
+          </a:p>
+        </p:txBody>
+      </p:sp>
+      <p:sp>
+        <p:nvSpPr>
+          <p:cNvPr id="3" name="직사각형 2">
+            <a:extLst>
+              <a:ext uri="{FF2B5EF4-FFF2-40B4-BE49-F238E27FC236}">
+                <a16:creationId xmlns:a16="http://schemas.microsoft.com/office/drawing/2014/main" id="{C9DDC75F-1E85-4107-AD0B-DAE35D52EE6F}"/>
+              </a:ext>
+            </a:extLst>
+          </p:cNvPr>
+          <p:cNvSpPr/>
+          <p:nvPr/>
+        </p:nvSpPr>
+        <p:spPr>
+          <a:xfrm>
+            <a:off x="0" y="404664"/>
+            <a:ext cx="9144000" cy="504056"/>
+          </a:xfrm>
+          <a:prstGeom prst="rect">
+            <a:avLst/>
+          </a:prstGeom>
+          <a:solidFill>
+            <a:srgbClr val="FD4B62"/>
+          </a:solidFill>
+          <a:ln>
+            <a:noFill/>
+          </a:ln>
+        </p:spPr>
+        <p:style>
+          <a:lnRef idx="2">
+            <a:schemeClr val="accent1">
+              <a:shade val="50000"/>
+            </a:schemeClr>
+          </a:lnRef>
+          <a:fillRef idx="1">
+            <a:schemeClr val="accent1"/>
+          </a:fillRef>
+          <a:effectRef idx="0">
+            <a:schemeClr val="accent1"/>
+          </a:effectRef>
+          <a:fontRef idx="minor">
+            <a:schemeClr val="lt1"/>
+          </a:fontRef>
+        </p:style>
+        <p:txBody>
+          <a:bodyPr rtlCol="0" anchor="ctr"/>
+          <a:lstStyle/>
+          <a:p>
+            <a:pPr algn="ctr"/>
+            <a:r>
+              <a:rPr lang="ko-KR" altLang="en-US" dirty="0">
+                <a:ln>
+                  <a:solidFill>
+                    <a:schemeClr val="accent1">
+                      <a:alpha val="0"/>
+                    </a:schemeClr>
+                  </a:solidFill>
+                </a:ln>
+                <a:latin typeface="말랑말랑 Bold" panose="020F0803000000000000" pitchFamily="50" charset="-127"/>
+                <a:ea typeface="말랑말랑 Bold" panose="020F0803000000000000" pitchFamily="50" charset="-127"/>
+              </a:rPr>
+              <a:t>게임 진행 방식</a:t>
+            </a:r>
           </a:p>
         </p:txBody>
       </p:sp>
     </p:spTree>
+    <p:extLst>
+      <p:ext uri="{BB962C8B-B14F-4D97-AF65-F5344CB8AC3E}">
+        <p14:creationId xmlns:p14="http://schemas.microsoft.com/office/powerpoint/2010/main" val="3597238402"/>
+      </p:ext>
+    </p:extLst>
   </p:cSld>
   <p:clrMapOvr>
     <a:masterClrMapping/>

--- a/발표자료/시스템프로그래밍_팀프로젝트_1조.pptx
+++ b/발표자료/시스템프로그래밍_팀프로젝트_1조.pptx
@@ -25,17 +25,13 @@
   <p:notesSz cx="6858000" cy="9144000"/>
   <p:embeddedFontLst>
     <p:embeddedFont>
-      <p:font typeface="나눔고딕 ExtraBold" panose="020B0600000101010101" charset="-127"/>
+      <p:font typeface="나눔고딕 ExtraBold" panose="020D0904000000000000" pitchFamily="50" charset="-127"/>
       <p:bold r:id="rId15"/>
     </p:embeddedFont>
     <p:embeddedFont>
-      <p:font typeface="말랑말랑 Bold" panose="020F0803000000000000" pitchFamily="50" charset="-127"/>
-      <p:bold r:id="rId16"/>
-    </p:embeddedFont>
-    <p:embeddedFont>
       <p:font typeface="맑은 고딕" panose="020B0503020000020004" pitchFamily="50" charset="-127"/>
-      <p:regular r:id="rId17"/>
-      <p:bold r:id="rId18"/>
+      <p:regular r:id="rId16"/>
+      <p:bold r:id="rId17"/>
     </p:embeddedFont>
   </p:embeddedFontLst>
   <p:defaultTextStyle>
@@ -7716,7 +7712,7 @@
               <a:t>, </a:t>
             </a:r>
             <a:r>
-              <a:rPr lang="ko-KR" altLang="en-US" b="1" i="0" dirty="0" err="1">
+              <a:rPr lang="ko-KR" altLang="en-US" b="1" i="0" dirty="0">
                 <a:solidFill>
                   <a:srgbClr val="1E1E1E"/>
                 </a:solidFill>
@@ -7724,10 +7720,10 @@
                 <a:latin typeface="궁서체" panose="02030609000101010101" pitchFamily="17" charset="-127"/>
                 <a:ea typeface="궁서체" panose="02030609000101010101" pitchFamily="17" charset="-127"/>
               </a:rPr>
-              <a:t>어짜피</a:t>
-            </a:r>
-            <a:r>
-              <a:rPr lang="ko-KR" altLang="en-US" b="1" i="0" dirty="0">
+              <a:t>어차피 </a:t>
+            </a:r>
+            <a:r>
+              <a:rPr lang="ko-KR" altLang="en-US" b="1" i="0" dirty="0" err="1">
                 <a:solidFill>
                   <a:srgbClr val="1E1E1E"/>
                 </a:solidFill>
@@ -7735,18 +7731,7 @@
                 <a:latin typeface="궁서체" panose="02030609000101010101" pitchFamily="17" charset="-127"/>
                 <a:ea typeface="궁서체" panose="02030609000101010101" pitchFamily="17" charset="-127"/>
               </a:rPr>
-              <a:t> </a:t>
-            </a:r>
-            <a:r>
-              <a:rPr lang="ko-KR" altLang="en-US" b="1" i="0" dirty="0" err="1">
-                <a:solidFill>
-                  <a:srgbClr val="1E1E1E"/>
-                </a:solidFill>
-                <a:effectLst/>
-                <a:latin typeface="궁서체" panose="02030609000101010101" pitchFamily="17" charset="-127"/>
-                <a:ea typeface="궁서체" panose="02030609000101010101" pitchFamily="17" charset="-127"/>
-              </a:rPr>
-              <a:t>망친거니깐</a:t>
+              <a:t>망친거니까</a:t>
             </a:r>
             <a:r>
               <a:rPr lang="ko-KR" altLang="en-US" b="1" i="0" dirty="0">
